--- a/poster.pptx
+++ b/poster.pptx
@@ -4,9 +4,11 @@
   <p:sldMasterIdLst>
     <p:sldMasterId id="2147483648" r:id="rId1"/>
   </p:sldMasterIdLst>
+  <p:notesMasterIdLst>
+    <p:notesMasterId r:id="rId3"/>
+  </p:notesMasterIdLst>
   <p:sldIdLst>
-    <p:sldId id="256" r:id="rId2"/>
-    <p:sldId id="257" r:id="rId3"/>
+    <p:sldId id="257" r:id="rId2"/>
   </p:sldIdLst>
   <p:sldSz cx="9601200" cy="12801600" type="A3"/>
   <p:notesSz cx="6858000" cy="9144000"/>
@@ -124,6 +126,471 @@
 </p:presentation>
 </file>
 
+<file path=ppt/notesMasters/notesMaster1.xml><?xml version="1.0" encoding="utf-8"?>
+<p:notesMaster xmlns:a="http://schemas.openxmlformats.org/drawingml/2006/main" xmlns:r="http://schemas.openxmlformats.org/officeDocument/2006/relationships" xmlns:p="http://schemas.openxmlformats.org/presentationml/2006/main">
+  <p:cSld>
+    <p:bg>
+      <p:bgRef idx="1001">
+        <a:schemeClr val="bg1"/>
+      </p:bgRef>
+    </p:bg>
+    <p:spTree>
+      <p:nvGrpSpPr>
+        <p:cNvPr id="1" name=""/>
+        <p:cNvGrpSpPr/>
+        <p:nvPr/>
+      </p:nvGrpSpPr>
+      <p:grpSpPr>
+        <a:xfrm>
+          <a:off x="0" y="0"/>
+          <a:ext cx="0" cy="0"/>
+          <a:chOff x="0" y="0"/>
+          <a:chExt cx="0" cy="0"/>
+        </a:xfrm>
+      </p:grpSpPr>
+      <p:sp>
+        <p:nvSpPr>
+          <p:cNvPr id="2" name="ヘッダー プレースホルダー 1"/>
+          <p:cNvSpPr>
+            <a:spLocks noGrp="1"/>
+          </p:cNvSpPr>
+          <p:nvPr>
+            <p:ph type="hdr" sz="quarter"/>
+          </p:nvPr>
+        </p:nvSpPr>
+        <p:spPr>
+          <a:xfrm>
+            <a:off x="0" y="0"/>
+            <a:ext cx="2971800" cy="458788"/>
+          </a:xfrm>
+          <a:prstGeom prst="rect">
+            <a:avLst/>
+          </a:prstGeom>
+        </p:spPr>
+        <p:txBody>
+          <a:bodyPr vert="horz" lIns="91440" tIns="45720" rIns="91440" bIns="45720" rtlCol="0"/>
+          <a:lstStyle>
+            <a:lvl1pPr algn="l">
+              <a:defRPr sz="1200"/>
+            </a:lvl1pPr>
+          </a:lstStyle>
+          <a:p>
+            <a:endParaRPr kumimoji="1" lang="ja-JP" altLang="en-US"/>
+          </a:p>
+        </p:txBody>
+      </p:sp>
+      <p:sp>
+        <p:nvSpPr>
+          <p:cNvPr id="3" name="日付プレースホルダー 2"/>
+          <p:cNvSpPr>
+            <a:spLocks noGrp="1"/>
+          </p:cNvSpPr>
+          <p:nvPr>
+            <p:ph type="dt" idx="1"/>
+          </p:nvPr>
+        </p:nvSpPr>
+        <p:spPr>
+          <a:xfrm>
+            <a:off x="3884613" y="0"/>
+            <a:ext cx="2971800" cy="458788"/>
+          </a:xfrm>
+          <a:prstGeom prst="rect">
+            <a:avLst/>
+          </a:prstGeom>
+        </p:spPr>
+        <p:txBody>
+          <a:bodyPr vert="horz" lIns="91440" tIns="45720" rIns="91440" bIns="45720" rtlCol="0"/>
+          <a:lstStyle>
+            <a:lvl1pPr algn="r">
+              <a:defRPr sz="1200"/>
+            </a:lvl1pPr>
+          </a:lstStyle>
+          <a:p>
+            <a:fld id="{7BF4F38B-4B3B-DA46-A84C-9889022A24A4}" type="datetimeFigureOut">
+              <a:rPr kumimoji="1" lang="ja-JP" altLang="en-US" smtClean="0"/>
+              <a:t>2019/7/19</a:t>
+            </a:fld>
+            <a:endParaRPr kumimoji="1" lang="ja-JP" altLang="en-US"/>
+          </a:p>
+        </p:txBody>
+      </p:sp>
+      <p:sp>
+        <p:nvSpPr>
+          <p:cNvPr id="4" name="スライド イメージ プレースホルダー 3"/>
+          <p:cNvSpPr>
+            <a:spLocks noGrp="1" noRot="1" noChangeAspect="1"/>
+          </p:cNvSpPr>
+          <p:nvPr>
+            <p:ph type="sldImg" idx="2"/>
+          </p:nvPr>
+        </p:nvSpPr>
+        <p:spPr>
+          <a:xfrm>
+            <a:off x="2271713" y="1143000"/>
+            <a:ext cx="2314575" cy="3086100"/>
+          </a:xfrm>
+          <a:prstGeom prst="rect">
+            <a:avLst/>
+          </a:prstGeom>
+          <a:noFill/>
+          <a:ln w="12700">
+            <a:solidFill>
+              <a:prstClr val="black"/>
+            </a:solidFill>
+          </a:ln>
+        </p:spPr>
+        <p:txBody>
+          <a:bodyPr vert="horz" lIns="91440" tIns="45720" rIns="91440" bIns="45720" rtlCol="0" anchor="ctr"/>
+          <a:lstStyle/>
+          <a:p>
+            <a:endParaRPr lang="ja-JP" altLang="en-US"/>
+          </a:p>
+        </p:txBody>
+      </p:sp>
+      <p:sp>
+        <p:nvSpPr>
+          <p:cNvPr id="5" name="ノート プレースホルダー 4"/>
+          <p:cNvSpPr>
+            <a:spLocks noGrp="1"/>
+          </p:cNvSpPr>
+          <p:nvPr>
+            <p:ph type="body" sz="quarter" idx="3"/>
+          </p:nvPr>
+        </p:nvSpPr>
+        <p:spPr>
+          <a:xfrm>
+            <a:off x="685800" y="4400550"/>
+            <a:ext cx="5486400" cy="3600450"/>
+          </a:xfrm>
+          <a:prstGeom prst="rect">
+            <a:avLst/>
+          </a:prstGeom>
+        </p:spPr>
+        <p:txBody>
+          <a:bodyPr vert="horz" lIns="91440" tIns="45720" rIns="91440" bIns="45720" rtlCol="0"/>
+          <a:lstStyle/>
+          <a:p>
+            <a:pPr lvl="0"/>
+            <a:r>
+              <a:rPr kumimoji="1" lang="ja-JP" altLang="en-US"/>
+              <a:t>マスター テキストの書式設定</a:t>
+            </a:r>
+          </a:p>
+          <a:p>
+            <a:pPr lvl="1"/>
+            <a:r>
+              <a:rPr kumimoji="1" lang="ja-JP" altLang="en-US"/>
+              <a:t>第 </a:t>
+            </a:r>
+            <a:r>
+              <a:rPr kumimoji="1" lang="en-US" altLang="ja-JP"/>
+              <a:t>2 </a:t>
+            </a:r>
+            <a:r>
+              <a:rPr kumimoji="1" lang="ja-JP" altLang="en-US"/>
+              <a:t>レベル</a:t>
+            </a:r>
+          </a:p>
+          <a:p>
+            <a:pPr lvl="2"/>
+            <a:r>
+              <a:rPr kumimoji="1" lang="ja-JP" altLang="en-US"/>
+              <a:t>第 </a:t>
+            </a:r>
+            <a:r>
+              <a:rPr kumimoji="1" lang="en-US" altLang="ja-JP"/>
+              <a:t>3 </a:t>
+            </a:r>
+            <a:r>
+              <a:rPr kumimoji="1" lang="ja-JP" altLang="en-US"/>
+              <a:t>レベル</a:t>
+            </a:r>
+          </a:p>
+          <a:p>
+            <a:pPr lvl="3"/>
+            <a:r>
+              <a:rPr kumimoji="1" lang="ja-JP" altLang="en-US"/>
+              <a:t>第 </a:t>
+            </a:r>
+            <a:r>
+              <a:rPr kumimoji="1" lang="en-US" altLang="ja-JP"/>
+              <a:t>4 </a:t>
+            </a:r>
+            <a:r>
+              <a:rPr kumimoji="1" lang="ja-JP" altLang="en-US"/>
+              <a:t>レベル</a:t>
+            </a:r>
+          </a:p>
+          <a:p>
+            <a:pPr lvl="4"/>
+            <a:r>
+              <a:rPr kumimoji="1" lang="ja-JP" altLang="en-US"/>
+              <a:t>第 </a:t>
+            </a:r>
+            <a:r>
+              <a:rPr kumimoji="1" lang="en-US" altLang="ja-JP"/>
+              <a:t>5 </a:t>
+            </a:r>
+            <a:r>
+              <a:rPr kumimoji="1" lang="ja-JP" altLang="en-US"/>
+              <a:t>レベル</a:t>
+            </a:r>
+          </a:p>
+        </p:txBody>
+      </p:sp>
+      <p:sp>
+        <p:nvSpPr>
+          <p:cNvPr id="6" name="フッター プレースホルダー 5"/>
+          <p:cNvSpPr>
+            <a:spLocks noGrp="1"/>
+          </p:cNvSpPr>
+          <p:nvPr>
+            <p:ph type="ftr" sz="quarter" idx="4"/>
+          </p:nvPr>
+        </p:nvSpPr>
+        <p:spPr>
+          <a:xfrm>
+            <a:off x="0" y="8685213"/>
+            <a:ext cx="2971800" cy="458787"/>
+          </a:xfrm>
+          <a:prstGeom prst="rect">
+            <a:avLst/>
+          </a:prstGeom>
+        </p:spPr>
+        <p:txBody>
+          <a:bodyPr vert="horz" lIns="91440" tIns="45720" rIns="91440" bIns="45720" rtlCol="0" anchor="b"/>
+          <a:lstStyle>
+            <a:lvl1pPr algn="l">
+              <a:defRPr sz="1200"/>
+            </a:lvl1pPr>
+          </a:lstStyle>
+          <a:p>
+            <a:endParaRPr kumimoji="1" lang="ja-JP" altLang="en-US"/>
+          </a:p>
+        </p:txBody>
+      </p:sp>
+      <p:sp>
+        <p:nvSpPr>
+          <p:cNvPr id="7" name="スライド番号プレースホルダー 6"/>
+          <p:cNvSpPr>
+            <a:spLocks noGrp="1"/>
+          </p:cNvSpPr>
+          <p:nvPr>
+            <p:ph type="sldNum" sz="quarter" idx="5"/>
+          </p:nvPr>
+        </p:nvSpPr>
+        <p:spPr>
+          <a:xfrm>
+            <a:off x="3884613" y="8685213"/>
+            <a:ext cx="2971800" cy="458787"/>
+          </a:xfrm>
+          <a:prstGeom prst="rect">
+            <a:avLst/>
+          </a:prstGeom>
+        </p:spPr>
+        <p:txBody>
+          <a:bodyPr vert="horz" lIns="91440" tIns="45720" rIns="91440" bIns="45720" rtlCol="0" anchor="b"/>
+          <a:lstStyle>
+            <a:lvl1pPr algn="r">
+              <a:defRPr sz="1200"/>
+            </a:lvl1pPr>
+          </a:lstStyle>
+          <a:p>
+            <a:fld id="{BF9B2FF0-4CF0-1544-A5FA-FA73776361CB}" type="slidenum">
+              <a:rPr kumimoji="1" lang="ja-JP" altLang="en-US" smtClean="0"/>
+              <a:t>‹#›</a:t>
+            </a:fld>
+            <a:endParaRPr kumimoji="1" lang="ja-JP" altLang="en-US"/>
+          </a:p>
+        </p:txBody>
+      </p:sp>
+    </p:spTree>
+    <p:extLst>
+      <p:ext uri="{BB962C8B-B14F-4D97-AF65-F5344CB8AC3E}">
+        <p14:creationId xmlns:p14="http://schemas.microsoft.com/office/powerpoint/2010/main" val="3524702674"/>
+      </p:ext>
+    </p:extLst>
+  </p:cSld>
+  <p:clrMap bg1="lt1" tx1="dk1" bg2="lt2" tx2="dk2" accent1="accent1" accent2="accent2" accent3="accent3" accent4="accent4" accent5="accent5" accent6="accent6" hlink="hlink" folHlink="folHlink"/>
+  <p:notesStyle>
+    <a:lvl1pPr marL="0" algn="l" defTabSz="914400" rtl="0" eaLnBrk="1" latinLnBrk="0" hangingPunct="1">
+      <a:defRPr kumimoji="1" sz="1200" kern="1200">
+        <a:solidFill>
+          <a:schemeClr val="tx1"/>
+        </a:solidFill>
+        <a:latin typeface="+mn-lt"/>
+        <a:ea typeface="+mn-ea"/>
+        <a:cs typeface="+mn-cs"/>
+      </a:defRPr>
+    </a:lvl1pPr>
+    <a:lvl2pPr marL="457200" algn="l" defTabSz="914400" rtl="0" eaLnBrk="1" latinLnBrk="0" hangingPunct="1">
+      <a:defRPr kumimoji="1" sz="1200" kern="1200">
+        <a:solidFill>
+          <a:schemeClr val="tx1"/>
+        </a:solidFill>
+        <a:latin typeface="+mn-lt"/>
+        <a:ea typeface="+mn-ea"/>
+        <a:cs typeface="+mn-cs"/>
+      </a:defRPr>
+    </a:lvl2pPr>
+    <a:lvl3pPr marL="914400" algn="l" defTabSz="914400" rtl="0" eaLnBrk="1" latinLnBrk="0" hangingPunct="1">
+      <a:defRPr kumimoji="1" sz="1200" kern="1200">
+        <a:solidFill>
+          <a:schemeClr val="tx1"/>
+        </a:solidFill>
+        <a:latin typeface="+mn-lt"/>
+        <a:ea typeface="+mn-ea"/>
+        <a:cs typeface="+mn-cs"/>
+      </a:defRPr>
+    </a:lvl3pPr>
+    <a:lvl4pPr marL="1371600" algn="l" defTabSz="914400" rtl="0" eaLnBrk="1" latinLnBrk="0" hangingPunct="1">
+      <a:defRPr kumimoji="1" sz="1200" kern="1200">
+        <a:solidFill>
+          <a:schemeClr val="tx1"/>
+        </a:solidFill>
+        <a:latin typeface="+mn-lt"/>
+        <a:ea typeface="+mn-ea"/>
+        <a:cs typeface="+mn-cs"/>
+      </a:defRPr>
+    </a:lvl4pPr>
+    <a:lvl5pPr marL="1828800" algn="l" defTabSz="914400" rtl="0" eaLnBrk="1" latinLnBrk="0" hangingPunct="1">
+      <a:defRPr kumimoji="1" sz="1200" kern="1200">
+        <a:solidFill>
+          <a:schemeClr val="tx1"/>
+        </a:solidFill>
+        <a:latin typeface="+mn-lt"/>
+        <a:ea typeface="+mn-ea"/>
+        <a:cs typeface="+mn-cs"/>
+      </a:defRPr>
+    </a:lvl5pPr>
+    <a:lvl6pPr marL="2286000" algn="l" defTabSz="914400" rtl="0" eaLnBrk="1" latinLnBrk="0" hangingPunct="1">
+      <a:defRPr kumimoji="1" sz="1200" kern="1200">
+        <a:solidFill>
+          <a:schemeClr val="tx1"/>
+        </a:solidFill>
+        <a:latin typeface="+mn-lt"/>
+        <a:ea typeface="+mn-ea"/>
+        <a:cs typeface="+mn-cs"/>
+      </a:defRPr>
+    </a:lvl6pPr>
+    <a:lvl7pPr marL="2743200" algn="l" defTabSz="914400" rtl="0" eaLnBrk="1" latinLnBrk="0" hangingPunct="1">
+      <a:defRPr kumimoji="1" sz="1200" kern="1200">
+        <a:solidFill>
+          <a:schemeClr val="tx1"/>
+        </a:solidFill>
+        <a:latin typeface="+mn-lt"/>
+        <a:ea typeface="+mn-ea"/>
+        <a:cs typeface="+mn-cs"/>
+      </a:defRPr>
+    </a:lvl7pPr>
+    <a:lvl8pPr marL="3200400" algn="l" defTabSz="914400" rtl="0" eaLnBrk="1" latinLnBrk="0" hangingPunct="1">
+      <a:defRPr kumimoji="1" sz="1200" kern="1200">
+        <a:solidFill>
+          <a:schemeClr val="tx1"/>
+        </a:solidFill>
+        <a:latin typeface="+mn-lt"/>
+        <a:ea typeface="+mn-ea"/>
+        <a:cs typeface="+mn-cs"/>
+      </a:defRPr>
+    </a:lvl8pPr>
+    <a:lvl9pPr marL="3657600" algn="l" defTabSz="914400" rtl="0" eaLnBrk="1" latinLnBrk="0" hangingPunct="1">
+      <a:defRPr kumimoji="1" sz="1200" kern="1200">
+        <a:solidFill>
+          <a:schemeClr val="tx1"/>
+        </a:solidFill>
+        <a:latin typeface="+mn-lt"/>
+        <a:ea typeface="+mn-ea"/>
+        <a:cs typeface="+mn-cs"/>
+      </a:defRPr>
+    </a:lvl9pPr>
+  </p:notesStyle>
+</p:notesMaster>
+</file>
+
+<file path=ppt/notesSlides/notesSlide1.xml><?xml version="1.0" encoding="utf-8"?>
+<p:notes xmlns:a="http://schemas.openxmlformats.org/drawingml/2006/main" xmlns:r="http://schemas.openxmlformats.org/officeDocument/2006/relationships" xmlns:p="http://schemas.openxmlformats.org/presentationml/2006/main">
+  <p:cSld>
+    <p:spTree>
+      <p:nvGrpSpPr>
+        <p:cNvPr id="1" name=""/>
+        <p:cNvGrpSpPr/>
+        <p:nvPr/>
+      </p:nvGrpSpPr>
+      <p:grpSpPr>
+        <a:xfrm>
+          <a:off x="0" y="0"/>
+          <a:ext cx="0" cy="0"/>
+          <a:chOff x="0" y="0"/>
+          <a:chExt cx="0" cy="0"/>
+        </a:xfrm>
+      </p:grpSpPr>
+      <p:sp>
+        <p:nvSpPr>
+          <p:cNvPr id="2" name="スライド イメージ プレースホルダー 1"/>
+          <p:cNvSpPr>
+            <a:spLocks noGrp="1" noRot="1" noChangeAspect="1"/>
+          </p:cNvSpPr>
+          <p:nvPr>
+            <p:ph type="sldImg"/>
+          </p:nvPr>
+        </p:nvSpPr>
+        <p:spPr/>
+      </p:sp>
+      <p:sp>
+        <p:nvSpPr>
+          <p:cNvPr id="3" name="ノート プレースホルダー 2"/>
+          <p:cNvSpPr>
+            <a:spLocks noGrp="1"/>
+          </p:cNvSpPr>
+          <p:nvPr>
+            <p:ph type="body" idx="1"/>
+          </p:nvPr>
+        </p:nvSpPr>
+        <p:spPr/>
+        <p:txBody>
+          <a:bodyPr/>
+          <a:lstStyle/>
+          <a:p>
+            <a:endParaRPr kumimoji="1" lang="ja-JP" altLang="en-US"/>
+          </a:p>
+        </p:txBody>
+      </p:sp>
+      <p:sp>
+        <p:nvSpPr>
+          <p:cNvPr id="4" name="スライド番号プレースホルダー 3"/>
+          <p:cNvSpPr>
+            <a:spLocks noGrp="1"/>
+          </p:cNvSpPr>
+          <p:nvPr>
+            <p:ph type="sldNum" sz="quarter" idx="5"/>
+          </p:nvPr>
+        </p:nvSpPr>
+        <p:spPr/>
+        <p:txBody>
+          <a:bodyPr/>
+          <a:lstStyle/>
+          <a:p>
+            <a:fld id="{BF9B2FF0-4CF0-1544-A5FA-FA73776361CB}" type="slidenum">
+              <a:rPr kumimoji="1" lang="ja-JP" altLang="en-US" smtClean="0"/>
+              <a:t>1</a:t>
+            </a:fld>
+            <a:endParaRPr kumimoji="1" lang="ja-JP" altLang="en-US"/>
+          </a:p>
+        </p:txBody>
+      </p:sp>
+    </p:spTree>
+    <p:extLst>
+      <p:ext uri="{BB962C8B-B14F-4D97-AF65-F5344CB8AC3E}">
+        <p14:creationId xmlns:p14="http://schemas.microsoft.com/office/powerpoint/2010/main" val="2964041882"/>
+      </p:ext>
+    </p:extLst>
+  </p:cSld>
+  <p:clrMapOvr>
+    <a:masterClrMapping/>
+  </p:clrMapOvr>
+</p:notes>
+</file>
+
 <file path=ppt/slideLayouts/slideLayout1.xml><?xml version="1.0" encoding="utf-8"?>
 <p:sldLayout xmlns:a="http://schemas.openxmlformats.org/drawingml/2006/main" xmlns:r="http://schemas.openxmlformats.org/officeDocument/2006/relationships" xmlns:p="http://schemas.openxmlformats.org/presentationml/2006/main" type="title" preserve="1">
   <p:cSld name="タイトル スライド">
@@ -304,7 +771,7 @@
             <a:fld id="{DCD420D7-458A-704B-9C57-3EFCD1EEA13A}" type="datetimeFigureOut">
               <a:rPr lang="ja-JP" altLang="en-US" smtClean="0"/>
               <a:pPr/>
-              <a:t>2019/7/16</a:t>
+              <a:t>2019/7/18</a:t>
             </a:fld>
             <a:endParaRPr lang="ja-JP" altLang="en-US"/>
           </a:p>
@@ -501,7 +968,7 @@
             <a:fld id="{DCD420D7-458A-704B-9C57-3EFCD1EEA13A}" type="datetimeFigureOut">
               <a:rPr lang="ja-JP" altLang="en-US" smtClean="0"/>
               <a:pPr/>
-              <a:t>2019/7/16</a:t>
+              <a:t>2019/7/18</a:t>
             </a:fld>
             <a:endParaRPr lang="ja-JP" altLang="en-US"/>
           </a:p>
@@ -708,7 +1175,7 @@
             <a:fld id="{DCD420D7-458A-704B-9C57-3EFCD1EEA13A}" type="datetimeFigureOut">
               <a:rPr lang="ja-JP" altLang="en-US" smtClean="0"/>
               <a:pPr/>
-              <a:t>2019/7/16</a:t>
+              <a:t>2019/7/18</a:t>
             </a:fld>
             <a:endParaRPr lang="ja-JP" altLang="en-US"/>
           </a:p>
@@ -905,7 +1372,7 @@
             <a:fld id="{DCD420D7-458A-704B-9C57-3EFCD1EEA13A}" type="datetimeFigureOut">
               <a:rPr lang="ja-JP" altLang="en-US" smtClean="0"/>
               <a:pPr/>
-              <a:t>2019/7/16</a:t>
+              <a:t>2019/7/18</a:t>
             </a:fld>
             <a:endParaRPr lang="ja-JP" altLang="en-US"/>
           </a:p>
@@ -1147,7 +1614,7 @@
             <a:fld id="{DCD420D7-458A-704B-9C57-3EFCD1EEA13A}" type="datetimeFigureOut">
               <a:rPr lang="ja-JP" altLang="en-US" smtClean="0"/>
               <a:pPr/>
-              <a:t>2019/7/16</a:t>
+              <a:t>2019/7/18</a:t>
             </a:fld>
             <a:endParaRPr lang="ja-JP" altLang="en-US"/>
           </a:p>
@@ -1493,7 +1960,7 @@
             <a:fld id="{DCD420D7-458A-704B-9C57-3EFCD1EEA13A}" type="datetimeFigureOut">
               <a:rPr lang="ja-JP" altLang="en-US" smtClean="0"/>
               <a:pPr/>
-              <a:t>2019/7/16</a:t>
+              <a:t>2019/7/18</a:t>
             </a:fld>
             <a:endParaRPr lang="ja-JP" altLang="en-US"/>
           </a:p>
@@ -1973,7 +2440,7 @@
             <a:fld id="{DCD420D7-458A-704B-9C57-3EFCD1EEA13A}" type="datetimeFigureOut">
               <a:rPr lang="ja-JP" altLang="en-US" smtClean="0"/>
               <a:pPr/>
-              <a:t>2019/7/16</a:t>
+              <a:t>2019/7/18</a:t>
             </a:fld>
             <a:endParaRPr lang="ja-JP" altLang="en-US"/>
           </a:p>
@@ -2087,7 +2554,7 @@
             <a:fld id="{DCD420D7-458A-704B-9C57-3EFCD1EEA13A}" type="datetimeFigureOut">
               <a:rPr lang="ja-JP" altLang="en-US" smtClean="0"/>
               <a:pPr/>
-              <a:t>2019/7/16</a:t>
+              <a:t>2019/7/18</a:t>
             </a:fld>
             <a:endParaRPr lang="ja-JP" altLang="en-US"/>
           </a:p>
@@ -2179,7 +2646,7 @@
             <a:fld id="{DCD420D7-458A-704B-9C57-3EFCD1EEA13A}" type="datetimeFigureOut">
               <a:rPr lang="ja-JP" altLang="en-US" smtClean="0"/>
               <a:pPr/>
-              <a:t>2019/7/16</a:t>
+              <a:t>2019/7/18</a:t>
             </a:fld>
             <a:endParaRPr lang="ja-JP" altLang="en-US"/>
           </a:p>
@@ -2483,7 +2950,7 @@
             <a:fld id="{DCD420D7-458A-704B-9C57-3EFCD1EEA13A}" type="datetimeFigureOut">
               <a:rPr lang="ja-JP" altLang="en-US" smtClean="0"/>
               <a:pPr/>
-              <a:t>2019/7/16</a:t>
+              <a:t>2019/7/18</a:t>
             </a:fld>
             <a:endParaRPr lang="ja-JP" altLang="en-US"/>
           </a:p>
@@ -2732,7 +3199,7 @@
             <a:fld id="{DCD420D7-458A-704B-9C57-3EFCD1EEA13A}" type="datetimeFigureOut">
               <a:rPr lang="ja-JP" altLang="en-US" smtClean="0"/>
               <a:pPr/>
-              <a:t>2019/7/16</a:t>
+              <a:t>2019/7/18</a:t>
             </a:fld>
             <a:endParaRPr lang="ja-JP" altLang="en-US"/>
           </a:p>
@@ -2972,7 +3439,7 @@
             <a:fld id="{DCD420D7-458A-704B-9C57-3EFCD1EEA13A}" type="datetimeFigureOut">
               <a:rPr lang="ja-JP" altLang="en-US" smtClean="0"/>
               <a:pPr/>
-              <a:t>2019/7/16</a:t>
+              <a:t>2019/7/18</a:t>
             </a:fld>
             <a:endParaRPr lang="ja-JP" altLang="en-US"/>
           </a:p>
@@ -3345,1412 +3812,6 @@
       </p:grpSpPr>
       <p:sp>
         <p:nvSpPr>
-          <p:cNvPr id="2" name="タイトル 1"/>
-          <p:cNvSpPr>
-            <a:spLocks noGrp="1"/>
-          </p:cNvSpPr>
-          <p:nvPr>
-            <p:ph type="ctrTitle"/>
-          </p:nvPr>
-        </p:nvSpPr>
-        <p:spPr>
-          <a:xfrm>
-            <a:off x="266701" y="133622"/>
-            <a:ext cx="9076689" cy="1014336"/>
-          </a:xfrm>
-        </p:spPr>
-        <p:txBody>
-          <a:bodyPr>
-            <a:normAutofit/>
-          </a:bodyPr>
-          <a:lstStyle/>
-          <a:p>
-            <a:r>
-              <a:rPr lang="en-US" altLang="ja-JP" sz="4500" dirty="0"/>
-              <a:t> </a:t>
-            </a:r>
-            <a:r>
-              <a:rPr lang="ja-JP" altLang="en-US" sz="4500" dirty="0"/>
-              <a:t>研究発表のタイトル</a:t>
-            </a:r>
-          </a:p>
-        </p:txBody>
-      </p:sp>
-      <p:sp>
-        <p:nvSpPr>
-          <p:cNvPr id="4" name="テキスト ボックス 3"/>
-          <p:cNvSpPr txBox="1"/>
-          <p:nvPr/>
-        </p:nvSpPr>
-        <p:spPr>
-          <a:xfrm>
-            <a:off x="262257" y="1038788"/>
-            <a:ext cx="9076688" cy="898708"/>
-          </a:xfrm>
-          <a:prstGeom prst="rect">
-            <a:avLst/>
-          </a:prstGeom>
-          <a:noFill/>
-        </p:spPr>
-        <p:txBody>
-          <a:bodyPr wrap="square" lIns="128016" tIns="64008" rIns="128016" bIns="64008" rtlCol="0">
-            <a:spAutoFit/>
-          </a:bodyPr>
-          <a:lstStyle/>
-          <a:p>
-            <a:pPr algn="ctr"/>
-            <a:r>
-              <a:rPr lang="ja-JP" altLang="en-US" dirty="0"/>
-              <a:t>名前、名前</a:t>
-            </a:r>
-          </a:p>
-          <a:p>
-            <a:pPr algn="ctr"/>
-            <a:r>
-              <a:rPr lang="ja-JP" altLang="en-US" dirty="0">
-                <a:latin typeface="+mj-lt"/>
-              </a:rPr>
-              <a:t>東京工業大学</a:t>
-            </a:r>
-            <a:r>
-              <a:rPr lang="en-US" altLang="ja-JP" dirty="0">
-                <a:latin typeface="+mj-lt"/>
-              </a:rPr>
-              <a:t>○○</a:t>
-            </a:r>
-            <a:r>
-              <a:rPr lang="ja-JP" altLang="en-US" dirty="0">
-                <a:latin typeface="+mj-lt"/>
-              </a:rPr>
-              <a:t>学院</a:t>
-            </a:r>
-            <a:endParaRPr kumimoji="1" lang="ja-JP" altLang="en-US" dirty="0">
-              <a:latin typeface="+mj-lt"/>
-            </a:endParaRPr>
-          </a:p>
-        </p:txBody>
-      </p:sp>
-      <p:sp>
-        <p:nvSpPr>
-          <p:cNvPr id="5" name="テキスト ボックス 4"/>
-          <p:cNvSpPr txBox="1"/>
-          <p:nvPr/>
-        </p:nvSpPr>
-        <p:spPr>
-          <a:xfrm>
-            <a:off x="502315" y="1937496"/>
-            <a:ext cx="2892450" cy="513987"/>
-          </a:xfrm>
-          <a:prstGeom prst="rect">
-            <a:avLst/>
-          </a:prstGeom>
-          <a:noFill/>
-        </p:spPr>
-        <p:txBody>
-          <a:bodyPr wrap="square" lIns="128016" tIns="64008" rIns="128016" bIns="64008" rtlCol="0">
-            <a:spAutoFit/>
-          </a:bodyPr>
-          <a:lstStyle/>
-          <a:p>
-            <a:r>
-              <a:rPr lang="ja-JP" altLang="en-US" dirty="0">
-                <a:latin typeface="+mj-lt"/>
-              </a:rPr>
-              <a:t>１．はじめに</a:t>
-            </a:r>
-            <a:endParaRPr kumimoji="1" lang="ja-JP" altLang="en-US" dirty="0">
-              <a:latin typeface="+mj-lt"/>
-            </a:endParaRPr>
-          </a:p>
-        </p:txBody>
-      </p:sp>
-      <p:sp>
-        <p:nvSpPr>
-          <p:cNvPr id="6" name="テキスト ボックス 5"/>
-          <p:cNvSpPr txBox="1"/>
-          <p:nvPr/>
-        </p:nvSpPr>
-        <p:spPr>
-          <a:xfrm>
-            <a:off x="721876" y="4937318"/>
-            <a:ext cx="1409065" cy="513987"/>
-          </a:xfrm>
-          <a:prstGeom prst="rect">
-            <a:avLst/>
-          </a:prstGeom>
-          <a:noFill/>
-        </p:spPr>
-        <p:txBody>
-          <a:bodyPr wrap="square" lIns="128016" tIns="64008" rIns="128016" bIns="64008" rtlCol="0">
-            <a:spAutoFit/>
-          </a:bodyPr>
-          <a:lstStyle/>
-          <a:p>
-            <a:r>
-              <a:rPr lang="ja-JP" altLang="en-US" dirty="0">
-                <a:latin typeface="+mj-lt"/>
-              </a:rPr>
-              <a:t>２．方法</a:t>
-            </a:r>
-            <a:endParaRPr kumimoji="1" lang="ja-JP" altLang="en-US" dirty="0">
-              <a:latin typeface="+mj-lt"/>
-            </a:endParaRPr>
-          </a:p>
-        </p:txBody>
-      </p:sp>
-      <p:sp>
-        <p:nvSpPr>
-          <p:cNvPr id="13" name="正方形/長方形 12"/>
-          <p:cNvSpPr/>
-          <p:nvPr/>
-        </p:nvSpPr>
-        <p:spPr>
-          <a:xfrm>
-            <a:off x="721876" y="2499373"/>
-            <a:ext cx="3900135" cy="2190170"/>
-          </a:xfrm>
-          <a:prstGeom prst="rect">
-            <a:avLst/>
-          </a:prstGeom>
-          <a:noFill/>
-          <a:ln>
-            <a:solidFill>
-              <a:schemeClr val="bg1">
-                <a:lumMod val="75000"/>
-              </a:schemeClr>
-            </a:solidFill>
-          </a:ln>
-        </p:spPr>
-        <p:style>
-          <a:lnRef idx="1">
-            <a:schemeClr val="accent1"/>
-          </a:lnRef>
-          <a:fillRef idx="3">
-            <a:schemeClr val="accent1"/>
-          </a:fillRef>
-          <a:effectRef idx="2">
-            <a:schemeClr val="accent1"/>
-          </a:effectRef>
-          <a:fontRef idx="minor">
-            <a:schemeClr val="lt1"/>
-          </a:fontRef>
-        </p:style>
-        <p:txBody>
-          <a:bodyPr lIns="128016" tIns="64008" rIns="128016" bIns="64008" rtlCol="0" anchor="ctr"/>
-          <a:lstStyle/>
-          <a:p>
-            <a:pPr algn="ctr"/>
-            <a:endParaRPr kumimoji="1" lang="ja-JP" altLang="en-US" dirty="0"/>
-          </a:p>
-        </p:txBody>
-      </p:sp>
-      <p:sp>
-        <p:nvSpPr>
-          <p:cNvPr id="14" name="テキスト ボックス 13"/>
-          <p:cNvSpPr txBox="1"/>
-          <p:nvPr/>
-        </p:nvSpPr>
-        <p:spPr>
-          <a:xfrm>
-            <a:off x="721876" y="2523798"/>
-            <a:ext cx="3560969" cy="513987"/>
-          </a:xfrm>
-          <a:prstGeom prst="rect">
-            <a:avLst/>
-          </a:prstGeom>
-        </p:spPr>
-        <p:style>
-          <a:lnRef idx="1">
-            <a:schemeClr val="accent1"/>
-          </a:lnRef>
-          <a:fillRef idx="2">
-            <a:schemeClr val="accent1"/>
-          </a:fillRef>
-          <a:effectRef idx="1">
-            <a:schemeClr val="accent1"/>
-          </a:effectRef>
-          <a:fontRef idx="minor">
-            <a:schemeClr val="dk1"/>
-          </a:fontRef>
-        </p:style>
-        <p:txBody>
-          <a:bodyPr wrap="none" lIns="128016" tIns="64008" rIns="128016" bIns="64008" rtlCol="0">
-            <a:spAutoFit/>
-          </a:bodyPr>
-          <a:lstStyle/>
-          <a:p>
-            <a:r>
-              <a:rPr kumimoji="1" lang="ja-JP" altLang="en-US" dirty="0"/>
-              <a:t>問題点とやることを書く。</a:t>
-            </a:r>
-          </a:p>
-        </p:txBody>
-      </p:sp>
-      <p:sp>
-        <p:nvSpPr>
-          <p:cNvPr id="16" name="テキスト ボックス 15"/>
-          <p:cNvSpPr txBox="1"/>
-          <p:nvPr/>
-        </p:nvSpPr>
-        <p:spPr>
-          <a:xfrm>
-            <a:off x="721875" y="5485073"/>
-            <a:ext cx="3900135" cy="513987"/>
-          </a:xfrm>
-          <a:prstGeom prst="rect">
-            <a:avLst/>
-          </a:prstGeom>
-        </p:spPr>
-        <p:style>
-          <a:lnRef idx="1">
-            <a:schemeClr val="accent1"/>
-          </a:lnRef>
-          <a:fillRef idx="2">
-            <a:schemeClr val="accent1"/>
-          </a:fillRef>
-          <a:effectRef idx="1">
-            <a:schemeClr val="accent1"/>
-          </a:effectRef>
-          <a:fontRef idx="minor">
-            <a:schemeClr val="dk1"/>
-          </a:fontRef>
-        </p:style>
-        <p:txBody>
-          <a:bodyPr wrap="square" lIns="128016" tIns="64008" rIns="128016" bIns="64008" rtlCol="0">
-            <a:spAutoFit/>
-          </a:bodyPr>
-          <a:lstStyle/>
-          <a:p>
-            <a:r>
-              <a:rPr kumimoji="1" lang="ja-JP" altLang="en-US" dirty="0"/>
-              <a:t>明らかにする方法を明解に</a:t>
-            </a:r>
-            <a:r>
-              <a:rPr lang="ja-JP" altLang="en-US" dirty="0"/>
-              <a:t>。</a:t>
-            </a:r>
-            <a:endParaRPr kumimoji="1" lang="en-US" altLang="ja-JP" dirty="0"/>
-          </a:p>
-        </p:txBody>
-      </p:sp>
-      <p:sp>
-        <p:nvSpPr>
-          <p:cNvPr id="18" name="テキスト ボックス 17"/>
-          <p:cNvSpPr txBox="1"/>
-          <p:nvPr/>
-        </p:nvSpPr>
-        <p:spPr>
-          <a:xfrm>
-            <a:off x="1068416" y="3468307"/>
-            <a:ext cx="7567877" cy="898708"/>
-          </a:xfrm>
-          <a:prstGeom prst="rect">
-            <a:avLst/>
-          </a:prstGeom>
-        </p:spPr>
-        <p:style>
-          <a:lnRef idx="1">
-            <a:schemeClr val="accent2"/>
-          </a:lnRef>
-          <a:fillRef idx="2">
-            <a:schemeClr val="accent2"/>
-          </a:fillRef>
-          <a:effectRef idx="1">
-            <a:schemeClr val="accent2"/>
-          </a:effectRef>
-          <a:fontRef idx="minor">
-            <a:schemeClr val="dk1"/>
-          </a:fontRef>
-        </p:style>
-        <p:txBody>
-          <a:bodyPr wrap="square" lIns="128016" tIns="64008" rIns="128016" bIns="64008" rtlCol="0">
-            <a:spAutoFit/>
-          </a:bodyPr>
-          <a:lstStyle/>
-          <a:p>
-            <a:r>
-              <a:rPr kumimoji="1" lang="ja-JP" altLang="en-US" dirty="0"/>
-              <a:t>ポスターの作り方：　</a:t>
-            </a:r>
-            <a:r>
-              <a:rPr lang="en-US" altLang="ja-JP" dirty="0"/>
-              <a:t>A3</a:t>
-            </a:r>
-            <a:r>
-              <a:rPr lang="ja-JP" altLang="en-US" dirty="0"/>
-              <a:t>でプリントアウトし、ダンボールなど硬めの紙に貼り付けてできあがり。</a:t>
-            </a:r>
-            <a:endParaRPr lang="en-US" altLang="ja-JP" dirty="0"/>
-          </a:p>
-        </p:txBody>
-      </p:sp>
-      <p:sp>
-        <p:nvSpPr>
-          <p:cNvPr id="11" name="正方形/長方形 10"/>
-          <p:cNvSpPr/>
-          <p:nvPr/>
-        </p:nvSpPr>
-        <p:spPr>
-          <a:xfrm>
-            <a:off x="727738" y="5485073"/>
-            <a:ext cx="3900135" cy="2190170"/>
-          </a:xfrm>
-          <a:prstGeom prst="rect">
-            <a:avLst/>
-          </a:prstGeom>
-          <a:noFill/>
-          <a:ln>
-            <a:solidFill>
-              <a:schemeClr val="bg1">
-                <a:lumMod val="75000"/>
-              </a:schemeClr>
-            </a:solidFill>
-          </a:ln>
-        </p:spPr>
-        <p:style>
-          <a:lnRef idx="1">
-            <a:schemeClr val="accent1"/>
-          </a:lnRef>
-          <a:fillRef idx="3">
-            <a:schemeClr val="accent1"/>
-          </a:fillRef>
-          <a:effectRef idx="2">
-            <a:schemeClr val="accent1"/>
-          </a:effectRef>
-          <a:fontRef idx="minor">
-            <a:schemeClr val="lt1"/>
-          </a:fontRef>
-        </p:style>
-        <p:txBody>
-          <a:bodyPr lIns="128016" tIns="64008" rIns="128016" bIns="64008" rtlCol="0" anchor="ctr"/>
-          <a:lstStyle/>
-          <a:p>
-            <a:pPr algn="ctr"/>
-            <a:endParaRPr kumimoji="1" lang="ja-JP" altLang="en-US" dirty="0"/>
-          </a:p>
-        </p:txBody>
-      </p:sp>
-      <p:sp>
-        <p:nvSpPr>
-          <p:cNvPr id="12" name="テキスト ボックス 11"/>
-          <p:cNvSpPr txBox="1"/>
-          <p:nvPr/>
-        </p:nvSpPr>
-        <p:spPr>
-          <a:xfrm>
-            <a:off x="4983049" y="1919518"/>
-            <a:ext cx="1409065" cy="513987"/>
-          </a:xfrm>
-          <a:prstGeom prst="rect">
-            <a:avLst/>
-          </a:prstGeom>
-          <a:noFill/>
-        </p:spPr>
-        <p:txBody>
-          <a:bodyPr wrap="square" lIns="128016" tIns="64008" rIns="128016" bIns="64008" rtlCol="0">
-            <a:spAutoFit/>
-          </a:bodyPr>
-          <a:lstStyle/>
-          <a:p>
-            <a:r>
-              <a:rPr kumimoji="1" lang="ja-JP" altLang="en-US" dirty="0">
-                <a:latin typeface="+mj-lt"/>
-              </a:rPr>
-              <a:t>４．考察</a:t>
-            </a:r>
-          </a:p>
-        </p:txBody>
-      </p:sp>
-      <p:sp>
-        <p:nvSpPr>
-          <p:cNvPr id="17" name="テキスト ボックス 16"/>
-          <p:cNvSpPr txBox="1"/>
-          <p:nvPr/>
-        </p:nvSpPr>
-        <p:spPr>
-          <a:xfrm>
-            <a:off x="709357" y="7724093"/>
-            <a:ext cx="1409065" cy="513987"/>
-          </a:xfrm>
-          <a:prstGeom prst="rect">
-            <a:avLst/>
-          </a:prstGeom>
-          <a:noFill/>
-        </p:spPr>
-        <p:txBody>
-          <a:bodyPr wrap="square" lIns="128016" tIns="64008" rIns="128016" bIns="64008" rtlCol="0">
-            <a:spAutoFit/>
-          </a:bodyPr>
-          <a:lstStyle/>
-          <a:p>
-            <a:r>
-              <a:rPr kumimoji="1" lang="ja-JP" altLang="en-US" dirty="0">
-                <a:latin typeface="+mj-lt"/>
-              </a:rPr>
-              <a:t>３．結果</a:t>
-            </a:r>
-          </a:p>
-        </p:txBody>
-      </p:sp>
-      <p:sp>
-        <p:nvSpPr>
-          <p:cNvPr id="19" name="テキスト ボックス 18"/>
-          <p:cNvSpPr txBox="1"/>
-          <p:nvPr/>
-        </p:nvSpPr>
-        <p:spPr>
-          <a:xfrm>
-            <a:off x="5080741" y="8682258"/>
-            <a:ext cx="3964496" cy="960263"/>
-          </a:xfrm>
-          <a:prstGeom prst="rect">
-            <a:avLst/>
-          </a:prstGeom>
-          <a:noFill/>
-        </p:spPr>
-        <p:txBody>
-          <a:bodyPr wrap="square" lIns="128016" tIns="64008" rIns="128016" bIns="64008" rtlCol="0">
-            <a:spAutoFit/>
-          </a:bodyPr>
-          <a:lstStyle/>
-          <a:p>
-            <a:r>
-              <a:rPr lang="ja-JP" altLang="en-US" sz="2000" dirty="0">
-                <a:latin typeface="+mj-lt"/>
-              </a:rPr>
-              <a:t>文献：　刈干野作（</a:t>
-            </a:r>
-            <a:r>
-              <a:rPr lang="en-US" altLang="ja-JP" sz="2000" dirty="0">
-                <a:latin typeface="+mj-lt"/>
-              </a:rPr>
-              <a:t>2011</a:t>
-            </a:r>
-            <a:r>
-              <a:rPr lang="ja-JP" altLang="en-US" sz="2000" dirty="0">
-                <a:latin typeface="+mj-lt"/>
-              </a:rPr>
-              <a:t>）日本語補語の諸相</a:t>
-            </a:r>
-            <a:r>
-              <a:rPr lang="en-US" altLang="ja-JP" sz="2000" dirty="0">
-                <a:latin typeface="+mj-lt"/>
-              </a:rPr>
-              <a:t> </a:t>
-            </a:r>
-            <a:r>
-              <a:rPr lang="ja-JP" altLang="en-US" sz="2000" dirty="0">
-                <a:latin typeface="+mj-lt"/>
-              </a:rPr>
-              <a:t>くろしろ出版</a:t>
-            </a:r>
-            <a:r>
-              <a:rPr lang="en-US" altLang="ja-JP" sz="2000" dirty="0">
-                <a:latin typeface="+mj-lt"/>
-              </a:rPr>
-              <a:t>.</a:t>
-            </a:r>
-          </a:p>
-          <a:p>
-            <a:r>
-              <a:rPr lang="ja-JP" altLang="en-US" sz="1400" dirty="0">
-                <a:latin typeface="+mj-lt"/>
-              </a:rPr>
-              <a:t>必ず文献を付ける。</a:t>
-            </a:r>
-            <a:r>
-              <a:rPr lang="en-US" altLang="ja-JP" sz="1400" dirty="0">
-                <a:latin typeface="+mj-lt"/>
-              </a:rPr>
-              <a:t>Google Scholar</a:t>
-            </a:r>
-            <a:r>
-              <a:rPr lang="ja-JP" altLang="en-US" sz="1400" dirty="0">
-                <a:latin typeface="+mj-lt"/>
-              </a:rPr>
-              <a:t>で調べると良い。</a:t>
-            </a:r>
-            <a:endParaRPr kumimoji="1" lang="ja-JP" altLang="en-US" sz="1400" dirty="0">
-              <a:latin typeface="+mj-lt"/>
-            </a:endParaRPr>
-          </a:p>
-        </p:txBody>
-      </p:sp>
-      <p:sp>
-        <p:nvSpPr>
-          <p:cNvPr id="20" name="テキスト ボックス 19"/>
-          <p:cNvSpPr txBox="1"/>
-          <p:nvPr/>
-        </p:nvSpPr>
-        <p:spPr>
-          <a:xfrm>
-            <a:off x="5058495" y="6007370"/>
-            <a:ext cx="2512563" cy="513987"/>
-          </a:xfrm>
-          <a:prstGeom prst="rect">
-            <a:avLst/>
-          </a:prstGeom>
-          <a:noFill/>
-        </p:spPr>
-        <p:txBody>
-          <a:bodyPr wrap="square" lIns="128016" tIns="64008" rIns="128016" bIns="64008" rtlCol="0">
-            <a:spAutoFit/>
-          </a:bodyPr>
-          <a:lstStyle/>
-          <a:p>
-            <a:r>
-              <a:rPr lang="ja-JP" altLang="en-US" dirty="0">
-                <a:latin typeface="+mj-lt"/>
-              </a:rPr>
-              <a:t>５．おわりに</a:t>
-            </a:r>
-            <a:endParaRPr kumimoji="1" lang="ja-JP" altLang="en-US" dirty="0">
-              <a:latin typeface="+mj-lt"/>
-            </a:endParaRPr>
-          </a:p>
-        </p:txBody>
-      </p:sp>
-      <p:sp>
-        <p:nvSpPr>
-          <p:cNvPr id="21" name="テキスト ボックス 20"/>
-          <p:cNvSpPr txBox="1"/>
-          <p:nvPr/>
-        </p:nvSpPr>
-        <p:spPr>
-          <a:xfrm>
-            <a:off x="818517" y="11911764"/>
-            <a:ext cx="3809356" cy="437043"/>
-          </a:xfrm>
-          <a:prstGeom prst="rect">
-            <a:avLst/>
-          </a:prstGeom>
-          <a:noFill/>
-        </p:spPr>
-        <p:txBody>
-          <a:bodyPr wrap="square" lIns="128016" tIns="64008" rIns="128016" bIns="64008" rtlCol="0">
-            <a:spAutoFit/>
-          </a:bodyPr>
-          <a:lstStyle/>
-          <a:p>
-            <a:pPr algn="ctr"/>
-            <a:r>
-              <a:rPr kumimoji="1" lang="ja-JP" altLang="en-US" sz="2000" dirty="0">
-                <a:latin typeface="+mj-lt"/>
-              </a:rPr>
-              <a:t>図１：　図のタイトルを下につける</a:t>
-            </a:r>
-          </a:p>
-        </p:txBody>
-      </p:sp>
-      <p:sp>
-        <p:nvSpPr>
-          <p:cNvPr id="22" name="直方体 21"/>
-          <p:cNvSpPr/>
-          <p:nvPr/>
-        </p:nvSpPr>
-        <p:spPr>
-          <a:xfrm>
-            <a:off x="2130941" y="10781829"/>
-            <a:ext cx="1085271" cy="899119"/>
-          </a:xfrm>
-          <a:prstGeom prst="cube">
-            <a:avLst/>
-          </a:prstGeom>
-        </p:spPr>
-        <p:style>
-          <a:lnRef idx="1">
-            <a:schemeClr val="accent1"/>
-          </a:lnRef>
-          <a:fillRef idx="3">
-            <a:schemeClr val="accent1"/>
-          </a:fillRef>
-          <a:effectRef idx="2">
-            <a:schemeClr val="accent1"/>
-          </a:effectRef>
-          <a:fontRef idx="minor">
-            <a:schemeClr val="lt1"/>
-          </a:fontRef>
-        </p:style>
-        <p:txBody>
-          <a:bodyPr lIns="128016" tIns="64008" rIns="128016" bIns="64008" rtlCol="0" anchor="ctr"/>
-          <a:lstStyle/>
-          <a:p>
-            <a:pPr algn="ctr"/>
-            <a:endParaRPr kumimoji="1" lang="ja-JP" altLang="en-US"/>
-          </a:p>
-        </p:txBody>
-      </p:sp>
-      <p:sp>
-        <p:nvSpPr>
-          <p:cNvPr id="23" name="テキスト ボックス 22"/>
-          <p:cNvSpPr txBox="1"/>
-          <p:nvPr/>
-        </p:nvSpPr>
-        <p:spPr>
-          <a:xfrm>
-            <a:off x="5138188" y="9907059"/>
-            <a:ext cx="3809356" cy="437043"/>
-          </a:xfrm>
-          <a:prstGeom prst="rect">
-            <a:avLst/>
-          </a:prstGeom>
-          <a:noFill/>
-        </p:spPr>
-        <p:txBody>
-          <a:bodyPr wrap="square" lIns="128016" tIns="64008" rIns="128016" bIns="64008" rtlCol="0">
-            <a:spAutoFit/>
-          </a:bodyPr>
-          <a:lstStyle/>
-          <a:p>
-            <a:pPr algn="ctr"/>
-            <a:r>
-              <a:rPr lang="ja-JP" altLang="en-US" sz="2000" dirty="0">
-                <a:latin typeface="+mj-lt"/>
-              </a:rPr>
-              <a:t>表</a:t>
-            </a:r>
-            <a:r>
-              <a:rPr kumimoji="1" lang="ja-JP" altLang="en-US" sz="2000" dirty="0">
-                <a:latin typeface="+mj-lt"/>
-              </a:rPr>
-              <a:t>１：　表のタイトルは上につける</a:t>
-            </a:r>
-          </a:p>
-        </p:txBody>
-      </p:sp>
-      <p:graphicFrame>
-        <p:nvGraphicFramePr>
-          <p:cNvPr id="24" name="表 23"/>
-          <p:cNvGraphicFramePr>
-            <a:graphicFrameLocks noGrp="1"/>
-          </p:cNvGraphicFramePr>
-          <p:nvPr/>
-        </p:nvGraphicFramePr>
-        <p:xfrm>
-          <a:off x="5235880" y="10366616"/>
-          <a:ext cx="3809356" cy="2396222"/>
-        </p:xfrm>
-        <a:graphic>
-          <a:graphicData uri="http://schemas.openxmlformats.org/drawingml/2006/table">
-            <a:tbl>
-              <a:tblPr firstRow="1" bandRow="1">
-                <a:tableStyleId>{5C22544A-7EE6-4342-B048-85BDC9FD1C3A}</a:tableStyleId>
-              </a:tblPr>
-              <a:tblGrid>
-                <a:gridCol w="1841232">
-                  <a:extLst>
-                    <a:ext uri="{9D8B030D-6E8A-4147-A177-3AD203B41FA5}">
-                      <a16:colId xmlns:a16="http://schemas.microsoft.com/office/drawing/2014/main" val="20000"/>
-                    </a:ext>
-                  </a:extLst>
-                </a:gridCol>
-                <a:gridCol w="1016974">
-                  <a:extLst>
-                    <a:ext uri="{9D8B030D-6E8A-4147-A177-3AD203B41FA5}">
-                      <a16:colId xmlns:a16="http://schemas.microsoft.com/office/drawing/2014/main" val="20001"/>
-                    </a:ext>
-                  </a:extLst>
-                </a:gridCol>
-                <a:gridCol w="951150">
-                  <a:extLst>
-                    <a:ext uri="{9D8B030D-6E8A-4147-A177-3AD203B41FA5}">
-                      <a16:colId xmlns:a16="http://schemas.microsoft.com/office/drawing/2014/main" val="20002"/>
-                    </a:ext>
-                  </a:extLst>
-                </a:gridCol>
-              </a:tblGrid>
-              <a:tr h="607973">
-                <a:tc>
-                  <a:txBody>
-                    <a:bodyPr/>
-                    <a:lstStyle/>
-                    <a:p>
-                      <a:r>
-                        <a:rPr kumimoji="1" lang="ja-JP" altLang="en-US" sz="2000" dirty="0">
-                          <a:solidFill>
-                            <a:schemeClr val="tx1"/>
-                          </a:solidFill>
-                        </a:rPr>
-                        <a:t>言語</a:t>
-                      </a:r>
-                    </a:p>
-                  </a:txBody>
-                  <a:tcPr marL="96012" marR="96012" marT="85344" marB="85344">
-                    <a:lnL w="12700" cap="flat" cmpd="sng" algn="ctr">
-                      <a:noFill/>
-                      <a:prstDash val="solid"/>
-                      <a:round/>
-                      <a:headEnd type="none" w="med" len="med"/>
-                      <a:tailEnd type="none" w="med" len="med"/>
-                    </a:lnL>
-                    <a:lnR w="12700" cap="flat" cmpd="sng" algn="ctr">
-                      <a:noFill/>
-                      <a:prstDash val="solid"/>
-                      <a:round/>
-                      <a:headEnd type="none" w="med" len="med"/>
-                      <a:tailEnd type="none" w="med" len="med"/>
-                    </a:lnR>
-                    <a:lnT w="19050" cap="flat" cmpd="sng" algn="ctr">
-                      <a:solidFill>
-                        <a:scrgbClr r="0" g="0" b="0"/>
-                      </a:solidFill>
-                      <a:prstDash val="solid"/>
-                      <a:round/>
-                      <a:headEnd type="none" w="med" len="med"/>
-                      <a:tailEnd type="none" w="med" len="med"/>
-                    </a:lnT>
-                    <a:lnB w="6350" cap="flat" cmpd="sng" algn="ctr">
-                      <a:solidFill>
-                        <a:scrgbClr r="0" g="0" b="0"/>
-                      </a:solidFill>
-                      <a:prstDash val="solid"/>
-                      <a:round/>
-                      <a:headEnd type="none" w="med" len="med"/>
-                      <a:tailEnd type="none" w="med" len="med"/>
-                    </a:lnB>
-                    <a:lnTlToBr w="12700" cmpd="sng">
-                      <a:noFill/>
-                      <a:prstDash val="solid"/>
-                    </a:lnTlToBr>
-                    <a:lnBlToTr w="12700" cmpd="sng">
-                      <a:noFill/>
-                      <a:prstDash val="solid"/>
-                    </a:lnBlToTr>
-                    <a:noFill/>
-                  </a:tcPr>
-                </a:tc>
-                <a:tc>
-                  <a:txBody>
-                    <a:bodyPr/>
-                    <a:lstStyle/>
-                    <a:p>
-                      <a:r>
-                        <a:rPr kumimoji="1" lang="ja-JP" altLang="en-US" sz="2000" dirty="0">
-                          <a:solidFill>
-                            <a:schemeClr val="tx1"/>
-                          </a:solidFill>
-                        </a:rPr>
-                        <a:t>単語数</a:t>
-                      </a:r>
-                    </a:p>
-                  </a:txBody>
-                  <a:tcPr marL="96012" marR="96012" marT="85344" marB="85344">
-                    <a:lnL w="12700" cap="flat" cmpd="sng" algn="ctr">
-                      <a:noFill/>
-                      <a:prstDash val="solid"/>
-                      <a:round/>
-                      <a:headEnd type="none" w="med" len="med"/>
-                      <a:tailEnd type="none" w="med" len="med"/>
-                    </a:lnL>
-                    <a:lnR w="12700" cmpd="sng">
-                      <a:noFill/>
-                    </a:lnR>
-                    <a:lnT w="19050" cap="flat" cmpd="sng" algn="ctr">
-                      <a:solidFill>
-                        <a:scrgbClr r="0" g="0" b="0"/>
-                      </a:solidFill>
-                      <a:prstDash val="solid"/>
-                      <a:round/>
-                      <a:headEnd type="none" w="med" len="med"/>
-                      <a:tailEnd type="none" w="med" len="med"/>
-                    </a:lnT>
-                    <a:lnB w="6350" cap="flat" cmpd="sng" algn="ctr">
-                      <a:solidFill>
-                        <a:scrgbClr r="0" g="0" b="0"/>
-                      </a:solidFill>
-                      <a:prstDash val="solid"/>
-                      <a:round/>
-                      <a:headEnd type="none" w="med" len="med"/>
-                      <a:tailEnd type="none" w="med" len="med"/>
-                    </a:lnB>
-                    <a:lnTlToBr w="12700" cmpd="sng">
-                      <a:noFill/>
-                      <a:prstDash val="solid"/>
-                    </a:lnTlToBr>
-                    <a:lnBlToTr w="12700" cmpd="sng">
-                      <a:noFill/>
-                      <a:prstDash val="solid"/>
-                    </a:lnBlToTr>
-                    <a:noFill/>
-                  </a:tcPr>
-                </a:tc>
-                <a:tc>
-                  <a:txBody>
-                    <a:bodyPr/>
-                    <a:lstStyle/>
-                    <a:p>
-                      <a:r>
-                        <a:rPr kumimoji="1" lang="ja-JP" altLang="en-US" sz="2000" dirty="0">
-                          <a:solidFill>
-                            <a:schemeClr val="tx1"/>
-                          </a:solidFill>
-                        </a:rPr>
-                        <a:t>音節数</a:t>
-                      </a:r>
-                    </a:p>
-                  </a:txBody>
-                  <a:tcPr marL="96012" marR="96012" marT="85344" marB="85344">
-                    <a:lnL w="12700" cmpd="sng">
-                      <a:noFill/>
-                    </a:lnL>
-                    <a:lnR w="12700" cap="flat" cmpd="sng" algn="ctr">
-                      <a:noFill/>
-                      <a:prstDash val="solid"/>
-                      <a:round/>
-                      <a:headEnd type="none" w="med" len="med"/>
-                      <a:tailEnd type="none" w="med" len="med"/>
-                    </a:lnR>
-                    <a:lnT w="19050" cap="flat" cmpd="sng" algn="ctr">
-                      <a:solidFill>
-                        <a:scrgbClr r="0" g="0" b="0"/>
-                      </a:solidFill>
-                      <a:prstDash val="solid"/>
-                      <a:round/>
-                      <a:headEnd type="none" w="med" len="med"/>
-                      <a:tailEnd type="none" w="med" len="med"/>
-                    </a:lnT>
-                    <a:lnB w="6350" cap="flat" cmpd="sng" algn="ctr">
-                      <a:solidFill>
-                        <a:scrgbClr r="0" g="0" b="0"/>
-                      </a:solidFill>
-                      <a:prstDash val="solid"/>
-                      <a:round/>
-                      <a:headEnd type="none" w="med" len="med"/>
-                      <a:tailEnd type="none" w="med" len="med"/>
-                    </a:lnB>
-                    <a:lnTlToBr w="12700" cmpd="sng">
-                      <a:noFill/>
-                      <a:prstDash val="solid"/>
-                    </a:lnTlToBr>
-                    <a:lnBlToTr w="12700" cmpd="sng">
-                      <a:noFill/>
-                      <a:prstDash val="solid"/>
-                    </a:lnBlToTr>
-                    <a:noFill/>
-                  </a:tcPr>
-                </a:tc>
-                <a:extLst>
-                  <a:ext uri="{0D108BD9-81ED-4DB2-BD59-A6C34878D82A}">
-                    <a16:rowId xmlns:a16="http://schemas.microsoft.com/office/drawing/2014/main" val="10000"/>
-                  </a:ext>
-                </a:extLst>
-              </a:tr>
-              <a:tr h="1615934">
-                <a:tc>
-                  <a:txBody>
-                    <a:bodyPr/>
-                    <a:lstStyle/>
-                    <a:p>
-                      <a:r>
-                        <a:rPr kumimoji="1" lang="ja-JP" altLang="en-US" sz="2000" dirty="0"/>
-                        <a:t>日本語</a:t>
-                      </a:r>
-                      <a:endParaRPr kumimoji="1" lang="en-US" altLang="ja-JP" sz="2000" dirty="0"/>
-                    </a:p>
-                    <a:p>
-                      <a:r>
-                        <a:rPr kumimoji="1" lang="ja-JP" altLang="en-US" sz="2000" dirty="0"/>
-                        <a:t>英語</a:t>
-                      </a:r>
-                      <a:endParaRPr kumimoji="1" lang="en-US" altLang="ja-JP" sz="2000" dirty="0"/>
-                    </a:p>
-                    <a:p>
-                      <a:r>
-                        <a:rPr kumimoji="1" lang="ja-JP" altLang="en-US" sz="2000" dirty="0"/>
-                        <a:t>韓国語</a:t>
-                      </a:r>
-                      <a:endParaRPr kumimoji="1" lang="en-US" altLang="ja-JP" sz="2000" dirty="0"/>
-                    </a:p>
-                    <a:p>
-                      <a:r>
-                        <a:rPr kumimoji="1" lang="ja-JP" altLang="en-US" sz="2000" dirty="0"/>
-                        <a:t>インドネシア語</a:t>
-                      </a:r>
-                    </a:p>
-                  </a:txBody>
-                  <a:tcPr marL="96012" marR="96012" marT="85344" marB="85344">
-                    <a:lnL w="12700" cap="flat" cmpd="sng" algn="ctr">
-                      <a:noFill/>
-                      <a:prstDash val="solid"/>
-                      <a:round/>
-                      <a:headEnd type="none" w="med" len="med"/>
-                      <a:tailEnd type="none" w="med" len="med"/>
-                    </a:lnL>
-                    <a:lnR w="12700" cmpd="sng">
-                      <a:noFill/>
-                    </a:lnR>
-                    <a:lnT w="6350" cap="flat" cmpd="sng" algn="ctr">
-                      <a:solidFill>
-                        <a:scrgbClr r="0" g="0" b="0"/>
-                      </a:solidFill>
-                      <a:prstDash val="solid"/>
-                      <a:round/>
-                      <a:headEnd type="none" w="med" len="med"/>
-                      <a:tailEnd type="none" w="med" len="med"/>
-                    </a:lnT>
-                    <a:lnB w="12700" cap="flat" cmpd="sng" algn="ctr">
-                      <a:noFill/>
-                      <a:prstDash val="solid"/>
-                      <a:round/>
-                      <a:headEnd type="none" w="med" len="med"/>
-                      <a:tailEnd type="none" w="med" len="med"/>
-                    </a:lnB>
-                    <a:lnTlToBr w="12700" cmpd="sng">
-                      <a:noFill/>
-                      <a:prstDash val="solid"/>
-                    </a:lnTlToBr>
-                    <a:lnBlToTr w="12700" cmpd="sng">
-                      <a:noFill/>
-                      <a:prstDash val="solid"/>
-                    </a:lnBlToTr>
-                    <a:noFill/>
-                  </a:tcPr>
-                </a:tc>
-                <a:tc>
-                  <a:txBody>
-                    <a:bodyPr/>
-                    <a:lstStyle/>
-                    <a:p>
-                      <a:pPr algn="r"/>
-                      <a:r>
-                        <a:rPr kumimoji="1" lang="en-US" altLang="ja-JP" sz="2000" dirty="0"/>
-                        <a:t>24000</a:t>
-                      </a:r>
-                    </a:p>
-                    <a:p>
-                      <a:pPr algn="r"/>
-                      <a:r>
-                        <a:rPr kumimoji="1" lang="en-US" altLang="ja-JP" sz="2000" dirty="0"/>
-                        <a:t>65033</a:t>
-                      </a:r>
-                    </a:p>
-                    <a:p>
-                      <a:pPr algn="r"/>
-                      <a:r>
-                        <a:rPr kumimoji="1" lang="en-US" altLang="ja-JP" sz="2000" dirty="0"/>
-                        <a:t>4533</a:t>
-                      </a:r>
-                    </a:p>
-                    <a:p>
-                      <a:pPr algn="r"/>
-                      <a:r>
-                        <a:rPr kumimoji="1" lang="en-US" altLang="ja-JP" sz="2000" dirty="0"/>
-                        <a:t>345</a:t>
-                      </a:r>
-                      <a:endParaRPr kumimoji="1" lang="ja-JP" altLang="en-US" sz="2000" dirty="0"/>
-                    </a:p>
-                  </a:txBody>
-                  <a:tcPr marL="96012" marR="96012" marT="85344" marB="85344">
-                    <a:lnL w="12700" cmpd="sng">
-                      <a:noFill/>
-                    </a:lnL>
-                    <a:lnR w="12700" cmpd="sng">
-                      <a:noFill/>
-                    </a:lnR>
-                    <a:lnT w="6350" cap="flat" cmpd="sng" algn="ctr">
-                      <a:solidFill>
-                        <a:scrgbClr r="0" g="0" b="0"/>
-                      </a:solidFill>
-                      <a:prstDash val="solid"/>
-                      <a:round/>
-                      <a:headEnd type="none" w="med" len="med"/>
-                      <a:tailEnd type="none" w="med" len="med"/>
-                    </a:lnT>
-                    <a:lnB w="12700" cap="flat" cmpd="sng" algn="ctr">
-                      <a:noFill/>
-                      <a:prstDash val="solid"/>
-                      <a:round/>
-                      <a:headEnd type="none" w="med" len="med"/>
-                      <a:tailEnd type="none" w="med" len="med"/>
-                    </a:lnB>
-                    <a:lnTlToBr w="12700" cmpd="sng">
-                      <a:noFill/>
-                      <a:prstDash val="solid"/>
-                    </a:lnTlToBr>
-                    <a:lnBlToTr w="12700" cmpd="sng">
-                      <a:noFill/>
-                      <a:prstDash val="solid"/>
-                    </a:lnBlToTr>
-                    <a:noFill/>
-                  </a:tcPr>
-                </a:tc>
-                <a:tc>
-                  <a:txBody>
-                    <a:bodyPr/>
-                    <a:lstStyle/>
-                    <a:p>
-                      <a:pPr algn="r"/>
-                      <a:r>
-                        <a:rPr kumimoji="1" lang="en-US" altLang="ja-JP" sz="2000" dirty="0"/>
-                        <a:t>12</a:t>
-                      </a:r>
-                    </a:p>
-                    <a:p>
-                      <a:pPr algn="r"/>
-                      <a:r>
-                        <a:rPr kumimoji="1" lang="en-US" altLang="ja-JP" sz="2000" dirty="0"/>
-                        <a:t>7</a:t>
-                      </a:r>
-                    </a:p>
-                    <a:p>
-                      <a:pPr algn="r"/>
-                      <a:r>
-                        <a:rPr kumimoji="1" lang="en-US" altLang="ja-JP" sz="2000" dirty="0"/>
-                        <a:t>21</a:t>
-                      </a:r>
-                    </a:p>
-                    <a:p>
-                      <a:pPr algn="r"/>
-                      <a:r>
-                        <a:rPr kumimoji="1" lang="en-US" altLang="ja-JP" sz="2000" dirty="0"/>
-                        <a:t>4</a:t>
-                      </a:r>
-                      <a:endParaRPr kumimoji="1" lang="ja-JP" altLang="en-US" sz="2000" dirty="0"/>
-                    </a:p>
-                  </a:txBody>
-                  <a:tcPr marL="96012" marR="96012" marT="85344" marB="85344">
-                    <a:lnL w="12700" cmpd="sng">
-                      <a:noFill/>
-                    </a:lnL>
-                    <a:lnR w="12700" cap="flat" cmpd="sng" algn="ctr">
-                      <a:noFill/>
-                      <a:prstDash val="solid"/>
-                      <a:round/>
-                      <a:headEnd type="none" w="med" len="med"/>
-                      <a:tailEnd type="none" w="med" len="med"/>
-                    </a:lnR>
-                    <a:lnT w="6350" cap="flat" cmpd="sng" algn="ctr">
-                      <a:solidFill>
-                        <a:scrgbClr r="0" g="0" b="0"/>
-                      </a:solidFill>
-                      <a:prstDash val="solid"/>
-                      <a:round/>
-                      <a:headEnd type="none" w="med" len="med"/>
-                      <a:tailEnd type="none" w="med" len="med"/>
-                    </a:lnT>
-                    <a:lnB w="12700" cap="flat" cmpd="sng" algn="ctr">
-                      <a:noFill/>
-                      <a:prstDash val="solid"/>
-                      <a:round/>
-                      <a:headEnd type="none" w="med" len="med"/>
-                      <a:tailEnd type="none" w="med" len="med"/>
-                    </a:lnB>
-                    <a:lnTlToBr w="12700" cmpd="sng">
-                      <a:noFill/>
-                      <a:prstDash val="solid"/>
-                    </a:lnTlToBr>
-                    <a:lnBlToTr w="12700" cmpd="sng">
-                      <a:noFill/>
-                      <a:prstDash val="solid"/>
-                    </a:lnBlToTr>
-                    <a:noFill/>
-                  </a:tcPr>
-                </a:tc>
-                <a:extLst>
-                  <a:ext uri="{0D108BD9-81ED-4DB2-BD59-A6C34878D82A}">
-                    <a16:rowId xmlns:a16="http://schemas.microsoft.com/office/drawing/2014/main" val="10001"/>
-                  </a:ext>
-                </a:extLst>
-              </a:tr>
-            </a:tbl>
-          </a:graphicData>
-        </a:graphic>
-      </p:graphicFrame>
-      <p:sp>
-        <p:nvSpPr>
-          <p:cNvPr id="26" name="テキスト ボックス 25"/>
-          <p:cNvSpPr txBox="1"/>
-          <p:nvPr/>
-        </p:nvSpPr>
-        <p:spPr>
-          <a:xfrm>
-            <a:off x="733781" y="8302510"/>
-            <a:ext cx="3549064" cy="898708"/>
-          </a:xfrm>
-          <a:prstGeom prst="rect">
-            <a:avLst/>
-          </a:prstGeom>
-        </p:spPr>
-        <p:style>
-          <a:lnRef idx="1">
-            <a:schemeClr val="accent1"/>
-          </a:lnRef>
-          <a:fillRef idx="2">
-            <a:schemeClr val="accent1"/>
-          </a:fillRef>
-          <a:effectRef idx="1">
-            <a:schemeClr val="accent1"/>
-          </a:effectRef>
-          <a:fontRef idx="minor">
-            <a:schemeClr val="dk1"/>
-          </a:fontRef>
-        </p:style>
-        <p:txBody>
-          <a:bodyPr wrap="square" lIns="128016" tIns="64008" rIns="128016" bIns="64008" rtlCol="0">
-            <a:spAutoFit/>
-          </a:bodyPr>
-          <a:lstStyle/>
-          <a:p>
-            <a:r>
-              <a:rPr lang="ja-JP" altLang="en-US" dirty="0"/>
-              <a:t>方法から得られた事実を淡々と</a:t>
-            </a:r>
-            <a:r>
-              <a:rPr kumimoji="1" lang="ja-JP" altLang="en-US" dirty="0"/>
-              <a:t>書く。</a:t>
-            </a:r>
-          </a:p>
-        </p:txBody>
-      </p:sp>
-      <p:sp>
-        <p:nvSpPr>
-          <p:cNvPr id="27" name="正方形/長方形 26"/>
-          <p:cNvSpPr/>
-          <p:nvPr/>
-        </p:nvSpPr>
-        <p:spPr>
-          <a:xfrm>
-            <a:off x="5080740" y="6496932"/>
-            <a:ext cx="3900135" cy="1992725"/>
-          </a:xfrm>
-          <a:prstGeom prst="rect">
-            <a:avLst/>
-          </a:prstGeom>
-          <a:noFill/>
-          <a:ln>
-            <a:solidFill>
-              <a:schemeClr val="bg1">
-                <a:lumMod val="75000"/>
-              </a:schemeClr>
-            </a:solidFill>
-          </a:ln>
-        </p:spPr>
-        <p:style>
-          <a:lnRef idx="1">
-            <a:schemeClr val="accent1"/>
-          </a:lnRef>
-          <a:fillRef idx="3">
-            <a:schemeClr val="accent1"/>
-          </a:fillRef>
-          <a:effectRef idx="2">
-            <a:schemeClr val="accent1"/>
-          </a:effectRef>
-          <a:fontRef idx="minor">
-            <a:schemeClr val="lt1"/>
-          </a:fontRef>
-        </p:style>
-        <p:txBody>
-          <a:bodyPr lIns="128016" tIns="64008" rIns="128016" bIns="64008" rtlCol="0" anchor="ctr"/>
-          <a:lstStyle/>
-          <a:p>
-            <a:pPr algn="ctr"/>
-            <a:endParaRPr kumimoji="1" lang="ja-JP" altLang="en-US"/>
-          </a:p>
-        </p:txBody>
-      </p:sp>
-      <p:sp>
-        <p:nvSpPr>
-          <p:cNvPr id="28" name="テキスト ボックス 27"/>
-          <p:cNvSpPr txBox="1"/>
-          <p:nvPr/>
-        </p:nvSpPr>
-        <p:spPr>
-          <a:xfrm>
-            <a:off x="5121371" y="6556304"/>
-            <a:ext cx="3441645" cy="1283428"/>
-          </a:xfrm>
-          <a:prstGeom prst="rect">
-            <a:avLst/>
-          </a:prstGeom>
-        </p:spPr>
-        <p:style>
-          <a:lnRef idx="1">
-            <a:schemeClr val="accent1"/>
-          </a:lnRef>
-          <a:fillRef idx="2">
-            <a:schemeClr val="accent1"/>
-          </a:fillRef>
-          <a:effectRef idx="1">
-            <a:schemeClr val="accent1"/>
-          </a:effectRef>
-          <a:fontRef idx="minor">
-            <a:schemeClr val="dk1"/>
-          </a:fontRef>
-        </p:style>
-        <p:txBody>
-          <a:bodyPr wrap="square" lIns="128016" tIns="64008" rIns="128016" bIns="64008" rtlCol="0">
-            <a:spAutoFit/>
-          </a:bodyPr>
-          <a:lstStyle/>
-          <a:p>
-            <a:r>
-              <a:rPr kumimoji="1" lang="ja-JP" altLang="en-US" dirty="0"/>
-              <a:t>問題と実施した方法を簡単に書いて、結論を述べる。</a:t>
-            </a:r>
-          </a:p>
-        </p:txBody>
-      </p:sp>
-      <p:sp>
-        <p:nvSpPr>
-          <p:cNvPr id="29" name="正方形/長方形 28"/>
-          <p:cNvSpPr/>
-          <p:nvPr/>
-        </p:nvSpPr>
-        <p:spPr>
-          <a:xfrm>
-            <a:off x="5080894" y="2462223"/>
-            <a:ext cx="3900135" cy="3536837"/>
-          </a:xfrm>
-          <a:prstGeom prst="rect">
-            <a:avLst/>
-          </a:prstGeom>
-          <a:noFill/>
-          <a:ln>
-            <a:solidFill>
-              <a:schemeClr val="bg1">
-                <a:lumMod val="75000"/>
-              </a:schemeClr>
-            </a:solidFill>
-          </a:ln>
-        </p:spPr>
-        <p:style>
-          <a:lnRef idx="1">
-            <a:schemeClr val="accent1"/>
-          </a:lnRef>
-          <a:fillRef idx="3">
-            <a:schemeClr val="accent1"/>
-          </a:fillRef>
-          <a:effectRef idx="2">
-            <a:schemeClr val="accent1"/>
-          </a:effectRef>
-          <a:fontRef idx="minor">
-            <a:schemeClr val="lt1"/>
-          </a:fontRef>
-        </p:style>
-        <p:txBody>
-          <a:bodyPr lIns="128016" tIns="64008" rIns="128016" bIns="64008" rtlCol="0" anchor="ctr"/>
-          <a:lstStyle/>
-          <a:p>
-            <a:pPr algn="ctr"/>
-            <a:endParaRPr kumimoji="1" lang="ja-JP" altLang="en-US" dirty="0"/>
-          </a:p>
-        </p:txBody>
-      </p:sp>
-      <p:sp>
-        <p:nvSpPr>
-          <p:cNvPr id="30" name="テキスト ボックス 29"/>
-          <p:cNvSpPr txBox="1"/>
-          <p:nvPr/>
-        </p:nvSpPr>
-        <p:spPr>
-          <a:xfrm>
-            <a:off x="5086936" y="2495210"/>
-            <a:ext cx="3894093" cy="513987"/>
-          </a:xfrm>
-          <a:prstGeom prst="rect">
-            <a:avLst/>
-          </a:prstGeom>
-        </p:spPr>
-        <p:style>
-          <a:lnRef idx="1">
-            <a:schemeClr val="accent1"/>
-          </a:lnRef>
-          <a:fillRef idx="2">
-            <a:schemeClr val="accent1"/>
-          </a:fillRef>
-          <a:effectRef idx="1">
-            <a:schemeClr val="accent1"/>
-          </a:effectRef>
-          <a:fontRef idx="minor">
-            <a:schemeClr val="dk1"/>
-          </a:fontRef>
-        </p:style>
-        <p:txBody>
-          <a:bodyPr wrap="none" lIns="128016" tIns="64008" rIns="128016" bIns="64008" rtlCol="0">
-            <a:spAutoFit/>
-          </a:bodyPr>
-          <a:lstStyle/>
-          <a:p>
-            <a:r>
-              <a:rPr kumimoji="1" lang="ja-JP" altLang="en-US" dirty="0"/>
-              <a:t>結果からわかることを書く。</a:t>
-            </a:r>
-          </a:p>
-        </p:txBody>
-      </p:sp>
-      <p:sp>
-        <p:nvSpPr>
-          <p:cNvPr id="31" name="正方形/長方形 30"/>
-          <p:cNvSpPr/>
-          <p:nvPr/>
-        </p:nvSpPr>
-        <p:spPr>
-          <a:xfrm>
-            <a:off x="813952" y="8267293"/>
-            <a:ext cx="3813921" cy="2099324"/>
-          </a:xfrm>
-          <a:prstGeom prst="rect">
-            <a:avLst/>
-          </a:prstGeom>
-          <a:noFill/>
-          <a:ln>
-            <a:solidFill>
-              <a:schemeClr val="bg1">
-                <a:lumMod val="75000"/>
-              </a:schemeClr>
-            </a:solidFill>
-          </a:ln>
-        </p:spPr>
-        <p:style>
-          <a:lnRef idx="1">
-            <a:schemeClr val="accent1"/>
-          </a:lnRef>
-          <a:fillRef idx="3">
-            <a:schemeClr val="accent1"/>
-          </a:fillRef>
-          <a:effectRef idx="2">
-            <a:schemeClr val="accent1"/>
-          </a:effectRef>
-          <a:fontRef idx="minor">
-            <a:schemeClr val="lt1"/>
-          </a:fontRef>
-        </p:style>
-        <p:txBody>
-          <a:bodyPr lIns="128016" tIns="64008" rIns="128016" bIns="64008" rtlCol="0" anchor="ctr"/>
-          <a:lstStyle/>
-          <a:p>
-            <a:pPr algn="ctr"/>
-            <a:endParaRPr kumimoji="1" lang="ja-JP" altLang="en-US" dirty="0"/>
-          </a:p>
-        </p:txBody>
-      </p:sp>
-    </p:spTree>
-  </p:cSld>
-  <p:clrMapOvr>
-    <a:masterClrMapping/>
-  </p:clrMapOvr>
-</p:sld>
-</file>
-
-<file path=ppt/slides/slide2.xml><?xml version="1.0" encoding="utf-8"?>
-<p:sld xmlns:a="http://schemas.openxmlformats.org/drawingml/2006/main" xmlns:r="http://schemas.openxmlformats.org/officeDocument/2006/relationships" xmlns:p="http://schemas.openxmlformats.org/presentationml/2006/main">
-  <p:cSld>
-    <p:spTree>
-      <p:nvGrpSpPr>
-        <p:cNvPr id="1" name=""/>
-        <p:cNvGrpSpPr/>
-        <p:nvPr/>
-      </p:nvGrpSpPr>
-      <p:grpSpPr>
-        <a:xfrm>
-          <a:off x="0" y="0"/>
-          <a:ext cx="0" cy="0"/>
-          <a:chOff x="0" y="0"/>
-          <a:chExt cx="0" cy="0"/>
-        </a:xfrm>
-      </p:grpSpPr>
-      <p:sp>
-        <p:nvSpPr>
           <p:cNvPr id="2" name="タイトル 1">
             <a:extLst>
               <a:ext uri="{FF2B5EF4-FFF2-40B4-BE49-F238E27FC236}">
@@ -4841,7 +3902,7 @@
                 <a:latin typeface="Hiragino Kaku Gothic Pro W3" panose="020B0300000000000000" pitchFamily="34" charset="-128"/>
                 <a:ea typeface="Hiragino Kaku Gothic Pro W3" panose="020B0300000000000000" pitchFamily="34" charset="-128"/>
               </a:rPr>
-              <a:t>朝倉一希</a:t>
+              <a:t>朝倉</a:t>
             </a:r>
             <a:r>
               <a:rPr lang="en-US" altLang="ja-JP" sz="2000" dirty="0">
@@ -4855,6 +3916,20 @@
                 <a:latin typeface="Hiragino Kaku Gothic Pro W3" panose="020B0300000000000000" pitchFamily="34" charset="-128"/>
                 <a:ea typeface="Hiragino Kaku Gothic Pro W3" panose="020B0300000000000000" pitchFamily="34" charset="-128"/>
               </a:rPr>
+              <a:t>一希</a:t>
+            </a:r>
+            <a:r>
+              <a:rPr lang="en-US" altLang="ja-JP" sz="2000" dirty="0">
+                <a:latin typeface="Hiragino Kaku Gothic Pro W3" panose="020B0300000000000000" pitchFamily="34" charset="-128"/>
+                <a:ea typeface="Hiragino Kaku Gothic Pro W3" panose="020B0300000000000000" pitchFamily="34" charset="-128"/>
+              </a:rPr>
+              <a:t> </a:t>
+            </a:r>
+            <a:r>
+              <a:rPr lang="ja-JP" altLang="en-US" sz="2000">
+                <a:latin typeface="Hiragino Kaku Gothic Pro W3" panose="020B0300000000000000" pitchFamily="34" charset="-128"/>
+                <a:ea typeface="Hiragino Kaku Gothic Pro W3" panose="020B0300000000000000" pitchFamily="34" charset="-128"/>
+              </a:rPr>
               <a:t>・</a:t>
             </a:r>
             <a:r>
@@ -4898,6 +3973,20 @@
                 <a:ea typeface="Hiragino Kaku Gothic Pro W3" panose="020B0300000000000000" pitchFamily="34" charset="-128"/>
               </a:rPr>
               <a:t>情報工学科</a:t>
+            </a:r>
+            <a:r>
+              <a:rPr lang="en-US" altLang="ja-JP" sz="2000" dirty="0">
+                <a:latin typeface="Hiragino Kaku Gothic Pro W3" panose="020B0300000000000000" pitchFamily="34" charset="-128"/>
+                <a:ea typeface="Hiragino Kaku Gothic Pro W3" panose="020B0300000000000000" pitchFamily="34" charset="-128"/>
+              </a:rPr>
+              <a:t> 2</a:t>
+            </a:r>
+            <a:r>
+              <a:rPr lang="ja-JP" altLang="en-US" sz="2000">
+                <a:latin typeface="Hiragino Kaku Gothic Pro W3" panose="020B0300000000000000" pitchFamily="34" charset="-128"/>
+                <a:ea typeface="Hiragino Kaku Gothic Pro W3" panose="020B0300000000000000" pitchFamily="34" charset="-128"/>
+              </a:rPr>
+              <a:t>年</a:t>
             </a:r>
             <a:endParaRPr lang="ja-JP" altLang="en-US" sz="2000" dirty="0">
               <a:latin typeface="Hiragino Kaku Gothic Pro W3" panose="020B0300000000000000" pitchFamily="34" charset="-128"/>
@@ -4921,7 +4010,7 @@
         <p:spPr>
           <a:xfrm>
             <a:off x="262256" y="1619159"/>
-            <a:ext cx="4322996" cy="2160591"/>
+            <a:ext cx="4322996" cy="1668149"/>
           </a:xfrm>
           <a:prstGeom prst="rect">
             <a:avLst/>
@@ -4936,20 +4025,20 @@
           <a:p>
             <a:pPr algn="just"/>
             <a:r>
-              <a:rPr lang="en-US" altLang="ja-JP" sz="2000" b="1" dirty="0">
+              <a:rPr lang="en-US" altLang="ja-JP" sz="1800" b="1" dirty="0">
                 <a:latin typeface="Hiragino Kaku Gothic Pro W6" panose="020B0300000000000000" pitchFamily="34" charset="-128"/>
                 <a:ea typeface="Hiragino Kaku Gothic Pro W6" panose="020B0300000000000000" pitchFamily="34" charset="-128"/>
               </a:rPr>
               <a:t>1. </a:t>
             </a:r>
             <a:r>
-              <a:rPr lang="ja-JP" altLang="en-US" sz="2000" b="1">
+              <a:rPr lang="ja-JP" altLang="en-US" sz="1800" b="1">
                 <a:latin typeface="Hiragino Kaku Gothic Pro W6" panose="020B0300000000000000" pitchFamily="34" charset="-128"/>
                 <a:ea typeface="Hiragino Kaku Gothic Pro W6" panose="020B0300000000000000" pitchFamily="34" charset="-128"/>
               </a:rPr>
               <a:t>はじめに</a:t>
             </a:r>
-            <a:endParaRPr lang="en-US" altLang="ja-JP" sz="2000" b="1" dirty="0">
+            <a:endParaRPr lang="en-US" altLang="ja-JP" sz="1800" b="1" dirty="0">
               <a:latin typeface="Hiragino Kaku Gothic Pro W6" panose="020B0300000000000000" pitchFamily="34" charset="-128"/>
               <a:ea typeface="Hiragino Kaku Gothic Pro W6" panose="020B0300000000000000" pitchFamily="34" charset="-128"/>
             </a:endParaRPr>
@@ -4957,27 +4046,27 @@
           <a:p>
             <a:pPr algn="just"/>
             <a:r>
-              <a:rPr lang="ja-JP" altLang="en-US" sz="1800">
-                <a:latin typeface="Hiragino Kaku Gothic Pro W3" panose="020B0300000000000000" pitchFamily="34" charset="-128"/>
-                <a:ea typeface="Hiragino Kaku Gothic Pro W3" panose="020B0300000000000000" pitchFamily="34" charset="-128"/>
-              </a:rPr>
-              <a:t>　歌の歌詞に使用されている語彙を分析する研究はすでにいくつかなされている</a:t>
-            </a:r>
-            <a:r>
-              <a:rPr lang="en-US" altLang="ja-JP" sz="1800" baseline="30000" dirty="0">
+              <a:rPr lang="ja-JP" altLang="en-US" sz="1600">
+                <a:latin typeface="Hiragino Kaku Gothic Pro W3" panose="020B0300000000000000" pitchFamily="34" charset="-128"/>
+                <a:ea typeface="Hiragino Kaku Gothic Pro W3" panose="020B0300000000000000" pitchFamily="34" charset="-128"/>
+              </a:rPr>
+              <a:t>　歌の歌詞に出現する語彙を分析する研究はすでにいくつかなされている</a:t>
+            </a:r>
+            <a:r>
+              <a:rPr lang="en-US" altLang="ja-JP" sz="1600" baseline="30000" dirty="0">
                 <a:latin typeface="Hiragino Kaku Gothic Pro W3" panose="020B0300000000000000" pitchFamily="34" charset="-128"/>
                 <a:ea typeface="Hiragino Kaku Gothic Pro W3" panose="020B0300000000000000" pitchFamily="34" charset="-128"/>
               </a:rPr>
               <a:t>[1][2]</a:t>
             </a:r>
             <a:r>
-              <a:rPr lang="ja-JP" altLang="en-US" sz="1800">
-                <a:latin typeface="Hiragino Kaku Gothic Pro W3" panose="020B0300000000000000" pitchFamily="34" charset="-128"/>
-                <a:ea typeface="Hiragino Kaku Gothic Pro W3" panose="020B0300000000000000" pitchFamily="34" charset="-128"/>
-              </a:rPr>
-              <a:t>。今回は、カラオケでよく歌われる曲の歌詞について形態素解析を行い、年代による変化や、ヒット音楽との違いについて考察する。</a:t>
-            </a:r>
-            <a:endParaRPr kumimoji="1" lang="ja-JP" altLang="en-US" sz="1800" dirty="0">
+              <a:rPr lang="ja-JP" altLang="en-US" sz="1600">
+                <a:latin typeface="Hiragino Kaku Gothic Pro W3" panose="020B0300000000000000" pitchFamily="34" charset="-128"/>
+                <a:ea typeface="Hiragino Kaku Gothic Pro W3" panose="020B0300000000000000" pitchFamily="34" charset="-128"/>
+              </a:rPr>
+              <a:t>。今回は、カラオケでよく歌われる曲の歌詞について形態素解析を行い、ヒット音楽との違いについて考察する。</a:t>
+            </a:r>
+            <a:endParaRPr kumimoji="1" lang="ja-JP" altLang="en-US" sz="1600" dirty="0">
               <a:latin typeface="Hiragino Kaku Gothic Pro W3" panose="020B0300000000000000" pitchFamily="34" charset="-128"/>
               <a:ea typeface="Hiragino Kaku Gothic Pro W3" panose="020B0300000000000000" pitchFamily="34" charset="-128"/>
             </a:endParaRPr>
@@ -4999,7 +4088,7 @@
         <p:spPr>
           <a:xfrm>
             <a:off x="5015948" y="1619159"/>
-            <a:ext cx="4322996" cy="991041"/>
+            <a:ext cx="4322996" cy="3114699"/>
           </a:xfrm>
           <a:prstGeom prst="rect">
             <a:avLst/>
@@ -5014,20 +4103,20 @@
           <a:p>
             <a:pPr algn="just"/>
             <a:r>
-              <a:rPr lang="en-US" altLang="ja-JP" sz="2000" b="1" dirty="0">
+              <a:rPr lang="en-US" altLang="ja-JP" sz="1800" b="1" dirty="0">
                 <a:latin typeface="Hiragino Kaku Gothic Pro W6" panose="020B0300000000000000" pitchFamily="34" charset="-128"/>
                 <a:ea typeface="Hiragino Kaku Gothic Pro W6" panose="020B0300000000000000" pitchFamily="34" charset="-128"/>
               </a:rPr>
               <a:t>4. </a:t>
             </a:r>
             <a:r>
-              <a:rPr lang="ja-JP" altLang="en-US" sz="2000" b="1">
+              <a:rPr lang="ja-JP" altLang="en-US" sz="1800" b="1">
                 <a:latin typeface="Hiragino Kaku Gothic Pro W6" panose="020B0300000000000000" pitchFamily="34" charset="-128"/>
                 <a:ea typeface="Hiragino Kaku Gothic Pro W6" panose="020B0300000000000000" pitchFamily="34" charset="-128"/>
               </a:rPr>
               <a:t>考察</a:t>
             </a:r>
-            <a:endParaRPr lang="en-US" altLang="ja-JP" sz="2000" b="1" dirty="0">
+            <a:endParaRPr lang="en-US" altLang="ja-JP" sz="1800" b="1" dirty="0">
               <a:latin typeface="Hiragino Kaku Gothic Pro W6" panose="020B0300000000000000" pitchFamily="34" charset="-128"/>
               <a:ea typeface="Hiragino Kaku Gothic Pro W6" panose="020B0300000000000000" pitchFamily="34" charset="-128"/>
             </a:endParaRPr>
@@ -5035,13 +4124,55 @@
           <a:p>
             <a:pPr algn="just"/>
             <a:r>
-              <a:rPr lang="ja-JP" altLang="en-US" sz="1800">
-                <a:latin typeface="Hiragino Kaku Gothic Pro W3" panose="020B0300000000000000" pitchFamily="34" charset="-128"/>
-                <a:ea typeface="Hiragino Kaku Gothic Pro W3" panose="020B0300000000000000" pitchFamily="34" charset="-128"/>
-              </a:rPr>
-              <a:t>　ということが分かった。と推測される。</a:t>
-            </a:r>
-            <a:endParaRPr lang="ja-JP" altLang="en-US" sz="1800" dirty="0">
+              <a:rPr lang="ja-JP" altLang="en-US" sz="1600">
+                <a:latin typeface="Hiragino Kaku Gothic Pro W3" panose="020B0300000000000000" pitchFamily="34" charset="-128"/>
+                <a:ea typeface="Hiragino Kaku Gothic Pro W3" panose="020B0300000000000000" pitchFamily="34" charset="-128"/>
+              </a:rPr>
+              <a:t>　カラオケと</a:t>
+            </a:r>
+            <a:r>
+              <a:rPr lang="en-US" altLang="ja-JP" sz="1600" dirty="0">
+                <a:latin typeface="Hiragino Kaku Gothic Pro W3" panose="020B0300000000000000" pitchFamily="34" charset="-128"/>
+                <a:ea typeface="Hiragino Kaku Gothic Pro W3" panose="020B0300000000000000" pitchFamily="34" charset="-128"/>
+              </a:rPr>
+              <a:t>USEN</a:t>
+            </a:r>
+            <a:r>
+              <a:rPr lang="ja-JP" altLang="en-US" sz="1600">
+                <a:latin typeface="Hiragino Kaku Gothic Pro W3" panose="020B0300000000000000" pitchFamily="34" charset="-128"/>
+                <a:ea typeface="Hiragino Kaku Gothic Pro W3" panose="020B0300000000000000" pitchFamily="34" charset="-128"/>
+              </a:rPr>
+              <a:t>における語の出現率には強い正の相関があることがわかる。両方のランキングに出現する曲もあるものの、全体として含まれる語に大きな違いはないと言える。また、「恋」「好き」「抱きしめる」など恋愛に関連する語が多く出現している。</a:t>
+            </a:r>
+            <a:endParaRPr lang="en-US" altLang="ja-JP" sz="1600" dirty="0">
+              <a:latin typeface="Hiragino Kaku Gothic Pro W3" panose="020B0300000000000000" pitchFamily="34" charset="-128"/>
+              <a:ea typeface="Hiragino Kaku Gothic Pro W3" panose="020B0300000000000000" pitchFamily="34" charset="-128"/>
+            </a:endParaRPr>
+          </a:p>
+          <a:p>
+            <a:pPr algn="just"/>
+            <a:r>
+              <a:rPr lang="ja-JP" altLang="en-US" sz="1600">
+                <a:latin typeface="Hiragino Kaku Gothic Pro W3" panose="020B0300000000000000" pitchFamily="34" charset="-128"/>
+                <a:ea typeface="Hiragino Kaku Gothic Pro W3" panose="020B0300000000000000" pitchFamily="34" charset="-128"/>
+              </a:rPr>
+              <a:t>　「俺」「僕」「お前」「あんた」という一般に男性が使う人称代名詞は</a:t>
+            </a:r>
+            <a:r>
+              <a:rPr lang="en-US" altLang="ja-JP" sz="1600" dirty="0">
+                <a:latin typeface="Hiragino Kaku Gothic Pro W3" panose="020B0300000000000000" pitchFamily="34" charset="-128"/>
+                <a:ea typeface="Hiragino Kaku Gothic Pro W3" panose="020B0300000000000000" pitchFamily="34" charset="-128"/>
+              </a:rPr>
+              <a:t>USEN</a:t>
+            </a:r>
+            <a:r>
+              <a:rPr lang="ja-JP" altLang="en-US" sz="1600">
+                <a:latin typeface="Hiragino Kaku Gothic Pro W3" panose="020B0300000000000000" pitchFamily="34" charset="-128"/>
+                <a:ea typeface="Hiragino Kaku Gothic Pro W3" panose="020B0300000000000000" pitchFamily="34" charset="-128"/>
+              </a:rPr>
+              <a:t>の比率が高く、「あたし」「あなた」という一般に女性が使う代名詞はカラオケの比率が高い。カラオケの方が女性目線の曲が多いと言える。</a:t>
+            </a:r>
+            <a:endParaRPr lang="en-US" altLang="ja-JP" sz="1600" dirty="0">
               <a:latin typeface="Hiragino Kaku Gothic Pro W3" panose="020B0300000000000000" pitchFamily="34" charset="-128"/>
               <a:ea typeface="Hiragino Kaku Gothic Pro W3" panose="020B0300000000000000" pitchFamily="34" charset="-128"/>
             </a:endParaRPr>
@@ -5062,8 +4193,8 @@
         </p:nvSpPr>
         <p:spPr>
           <a:xfrm>
-            <a:off x="262256" y="3963210"/>
-            <a:ext cx="4322996" cy="2653034"/>
+            <a:off x="262255" y="3299903"/>
+            <a:ext cx="4322996" cy="2437590"/>
           </a:xfrm>
           <a:prstGeom prst="rect">
             <a:avLst/>
@@ -5078,20 +4209,20 @@
           <a:p>
             <a:pPr algn="just"/>
             <a:r>
-              <a:rPr lang="en-US" altLang="ja-JP" sz="2000" b="1" dirty="0">
+              <a:rPr lang="en-US" altLang="ja-JP" sz="1800" b="1" dirty="0">
                 <a:latin typeface="Hiragino Kaku Gothic Pro W6" panose="020B0300000000000000" pitchFamily="34" charset="-128"/>
                 <a:ea typeface="Hiragino Kaku Gothic Pro W6" panose="020B0300000000000000" pitchFamily="34" charset="-128"/>
               </a:rPr>
               <a:t>2. </a:t>
             </a:r>
             <a:r>
-              <a:rPr lang="ja-JP" altLang="en-US" sz="2000" b="1">
+              <a:rPr lang="ja-JP" altLang="en-US" sz="1800" b="1">
                 <a:latin typeface="Hiragino Kaku Gothic Pro W6" panose="020B0300000000000000" pitchFamily="34" charset="-128"/>
                 <a:ea typeface="Hiragino Kaku Gothic Pro W6" panose="020B0300000000000000" pitchFamily="34" charset="-128"/>
               </a:rPr>
               <a:t>方法</a:t>
             </a:r>
-            <a:endParaRPr lang="en-US" altLang="ja-JP" sz="2000" b="1" dirty="0">
+            <a:endParaRPr lang="en-US" altLang="ja-JP" sz="1800" b="1" dirty="0">
               <a:latin typeface="Hiragino Kaku Gothic Pro W6" panose="020B0300000000000000" pitchFamily="34" charset="-128"/>
               <a:ea typeface="Hiragino Kaku Gothic Pro W6" panose="020B0300000000000000" pitchFamily="34" charset="-128"/>
             </a:endParaRPr>
@@ -5106,165 +4237,165 @@
               <a:t>　</a:t>
             </a:r>
             <a:r>
-              <a:rPr lang="en-US" altLang="ja-JP" sz="1800" dirty="0">
+              <a:rPr lang="en-US" altLang="ja-JP" sz="1600" dirty="0">
                 <a:latin typeface="Hiragino Kaku Gothic Pro W3" panose="020B0300000000000000" pitchFamily="34" charset="-128"/>
                 <a:ea typeface="Hiragino Kaku Gothic Pro W3" panose="020B0300000000000000" pitchFamily="34" charset="-128"/>
               </a:rPr>
               <a:t>1980</a:t>
             </a:r>
             <a:r>
-              <a:rPr lang="ja-JP" altLang="en-US" sz="1800">
+              <a:rPr lang="ja-JP" altLang="en-US" sz="1600">
                 <a:latin typeface="Hiragino Kaku Gothic Pro W3" panose="020B0300000000000000" pitchFamily="34" charset="-128"/>
                 <a:ea typeface="Hiragino Kaku Gothic Pro W3" panose="020B0300000000000000" pitchFamily="34" charset="-128"/>
               </a:rPr>
               <a:t>年から</a:t>
             </a:r>
             <a:r>
-              <a:rPr lang="en-US" altLang="ja-JP" sz="1800" dirty="0">
+              <a:rPr lang="en-US" altLang="ja-JP" sz="1600" dirty="0">
                 <a:latin typeface="Hiragino Kaku Gothic Pro W3" panose="020B0300000000000000" pitchFamily="34" charset="-128"/>
                 <a:ea typeface="Hiragino Kaku Gothic Pro W3" panose="020B0300000000000000" pitchFamily="34" charset="-128"/>
               </a:rPr>
               <a:t>2018</a:t>
             </a:r>
             <a:r>
-              <a:rPr lang="ja-JP" altLang="en-US" sz="1800">
+              <a:rPr lang="ja-JP" altLang="en-US" sz="1600">
                 <a:latin typeface="Hiragino Kaku Gothic Pro W3" panose="020B0300000000000000" pitchFamily="34" charset="-128"/>
                 <a:ea typeface="Hiragino Kaku Gothic Pro W3" panose="020B0300000000000000" pitchFamily="34" charset="-128"/>
               </a:rPr>
               <a:t>年までのカラオケランキング・</a:t>
             </a:r>
             <a:r>
-              <a:rPr lang="en-US" altLang="ja-JP" sz="1800" dirty="0">
+              <a:rPr lang="en-US" altLang="ja-JP" sz="1600" dirty="0">
                 <a:latin typeface="Hiragino Kaku Gothic Pro W3" panose="020B0300000000000000" pitchFamily="34" charset="-128"/>
                 <a:ea typeface="Hiragino Kaku Gothic Pro W3" panose="020B0300000000000000" pitchFamily="34" charset="-128"/>
               </a:rPr>
               <a:t>USEN</a:t>
             </a:r>
             <a:r>
-              <a:rPr lang="ja-JP" altLang="en-US" sz="1800">
+              <a:rPr lang="ja-JP" altLang="en-US" sz="1600">
                 <a:latin typeface="Hiragino Kaku Gothic Pro W3" panose="020B0300000000000000" pitchFamily="34" charset="-128"/>
                 <a:ea typeface="Hiragino Kaku Gothic Pro W3" panose="020B0300000000000000" pitchFamily="34" charset="-128"/>
               </a:rPr>
               <a:t>ランキングを「エンタメデータ</a:t>
             </a:r>
             <a:r>
-              <a:rPr lang="en-US" altLang="ja-JP" sz="1800" dirty="0">
+              <a:rPr lang="en-US" altLang="ja-JP" sz="1600" dirty="0">
                 <a:latin typeface="Hiragino Kaku Gothic Pro W3" panose="020B0300000000000000" pitchFamily="34" charset="-128"/>
                 <a:ea typeface="Hiragino Kaku Gothic Pro W3" panose="020B0300000000000000" pitchFamily="34" charset="-128"/>
               </a:rPr>
               <a:t>&amp;</a:t>
             </a:r>
             <a:r>
-              <a:rPr lang="ja-JP" altLang="en-US" sz="1800">
+              <a:rPr lang="ja-JP" altLang="en-US" sz="1600">
                 <a:latin typeface="Hiragino Kaku Gothic Pro W3" panose="020B0300000000000000" pitchFamily="34" charset="-128"/>
                 <a:ea typeface="Hiragino Kaku Gothic Pro W3" panose="020B0300000000000000" pitchFamily="34" charset="-128"/>
               </a:rPr>
               <a:t>ランキング」</a:t>
             </a:r>
             <a:r>
-              <a:rPr lang="en-US" altLang="ja-JP" sz="1800" dirty="0">
+              <a:rPr lang="en-US" altLang="ja-JP" sz="1600" dirty="0">
                 <a:latin typeface="Hiragino Kaku Gothic Pro W3" panose="020B0300000000000000" pitchFamily="34" charset="-128"/>
                 <a:ea typeface="Hiragino Kaku Gothic Pro W3" panose="020B0300000000000000" pitchFamily="34" charset="-128"/>
               </a:rPr>
               <a:t>(</a:t>
             </a:r>
             <a:r>
-              <a:rPr lang="en-US" altLang="ja-JP" sz="1800" dirty="0">
+              <a:rPr lang="en-US" altLang="ja-JP" sz="1600" dirty="0">
                 <a:latin typeface="Ricty Discord" panose="020B0509020203020207" pitchFamily="49" charset="-128"/>
                 <a:ea typeface="Ricty Discord" panose="020B0509020203020207" pitchFamily="49" charset="-128"/>
               </a:rPr>
               <a:t>https://entamedata.web.fc2.com/</a:t>
             </a:r>
             <a:r>
-              <a:rPr lang="en-US" altLang="ja-JP" sz="1800" dirty="0" err="1">
+              <a:rPr lang="en-US" altLang="ja-JP" sz="1600" dirty="0" err="1">
                 <a:latin typeface="Ricty Discord" panose="020B0509020203020207" pitchFamily="49" charset="-128"/>
                 <a:ea typeface="Ricty Discord" panose="020B0509020203020207" pitchFamily="49" charset="-128"/>
               </a:rPr>
               <a:t>index.html</a:t>
             </a:r>
             <a:r>
-              <a:rPr lang="en-US" altLang="ja-JP" sz="1800" dirty="0">
+              <a:rPr lang="en-US" altLang="ja-JP" sz="1600" dirty="0">
                 <a:latin typeface="Hiragino Kaku Gothic Pro W3" panose="020B0300000000000000" pitchFamily="34" charset="-128"/>
                 <a:ea typeface="Hiragino Kaku Gothic Pro W3" panose="020B0300000000000000" pitchFamily="34" charset="-128"/>
               </a:rPr>
               <a:t>)</a:t>
             </a:r>
             <a:r>
-              <a:rPr lang="ja-JP" altLang="en-US" sz="1800">
-                <a:latin typeface="Hiragino Kaku Gothic Pro W3" panose="020B0300000000000000" pitchFamily="34" charset="-128"/>
-                <a:ea typeface="Hiragino Kaku Gothic Pro W3" panose="020B0300000000000000" pitchFamily="34" charset="-128"/>
-              </a:rPr>
-              <a:t>より取得した。ランキングに出現した歌の歌詞を「</a:t>
-            </a:r>
-            <a:r>
-              <a:rPr lang="en-US" altLang="ja-JP" sz="1800" dirty="0">
+              <a:rPr lang="ja-JP" altLang="en-US" sz="1600">
+                <a:latin typeface="Hiragino Kaku Gothic Pro W3" panose="020B0300000000000000" pitchFamily="34" charset="-128"/>
+                <a:ea typeface="Hiragino Kaku Gothic Pro W3" panose="020B0300000000000000" pitchFamily="34" charset="-128"/>
+              </a:rPr>
+              <a:t>より取得する。ランキングに出現した歌の歌詞を「</a:t>
+            </a:r>
+            <a:r>
+              <a:rPr lang="en-US" altLang="ja-JP" sz="1600" dirty="0">
                 <a:latin typeface="Hiragino Kaku Gothic Pro W3" panose="020B0300000000000000" pitchFamily="34" charset="-128"/>
                 <a:ea typeface="Hiragino Kaku Gothic Pro W3" panose="020B0300000000000000" pitchFamily="34" charset="-128"/>
               </a:rPr>
               <a:t>J-</a:t>
             </a:r>
             <a:r>
-              <a:rPr lang="en-US" altLang="ja-JP" sz="1800" dirty="0" err="1">
+              <a:rPr lang="en-US" altLang="ja-JP" sz="1600" dirty="0" err="1">
                 <a:latin typeface="Hiragino Kaku Gothic Pro W3" panose="020B0300000000000000" pitchFamily="34" charset="-128"/>
                 <a:ea typeface="Hiragino Kaku Gothic Pro W3" panose="020B0300000000000000" pitchFamily="34" charset="-128"/>
               </a:rPr>
               <a:t>Lyric.net</a:t>
             </a:r>
             <a:r>
-              <a:rPr lang="ja-JP" altLang="en-US" sz="1800">
+              <a:rPr lang="ja-JP" altLang="en-US" sz="1600">
                 <a:latin typeface="Hiragino Kaku Gothic Pro W3" panose="020B0300000000000000" pitchFamily="34" charset="-128"/>
                 <a:ea typeface="Hiragino Kaku Gothic Pro W3" panose="020B0300000000000000" pitchFamily="34" charset="-128"/>
               </a:rPr>
               <a:t>」</a:t>
             </a:r>
             <a:r>
-              <a:rPr lang="en-US" altLang="ja-JP" sz="1800" dirty="0">
+              <a:rPr lang="en-US" altLang="ja-JP" sz="1600" dirty="0">
                 <a:latin typeface="Hiragino Kaku Gothic Pro W3" panose="020B0300000000000000" pitchFamily="34" charset="-128"/>
                 <a:ea typeface="Hiragino Kaku Gothic Pro W3" panose="020B0300000000000000" pitchFamily="34" charset="-128"/>
               </a:rPr>
               <a:t>(</a:t>
             </a:r>
             <a:r>
-              <a:rPr lang="en-US" altLang="ja-JP" sz="1800" dirty="0">
+              <a:rPr lang="en-US" altLang="ja-JP" sz="1600" dirty="0">
                 <a:latin typeface="Ricty Discord" panose="020B0509020203020207" pitchFamily="49" charset="-128"/>
                 <a:ea typeface="Ricty Discord" panose="020B0509020203020207" pitchFamily="49" charset="-128"/>
               </a:rPr>
               <a:t>http://j-</a:t>
             </a:r>
             <a:r>
-              <a:rPr lang="en-US" altLang="ja-JP" sz="1800" dirty="0" err="1">
+              <a:rPr lang="en-US" altLang="ja-JP" sz="1600" dirty="0" err="1">
                 <a:latin typeface="Ricty Discord" panose="020B0509020203020207" pitchFamily="49" charset="-128"/>
                 <a:ea typeface="Ricty Discord" panose="020B0509020203020207" pitchFamily="49" charset="-128"/>
               </a:rPr>
               <a:t>lyric.net</a:t>
             </a:r>
             <a:r>
-              <a:rPr lang="en-US" altLang="ja-JP" sz="1800" dirty="0">
+              <a:rPr lang="en-US" altLang="ja-JP" sz="1600" dirty="0">
                 <a:latin typeface="Ricty Discord" panose="020B0509020203020207" pitchFamily="49" charset="-128"/>
                 <a:ea typeface="Ricty Discord" panose="020B0509020203020207" pitchFamily="49" charset="-128"/>
               </a:rPr>
               <a:t>/)</a:t>
             </a:r>
             <a:r>
-              <a:rPr lang="ja-JP" altLang="en-US" sz="1800">
-                <a:latin typeface="Hiragino Kaku Gothic Pro W3" panose="020B0300000000000000" pitchFamily="34" charset="-128"/>
-                <a:ea typeface="Hiragino Kaku Gothic Pro W3" panose="020B0300000000000000" pitchFamily="34" charset="-128"/>
-              </a:rPr>
-              <a:t>より取得し、</a:t>
-            </a:r>
-            <a:r>
-              <a:rPr lang="en-US" altLang="ja-JP" sz="1800" dirty="0" err="1">
+              <a:rPr lang="ja-JP" altLang="en-US" sz="1600">
+                <a:latin typeface="Hiragino Kaku Gothic Pro W3" panose="020B0300000000000000" pitchFamily="34" charset="-128"/>
+                <a:ea typeface="Hiragino Kaku Gothic Pro W3" panose="020B0300000000000000" pitchFamily="34" charset="-128"/>
+              </a:rPr>
+              <a:t>より取得する。それらの歌詞を</a:t>
+            </a:r>
+            <a:r>
+              <a:rPr lang="en-US" altLang="ja-JP" sz="1600" dirty="0" err="1">
                 <a:latin typeface="Hiragino Kaku Gothic Pro W3" panose="020B0300000000000000" pitchFamily="34" charset="-128"/>
                 <a:ea typeface="Hiragino Kaku Gothic Pro W3" panose="020B0300000000000000" pitchFamily="34" charset="-128"/>
               </a:rPr>
               <a:t>MeCab</a:t>
             </a:r>
             <a:r>
-              <a:rPr lang="ja-JP" altLang="en-US" sz="1800">
-                <a:latin typeface="Hiragino Kaku Gothic Pro W3" panose="020B0300000000000000" pitchFamily="34" charset="-128"/>
-                <a:ea typeface="Hiragino Kaku Gothic Pro W3" panose="020B0300000000000000" pitchFamily="34" charset="-128"/>
-              </a:rPr>
-              <a:t>で形態素解析した。</a:t>
+              <a:rPr lang="ja-JP" altLang="en-US" sz="1600">
+                <a:latin typeface="Hiragino Kaku Gothic Pro W3" panose="020B0300000000000000" pitchFamily="34" charset="-128"/>
+                <a:ea typeface="Hiragino Kaku Gothic Pro W3" panose="020B0300000000000000" pitchFamily="34" charset="-128"/>
+              </a:rPr>
+              <a:t>で形態素解析し、語彙の出現回数を数える。</a:t>
             </a:r>
             <a:endParaRPr kumimoji="1" lang="ja-JP" altLang="en-US" sz="1800" dirty="0">
               <a:latin typeface="Hiragino Kaku Gothic Pro W3" panose="020B0300000000000000" pitchFamily="34" charset="-128"/>
@@ -5287,8 +4418,8 @@
         </p:nvSpPr>
         <p:spPr>
           <a:xfrm>
-            <a:off x="5015948" y="8004336"/>
-            <a:ext cx="4322996" cy="1606594"/>
+            <a:off x="5034682" y="7011405"/>
+            <a:ext cx="4322996" cy="837152"/>
           </a:xfrm>
           <a:prstGeom prst="rect">
             <a:avLst/>
@@ -5303,13 +4434,13 @@
           <a:p>
             <a:pPr algn="just"/>
             <a:r>
-              <a:rPr lang="ja-JP" altLang="en-US" sz="2000" b="1">
+              <a:rPr lang="ja-JP" altLang="en-US" sz="1600" b="1">
                 <a:latin typeface="Hiragino Kaku Gothic Pro W6" panose="020B0300000000000000" pitchFamily="34" charset="-128"/>
                 <a:ea typeface="Hiragino Kaku Gothic Pro W6" panose="020B0300000000000000" pitchFamily="34" charset="-128"/>
               </a:rPr>
               <a:t>参考文献</a:t>
             </a:r>
-            <a:endParaRPr lang="en-US" altLang="ja-JP" sz="2000" b="1" dirty="0">
+            <a:endParaRPr lang="en-US" altLang="ja-JP" sz="1600" b="1" dirty="0">
               <a:latin typeface="Hiragino Kaku Gothic Pro W6" panose="020B0300000000000000" pitchFamily="34" charset="-128"/>
               <a:ea typeface="Hiragino Kaku Gothic Pro W6" panose="020B0300000000000000" pitchFamily="34" charset="-128"/>
             </a:endParaRPr>
@@ -5317,34 +4448,34 @@
           <a:p>
             <a:pPr algn="just"/>
             <a:r>
-              <a:rPr lang="en-US" altLang="ja-JP" sz="1800" dirty="0">
+              <a:rPr lang="en-US" altLang="ja-JP" sz="1400" dirty="0">
                 <a:latin typeface="Hiragino Kaku Gothic Pro W3" panose="020B0300000000000000" pitchFamily="34" charset="-128"/>
                 <a:ea typeface="Hiragino Kaku Gothic Pro W3" panose="020B0300000000000000" pitchFamily="34" charset="-128"/>
               </a:rPr>
               <a:t>[1] </a:t>
             </a:r>
             <a:r>
-              <a:rPr lang="ja-JP" altLang="en-US" sz="1800">
+              <a:rPr lang="ja-JP" altLang="en-US" sz="1400">
                 <a:latin typeface="Hiragino Kaku Gothic Pro W3" panose="020B0300000000000000" pitchFamily="34" charset="-128"/>
                 <a:ea typeface="Hiragino Kaku Gothic Pro W3" panose="020B0300000000000000" pitchFamily="34" charset="-128"/>
               </a:rPr>
               <a:t>片山秋作</a:t>
             </a:r>
             <a:r>
-              <a:rPr lang="en-US" altLang="ja-JP" sz="1800" dirty="0">
+              <a:rPr lang="en-US" altLang="ja-JP" sz="1400" dirty="0">
                 <a:latin typeface="Hiragino Kaku Gothic Pro W3" panose="020B0300000000000000" pitchFamily="34" charset="-128"/>
                 <a:ea typeface="Hiragino Kaku Gothic Pro W3" panose="020B0300000000000000" pitchFamily="34" charset="-128"/>
               </a:rPr>
               <a:t>(2010) </a:t>
             </a:r>
             <a:r>
-              <a:rPr lang="ja-JP" altLang="en-US" sz="1800">
+              <a:rPr lang="ja-JP" altLang="en-US" sz="1400">
                 <a:latin typeface="Hiragino Kaku Gothic Pro W3" panose="020B0300000000000000" pitchFamily="34" charset="-128"/>
                 <a:ea typeface="Hiragino Kaku Gothic Pro W3" panose="020B0300000000000000" pitchFamily="34" charset="-128"/>
               </a:rPr>
               <a:t>コブクロの歌詞の表現特性</a:t>
             </a:r>
-            <a:endParaRPr lang="en-US" altLang="ja-JP" sz="1800" dirty="0">
+            <a:endParaRPr lang="en-US" altLang="ja-JP" sz="1400" dirty="0">
               <a:latin typeface="Hiragino Kaku Gothic Pro W3" panose="020B0300000000000000" pitchFamily="34" charset="-128"/>
               <a:ea typeface="Hiragino Kaku Gothic Pro W3" panose="020B0300000000000000" pitchFamily="34" charset="-128"/>
             </a:endParaRPr>
@@ -5352,34 +4483,34 @@
           <a:p>
             <a:pPr algn="just"/>
             <a:r>
-              <a:rPr lang="en-US" altLang="ja-JP" sz="1800" dirty="0">
+              <a:rPr lang="en-US" altLang="ja-JP" sz="1400" dirty="0">
                 <a:latin typeface="Hiragino Kaku Gothic Pro W3" panose="020B0300000000000000" pitchFamily="34" charset="-128"/>
                 <a:ea typeface="Hiragino Kaku Gothic Pro W3" panose="020B0300000000000000" pitchFamily="34" charset="-128"/>
               </a:rPr>
               <a:t>[2] </a:t>
             </a:r>
             <a:r>
-              <a:rPr lang="ja-JP" altLang="en-US" sz="1800">
-                <a:latin typeface="Hiragino Kaku Gothic Pro W3" panose="020B0300000000000000" pitchFamily="34" charset="-128"/>
-                <a:ea typeface="Hiragino Kaku Gothic Pro W3" panose="020B0300000000000000" pitchFamily="34" charset="-128"/>
-              </a:rPr>
-              <a:t>山下良奈</a:t>
-            </a:r>
-            <a:r>
-              <a:rPr lang="en-US" altLang="ja-JP" sz="1800" dirty="0">
+              <a:rPr lang="ja-JP" altLang="en-US" sz="1400">
+                <a:latin typeface="Hiragino Kaku Gothic Pro W3" panose="020B0300000000000000" pitchFamily="34" charset="-128"/>
+                <a:ea typeface="Hiragino Kaku Gothic Pro W3" panose="020B0300000000000000" pitchFamily="34" charset="-128"/>
+              </a:rPr>
+              <a:t>左古輝人</a:t>
+            </a:r>
+            <a:r>
+              <a:rPr lang="en-US" altLang="ja-JP" sz="1400" dirty="0">
                 <a:latin typeface="Hiragino Kaku Gothic Pro W3" panose="020B0300000000000000" pitchFamily="34" charset="-128"/>
                 <a:ea typeface="Hiragino Kaku Gothic Pro W3" panose="020B0300000000000000" pitchFamily="34" charset="-128"/>
               </a:rPr>
               <a:t>(2015) </a:t>
             </a:r>
             <a:r>
-              <a:rPr lang="ja-JP" altLang="en-US" sz="1800">
-                <a:latin typeface="Hiragino Kaku Gothic Pro W3" panose="020B0300000000000000" pitchFamily="34" charset="-128"/>
-                <a:ea typeface="Hiragino Kaku Gothic Pro W3" panose="020B0300000000000000" pitchFamily="34" charset="-128"/>
-              </a:rPr>
-              <a:t>水樹奈々の歌詞の表現特性</a:t>
-            </a:r>
-            <a:endParaRPr lang="ja-JP" altLang="en-US" sz="1800" dirty="0">
+              <a:rPr lang="ja-JP" altLang="en-US" sz="1400">
+                <a:latin typeface="Hiragino Kaku Gothic Pro W3" panose="020B0300000000000000" pitchFamily="34" charset="-128"/>
+                <a:ea typeface="Hiragino Kaku Gothic Pro W3" panose="020B0300000000000000" pitchFamily="34" charset="-128"/>
+              </a:rPr>
+              <a:t>ヒットソング歌詞の変遷</a:t>
+            </a:r>
+            <a:endParaRPr lang="ja-JP" altLang="en-US" sz="1400" dirty="0">
               <a:latin typeface="Hiragino Kaku Gothic Pro W3" panose="020B0300000000000000" pitchFamily="34" charset="-128"/>
               <a:ea typeface="Hiragino Kaku Gothic Pro W3" panose="020B0300000000000000" pitchFamily="34" charset="-128"/>
             </a:endParaRPr>
@@ -5400,8 +4531,8 @@
         </p:nvSpPr>
         <p:spPr>
           <a:xfrm>
-            <a:off x="262256" y="6799704"/>
-            <a:ext cx="4322996" cy="714042"/>
+            <a:off x="262255" y="5750088"/>
+            <a:ext cx="4322996" cy="2376035"/>
           </a:xfrm>
           <a:prstGeom prst="rect">
             <a:avLst/>
@@ -5416,20 +4547,20 @@
           <a:p>
             <a:pPr algn="just"/>
             <a:r>
-              <a:rPr lang="en-US" altLang="ja-JP" sz="2000" b="1" dirty="0">
+              <a:rPr lang="en-US" altLang="ja-JP" sz="1800" b="1" dirty="0">
                 <a:latin typeface="Hiragino Kaku Gothic Pro W6" panose="020B0300000000000000" pitchFamily="34" charset="-128"/>
                 <a:ea typeface="Hiragino Kaku Gothic Pro W6" panose="020B0300000000000000" pitchFamily="34" charset="-128"/>
               </a:rPr>
               <a:t>3. </a:t>
             </a:r>
             <a:r>
-              <a:rPr lang="ja-JP" altLang="en-US" sz="2000" b="1">
+              <a:rPr lang="ja-JP" altLang="en-US" sz="1800" b="1">
                 <a:latin typeface="Hiragino Kaku Gothic Pro W6" panose="020B0300000000000000" pitchFamily="34" charset="-128"/>
                 <a:ea typeface="Hiragino Kaku Gothic Pro W6" panose="020B0300000000000000" pitchFamily="34" charset="-128"/>
               </a:rPr>
               <a:t>結果</a:t>
             </a:r>
-            <a:endParaRPr lang="en-US" altLang="ja-JP" sz="2000" b="1" dirty="0">
+            <a:endParaRPr lang="en-US" altLang="ja-JP" sz="1800" b="1" dirty="0">
               <a:latin typeface="Hiragino Kaku Gothic Pro W6" panose="020B0300000000000000" pitchFamily="34" charset="-128"/>
               <a:ea typeface="Hiragino Kaku Gothic Pro W6" panose="020B0300000000000000" pitchFamily="34" charset="-128"/>
             </a:endParaRPr>
@@ -5437,13 +4568,97 @@
           <a:p>
             <a:pPr algn="just" latinLnBrk="1"/>
             <a:r>
-              <a:rPr lang="ja-JP" altLang="en-US" sz="1800">
-                <a:latin typeface="Hiragino Kaku Gothic Pro W3" panose="020B0300000000000000" pitchFamily="34" charset="-128"/>
-                <a:ea typeface="Hiragino Kaku Gothic Pro W3" panose="020B0300000000000000" pitchFamily="34" charset="-128"/>
-              </a:rPr>
-              <a:t>　表となった。</a:t>
-            </a:r>
-            <a:endParaRPr kumimoji="1" lang="ja-JP" altLang="en-US" sz="1800" dirty="0">
+              <a:rPr lang="ja-JP" altLang="en-US" sz="1600">
+                <a:latin typeface="Hiragino Kaku Gothic Pro W3" panose="020B0300000000000000" pitchFamily="34" charset="-128"/>
+                <a:ea typeface="Hiragino Kaku Gothic Pro W3" panose="020B0300000000000000" pitchFamily="34" charset="-128"/>
+              </a:rPr>
+              <a:t>　各ランキングに登場する曲の歌詞全体について、出現数上位</a:t>
+            </a:r>
+            <a:r>
+              <a:rPr lang="en-US" altLang="ja-JP" sz="1600" dirty="0">
+                <a:latin typeface="Hiragino Kaku Gothic Pro W3" panose="020B0300000000000000" pitchFamily="34" charset="-128"/>
+                <a:ea typeface="Hiragino Kaku Gothic Pro W3" panose="020B0300000000000000" pitchFamily="34" charset="-128"/>
+              </a:rPr>
+              <a:t>100</a:t>
+            </a:r>
+            <a:r>
+              <a:rPr lang="ja-JP" altLang="en-US" sz="1600">
+                <a:latin typeface="Hiragino Kaku Gothic Pro W3" panose="020B0300000000000000" pitchFamily="34" charset="-128"/>
+                <a:ea typeface="Hiragino Kaku Gothic Pro W3" panose="020B0300000000000000" pitchFamily="34" charset="-128"/>
+              </a:rPr>
+              <a:t>語を抽出した。ただし、助詞や接続詞などの不要語は除外している。総出現数を曲数で割った値（以下、出現率）を散布図にしたものが図</a:t>
+            </a:r>
+            <a:r>
+              <a:rPr lang="en-US" altLang="ja-JP" sz="1600" dirty="0">
+                <a:latin typeface="Hiragino Kaku Gothic Pro W3" panose="020B0300000000000000" pitchFamily="34" charset="-128"/>
+                <a:ea typeface="Hiragino Kaku Gothic Pro W3" panose="020B0300000000000000" pitchFamily="34" charset="-128"/>
+              </a:rPr>
+              <a:t>1</a:t>
+            </a:r>
+            <a:r>
+              <a:rPr lang="ja-JP" altLang="en-US" sz="1600">
+                <a:latin typeface="Hiragino Kaku Gothic Pro W3" panose="020B0300000000000000" pitchFamily="34" charset="-128"/>
+                <a:ea typeface="Hiragino Kaku Gothic Pro W3" panose="020B0300000000000000" pitchFamily="34" charset="-128"/>
+              </a:rPr>
+              <a:t>である。</a:t>
+            </a:r>
+            <a:endParaRPr lang="en-US" altLang="ja-JP" sz="1600" dirty="0">
+              <a:latin typeface="Hiragino Kaku Gothic Pro W3" panose="020B0300000000000000" pitchFamily="34" charset="-128"/>
+              <a:ea typeface="Hiragino Kaku Gothic Pro W3" panose="020B0300000000000000" pitchFamily="34" charset="-128"/>
+            </a:endParaRPr>
+          </a:p>
+          <a:p>
+            <a:pPr algn="just" latinLnBrk="1"/>
+            <a:r>
+              <a:rPr lang="ja-JP" altLang="en-US" sz="1600">
+                <a:latin typeface="Hiragino Kaku Gothic Pro W3" panose="020B0300000000000000" pitchFamily="34" charset="-128"/>
+                <a:ea typeface="Hiragino Kaku Gothic Pro W3" panose="020B0300000000000000" pitchFamily="34" charset="-128"/>
+              </a:rPr>
+              <a:t>　カラオケの出現率を</a:t>
+            </a:r>
+            <a:r>
+              <a:rPr lang="en-US" altLang="ja-JP" sz="1600" dirty="0">
+                <a:latin typeface="Hiragino Kaku Gothic Pro W3" panose="020B0300000000000000" pitchFamily="34" charset="-128"/>
+                <a:ea typeface="Hiragino Kaku Gothic Pro W3" panose="020B0300000000000000" pitchFamily="34" charset="-128"/>
+              </a:rPr>
+              <a:t>USEN</a:t>
+            </a:r>
+            <a:r>
+              <a:rPr lang="ja-JP" altLang="en-US" sz="1600">
+                <a:latin typeface="Hiragino Kaku Gothic Pro W3" panose="020B0300000000000000" pitchFamily="34" charset="-128"/>
+                <a:ea typeface="Hiragino Kaku Gothic Pro W3" panose="020B0300000000000000" pitchFamily="34" charset="-128"/>
+              </a:rPr>
+              <a:t>の出現率で割った値（以下、比率）の上位および下位</a:t>
+            </a:r>
+            <a:r>
+              <a:rPr lang="en-US" altLang="ja-JP" sz="1600" dirty="0">
+                <a:latin typeface="Hiragino Kaku Gothic Pro W3" panose="020B0300000000000000" pitchFamily="34" charset="-128"/>
+                <a:ea typeface="Hiragino Kaku Gothic Pro W3" panose="020B0300000000000000" pitchFamily="34" charset="-128"/>
+              </a:rPr>
+              <a:t>10</a:t>
+            </a:r>
+            <a:r>
+              <a:rPr lang="ja-JP" altLang="en-US" sz="1600">
+                <a:latin typeface="Hiragino Kaku Gothic Pro W3" panose="020B0300000000000000" pitchFamily="34" charset="-128"/>
+                <a:ea typeface="Hiragino Kaku Gothic Pro W3" panose="020B0300000000000000" pitchFamily="34" charset="-128"/>
+              </a:rPr>
+              <a:t>語を表</a:t>
+            </a:r>
+            <a:r>
+              <a:rPr lang="en-US" altLang="ja-JP" sz="1600" dirty="0">
+                <a:latin typeface="Hiragino Kaku Gothic Pro W3" panose="020B0300000000000000" pitchFamily="34" charset="-128"/>
+                <a:ea typeface="Hiragino Kaku Gothic Pro W3" panose="020B0300000000000000" pitchFamily="34" charset="-128"/>
+              </a:rPr>
+              <a:t>1</a:t>
+            </a:r>
+            <a:r>
+              <a:rPr lang="ja-JP" altLang="en-US" sz="1600">
+                <a:latin typeface="Hiragino Kaku Gothic Pro W3" panose="020B0300000000000000" pitchFamily="34" charset="-128"/>
+                <a:ea typeface="Hiragino Kaku Gothic Pro W3" panose="020B0300000000000000" pitchFamily="34" charset="-128"/>
+              </a:rPr>
+              <a:t>にまとめた。</a:t>
+            </a:r>
+            <a:endParaRPr kumimoji="1" lang="ja-JP" altLang="en-US" sz="1600" dirty="0">
               <a:latin typeface="Hiragino Kaku Gothic Pro W3" panose="020B0300000000000000" pitchFamily="34" charset="-128"/>
               <a:ea typeface="Hiragino Kaku Gothic Pro W3" panose="020B0300000000000000" pitchFamily="34" charset="-128"/>
             </a:endParaRPr>
@@ -5465,7 +4680,7 @@
           <p:nvPr/>
         </p:nvPicPr>
         <p:blipFill>
-          <a:blip r:embed="rId2"/>
+          <a:blip r:embed="rId3"/>
           <a:stretch>
             <a:fillRect/>
           </a:stretch>
@@ -5544,8 +4759,8 @@
         </p:nvSpPr>
         <p:spPr>
           <a:xfrm>
-            <a:off x="5015948" y="4003123"/>
-            <a:ext cx="4322996" cy="2099036"/>
+            <a:off x="5015948" y="4733858"/>
+            <a:ext cx="4322996" cy="2129814"/>
           </a:xfrm>
           <a:prstGeom prst="rect">
             <a:avLst/>
@@ -5560,20 +4775,20 @@
           <a:p>
             <a:pPr algn="just"/>
             <a:r>
-              <a:rPr lang="en-US" altLang="ja-JP" sz="2000" b="1" dirty="0">
+              <a:rPr lang="en-US" altLang="ja-JP" sz="1800" b="1" dirty="0">
                 <a:latin typeface="Hiragino Kaku Gothic Pro W6" panose="020B0300000000000000" pitchFamily="34" charset="-128"/>
                 <a:ea typeface="Hiragino Kaku Gothic Pro W6" panose="020B0300000000000000" pitchFamily="34" charset="-128"/>
               </a:rPr>
               <a:t>5. </a:t>
             </a:r>
             <a:r>
-              <a:rPr lang="ja-JP" altLang="en-US" sz="2000" b="1">
+              <a:rPr lang="ja-JP" altLang="en-US" sz="1800" b="1">
                 <a:latin typeface="Hiragino Kaku Gothic Pro W6" panose="020B0300000000000000" pitchFamily="34" charset="-128"/>
                 <a:ea typeface="Hiragino Kaku Gothic Pro W6" panose="020B0300000000000000" pitchFamily="34" charset="-128"/>
               </a:rPr>
               <a:t>おわりに</a:t>
             </a:r>
-            <a:endParaRPr lang="en-US" altLang="ja-JP" sz="2000" b="1" dirty="0">
+            <a:endParaRPr lang="en-US" altLang="ja-JP" sz="1800" b="1" dirty="0">
               <a:latin typeface="Hiragino Kaku Gothic Pro W6" panose="020B0300000000000000" pitchFamily="34" charset="-128"/>
               <a:ea typeface="Hiragino Kaku Gothic Pro W6" panose="020B0300000000000000" pitchFamily="34" charset="-128"/>
             </a:endParaRPr>
@@ -5581,13 +4796,27 @@
           <a:p>
             <a:pPr algn="just" latinLnBrk="1"/>
             <a:r>
-              <a:rPr lang="ja-JP" altLang="en-US" sz="1800">
-                <a:latin typeface="Hiragino Kaku Gothic Pro W3" panose="020B0300000000000000" pitchFamily="34" charset="-128"/>
-                <a:ea typeface="Hiragino Kaku Gothic Pro W3" panose="020B0300000000000000" pitchFamily="34" charset="-128"/>
-              </a:rPr>
-              <a:t>　カラオケランキングに出現する曲の歌詞について形態素解析を行った結果、が分かった。</a:t>
-            </a:r>
-            <a:endParaRPr lang="en-US" altLang="ja-JP" sz="1800" dirty="0">
+              <a:rPr lang="ja-JP" altLang="en-US" sz="1600">
+                <a:latin typeface="Hiragino Kaku Gothic Pro W3" panose="020B0300000000000000" pitchFamily="34" charset="-128"/>
+                <a:ea typeface="Hiragino Kaku Gothic Pro W3" panose="020B0300000000000000" pitchFamily="34" charset="-128"/>
+              </a:rPr>
+              <a:t>　カラオケ・</a:t>
+            </a:r>
+            <a:r>
+              <a:rPr lang="en-US" altLang="ja-JP" sz="1600" dirty="0">
+                <a:latin typeface="Hiragino Kaku Gothic Pro W3" panose="020B0300000000000000" pitchFamily="34" charset="-128"/>
+                <a:ea typeface="Hiragino Kaku Gothic Pro W3" panose="020B0300000000000000" pitchFamily="34" charset="-128"/>
+              </a:rPr>
+              <a:t>USEN</a:t>
+            </a:r>
+            <a:r>
+              <a:rPr lang="ja-JP" altLang="en-US" sz="1600">
+                <a:latin typeface="Hiragino Kaku Gothic Pro W3" panose="020B0300000000000000" pitchFamily="34" charset="-128"/>
+                <a:ea typeface="Hiragino Kaku Gothic Pro W3" panose="020B0300000000000000" pitchFamily="34" charset="-128"/>
+              </a:rPr>
+              <a:t>ランキングの曲の歌詞に含まれる語彙の出現数を数えた結果、恋愛関連の語が多く、カラオケで歌われる歌のほうが女性目線であることが分かった。</a:t>
+            </a:r>
+            <a:endParaRPr lang="en-US" altLang="ja-JP" sz="1600" dirty="0">
               <a:latin typeface="Hiragino Kaku Gothic Pro W3" panose="020B0300000000000000" pitchFamily="34" charset="-128"/>
               <a:ea typeface="Hiragino Kaku Gothic Pro W3" panose="020B0300000000000000" pitchFamily="34" charset="-128"/>
             </a:endParaRPr>
@@ -5595,62 +4824,62 @@
           <a:p>
             <a:pPr algn="just" latinLnBrk="1"/>
             <a:r>
-              <a:rPr lang="ja-JP" altLang="en-US" sz="1800">
+              <a:rPr lang="ja-JP" altLang="en-US" sz="1600">
                 <a:latin typeface="Hiragino Kaku Gothic Pro W3" panose="020B0300000000000000" pitchFamily="34" charset="-128"/>
                 <a:ea typeface="Hiragino Kaku Gothic Pro W3" panose="020B0300000000000000" pitchFamily="34" charset="-128"/>
               </a:rPr>
               <a:t>　本解析のために作成したプログラムを</a:t>
             </a:r>
             <a:r>
-              <a:rPr lang="en-US" altLang="ja-JP" sz="1800" dirty="0" err="1">
+              <a:rPr lang="en-US" altLang="ja-JP" sz="1600" dirty="0" err="1">
                 <a:latin typeface="Hiragino Kaku Gothic Pro W3" panose="020B0300000000000000" pitchFamily="34" charset="-128"/>
                 <a:ea typeface="Hiragino Kaku Gothic Pro W3" panose="020B0300000000000000" pitchFamily="34" charset="-128"/>
               </a:rPr>
               <a:t>Github</a:t>
             </a:r>
             <a:r>
-              <a:rPr lang="ja-JP" altLang="en-US" sz="1800">
+              <a:rPr lang="ja-JP" altLang="en-US" sz="1600">
                 <a:latin typeface="Hiragino Kaku Gothic Pro W3" panose="020B0300000000000000" pitchFamily="34" charset="-128"/>
                 <a:ea typeface="Hiragino Kaku Gothic Pro W3" panose="020B0300000000000000" pitchFamily="34" charset="-128"/>
               </a:rPr>
               <a:t>にて公開している。</a:t>
             </a:r>
             <a:r>
-              <a:rPr lang="en-US" altLang="ja-JP" sz="1800" dirty="0">
+              <a:rPr lang="en-US" altLang="ja-JP" sz="1600" dirty="0">
                 <a:latin typeface="Hiragino Kaku Gothic Pro W3" panose="020B0300000000000000" pitchFamily="34" charset="-128"/>
                 <a:ea typeface="Hiragino Kaku Gothic Pro W3" panose="020B0300000000000000" pitchFamily="34" charset="-128"/>
               </a:rPr>
               <a:t>(</a:t>
             </a:r>
             <a:r>
-              <a:rPr lang="en-US" altLang="ja-JP" sz="1800" dirty="0">
+              <a:rPr lang="en-US" altLang="ja-JP" sz="1600" dirty="0">
                 <a:latin typeface="Ricty Discord" panose="020B0509020203020207" pitchFamily="49" charset="-128"/>
                 <a:ea typeface="Ricty Discord" panose="020B0509020203020207" pitchFamily="49" charset="-128"/>
               </a:rPr>
               <a:t>https://</a:t>
             </a:r>
             <a:r>
-              <a:rPr lang="en-US" altLang="ja-JP" sz="1800" dirty="0" err="1">
+              <a:rPr lang="en-US" altLang="ja-JP" sz="1600" dirty="0" err="1">
                 <a:latin typeface="Ricty Discord" panose="020B0509020203020207" pitchFamily="49" charset="-128"/>
                 <a:ea typeface="Ricty Discord" panose="020B0509020203020207" pitchFamily="49" charset="-128"/>
               </a:rPr>
               <a:t>github.com</a:t>
             </a:r>
             <a:r>
-              <a:rPr lang="en-US" altLang="ja-JP" sz="1800" dirty="0">
+              <a:rPr lang="en-US" altLang="ja-JP" sz="1600" dirty="0">
                 <a:latin typeface="Ricty Discord" panose="020B0509020203020207" pitchFamily="49" charset="-128"/>
                 <a:ea typeface="Ricty Discord" panose="020B0509020203020207" pitchFamily="49" charset="-128"/>
               </a:rPr>
               <a:t>/Arthur1/linguistics</a:t>
             </a:r>
             <a:r>
-              <a:rPr lang="en-US" altLang="ja-JP" sz="1800" dirty="0">
+              <a:rPr lang="en-US" altLang="ja-JP" sz="1600" dirty="0">
                 <a:latin typeface="Hiragino Kaku Gothic Pro W3" panose="020B0300000000000000" pitchFamily="34" charset="-128"/>
                 <a:ea typeface="Hiragino Kaku Gothic Pro W3" panose="020B0300000000000000" pitchFamily="34" charset="-128"/>
               </a:rPr>
               <a:t>)</a:t>
             </a:r>
-            <a:endParaRPr lang="ja-JP" altLang="en-US" sz="1800" dirty="0">
+            <a:endParaRPr lang="ja-JP" altLang="en-US" sz="1600" dirty="0">
               <a:latin typeface="Hiragino Kaku Gothic Pro W3" panose="020B0300000000000000" pitchFamily="34" charset="-128"/>
               <a:ea typeface="Hiragino Kaku Gothic Pro W3" panose="020B0300000000000000" pitchFamily="34" charset="-128"/>
             </a:endParaRPr>
@@ -5674,7 +4903,7 @@
         <p:spPr>
           <a:xfrm>
             <a:off x="4800600" y="1623453"/>
-            <a:ext cx="0" cy="8053110"/>
+            <a:ext cx="0" cy="6682347"/>
           </a:xfrm>
           <a:prstGeom prst="line">
             <a:avLst/>
@@ -5700,6 +4929,1872 @@
           </a:fontRef>
         </p:style>
       </p:cxnSp>
+      <p:pic>
+        <p:nvPicPr>
+          <p:cNvPr id="15" name="図 14">
+            <a:extLst>
+              <a:ext uri="{FF2B5EF4-FFF2-40B4-BE49-F238E27FC236}">
+                <a16:creationId xmlns:a16="http://schemas.microsoft.com/office/drawing/2014/main" id="{4B11C3F5-C78C-0C44-89E8-16C718FEB937}"/>
+              </a:ext>
+            </a:extLst>
+          </p:cNvPr>
+          <p:cNvPicPr>
+            <a:picLocks noChangeAspect="1"/>
+          </p:cNvPicPr>
+          <p:nvPr/>
+        </p:nvPicPr>
+        <p:blipFill>
+          <a:blip r:embed="rId4"/>
+          <a:srcRect/>
+          <a:stretch/>
+        </p:blipFill>
+        <p:spPr>
+          <a:xfrm>
+            <a:off x="500800" y="8227869"/>
+            <a:ext cx="3845905" cy="3970896"/>
+          </a:xfrm>
+          <a:prstGeom prst="rect">
+            <a:avLst/>
+          </a:prstGeom>
+        </p:spPr>
+      </p:pic>
+      <p:sp>
+        <p:nvSpPr>
+          <p:cNvPr id="16" name="テキスト ボックス 15">
+            <a:extLst>
+              <a:ext uri="{FF2B5EF4-FFF2-40B4-BE49-F238E27FC236}">
+                <a16:creationId xmlns:a16="http://schemas.microsoft.com/office/drawing/2014/main" id="{2901BD4E-68FF-7F49-A052-446C4D74462F}"/>
+              </a:ext>
+            </a:extLst>
+          </p:cNvPr>
+          <p:cNvSpPr txBox="1"/>
+          <p:nvPr/>
+        </p:nvSpPr>
+        <p:spPr>
+          <a:xfrm>
+            <a:off x="262255" y="12198765"/>
+            <a:ext cx="4322996" cy="344710"/>
+          </a:xfrm>
+          <a:prstGeom prst="rect">
+            <a:avLst/>
+          </a:prstGeom>
+          <a:noFill/>
+        </p:spPr>
+        <p:txBody>
+          <a:bodyPr wrap="square" lIns="128016" tIns="64008" rIns="128016" bIns="64008" rtlCol="0">
+            <a:spAutoFit/>
+          </a:bodyPr>
+          <a:lstStyle/>
+          <a:p>
+            <a:pPr algn="ctr"/>
+            <a:r>
+              <a:rPr lang="ja-JP" altLang="en-US" sz="1400">
+                <a:latin typeface="Hiragino Kaku Gothic Pro W3" panose="020B0300000000000000" pitchFamily="34" charset="-128"/>
+                <a:ea typeface="Hiragino Kaku Gothic Pro W3" panose="020B0300000000000000" pitchFamily="34" charset="-128"/>
+              </a:rPr>
+              <a:t>図</a:t>
+            </a:r>
+            <a:r>
+              <a:rPr lang="en-US" altLang="ja-JP" sz="1400" dirty="0">
+                <a:latin typeface="Hiragino Kaku Gothic Pro W3" panose="020B0300000000000000" pitchFamily="34" charset="-128"/>
+                <a:ea typeface="Hiragino Kaku Gothic Pro W3" panose="020B0300000000000000" pitchFamily="34" charset="-128"/>
+              </a:rPr>
+              <a:t>1: </a:t>
+            </a:r>
+            <a:r>
+              <a:rPr lang="ja-JP" altLang="en-US" sz="1400">
+                <a:latin typeface="Hiragino Kaku Gothic Pro W3" panose="020B0300000000000000" pitchFamily="34" charset="-128"/>
+                <a:ea typeface="Hiragino Kaku Gothic Pro W3" panose="020B0300000000000000" pitchFamily="34" charset="-128"/>
+              </a:rPr>
+              <a:t>各ランキング</a:t>
+            </a:r>
+            <a:r>
+              <a:rPr lang="en-US" altLang="ja-JP" sz="1400" dirty="0">
+                <a:latin typeface="Hiragino Kaku Gothic Pro W3" panose="020B0300000000000000" pitchFamily="34" charset="-128"/>
+                <a:ea typeface="Hiragino Kaku Gothic Pro W3" panose="020B0300000000000000" pitchFamily="34" charset="-128"/>
+              </a:rPr>
+              <a:t>100</a:t>
+            </a:r>
+            <a:r>
+              <a:rPr lang="ja-JP" altLang="en-US" sz="1400">
+                <a:latin typeface="Hiragino Kaku Gothic Pro W3" panose="020B0300000000000000" pitchFamily="34" charset="-128"/>
+                <a:ea typeface="Hiragino Kaku Gothic Pro W3" panose="020B0300000000000000" pitchFamily="34" charset="-128"/>
+              </a:rPr>
+              <a:t>位以内の語の出現率</a:t>
+            </a:r>
+            <a:endParaRPr kumimoji="1" lang="ja-JP" altLang="en-US" sz="1400" dirty="0">
+              <a:latin typeface="Hiragino Kaku Gothic Pro W3" panose="020B0300000000000000" pitchFamily="34" charset="-128"/>
+              <a:ea typeface="Hiragino Kaku Gothic Pro W3" panose="020B0300000000000000" pitchFamily="34" charset="-128"/>
+            </a:endParaRPr>
+          </a:p>
+        </p:txBody>
+      </p:sp>
+      <p:graphicFrame>
+        <p:nvGraphicFramePr>
+          <p:cNvPr id="17" name="表 16">
+            <a:extLst>
+              <a:ext uri="{FF2B5EF4-FFF2-40B4-BE49-F238E27FC236}">
+                <a16:creationId xmlns:a16="http://schemas.microsoft.com/office/drawing/2014/main" id="{A078EB6A-FCE5-DD4F-A2D6-3CF1C3226E60}"/>
+              </a:ext>
+            </a:extLst>
+          </p:cNvPr>
+          <p:cNvGraphicFramePr>
+            <a:graphicFrameLocks noGrp="1"/>
+          </p:cNvGraphicFramePr>
+          <p:nvPr>
+            <p:extLst>
+              <p:ext uri="{D42A27DB-BD31-4B8C-83A1-F6EECF244321}">
+                <p14:modId xmlns:p14="http://schemas.microsoft.com/office/powerpoint/2010/main" val="3421408634"/>
+              </p:ext>
+            </p:extLst>
+          </p:nvPr>
+        </p:nvGraphicFramePr>
+        <p:xfrm>
+          <a:off x="5312362" y="9185875"/>
+          <a:ext cx="3730168" cy="3012890"/>
+        </p:xfrm>
+        <a:graphic>
+          <a:graphicData uri="http://schemas.openxmlformats.org/drawingml/2006/table">
+            <a:tbl>
+              <a:tblPr firstRow="1" bandRow="1">
+                <a:tableStyleId>{5940675A-B579-460E-94D1-54222C63F5DA}</a:tableStyleId>
+              </a:tblPr>
+              <a:tblGrid>
+                <a:gridCol w="932542">
+                  <a:extLst>
+                    <a:ext uri="{9D8B030D-6E8A-4147-A177-3AD203B41FA5}">
+                      <a16:colId xmlns:a16="http://schemas.microsoft.com/office/drawing/2014/main" val="3001158755"/>
+                    </a:ext>
+                  </a:extLst>
+                </a:gridCol>
+                <a:gridCol w="932542">
+                  <a:extLst>
+                    <a:ext uri="{9D8B030D-6E8A-4147-A177-3AD203B41FA5}">
+                      <a16:colId xmlns:a16="http://schemas.microsoft.com/office/drawing/2014/main" val="241146497"/>
+                    </a:ext>
+                  </a:extLst>
+                </a:gridCol>
+                <a:gridCol w="932542">
+                  <a:extLst>
+                    <a:ext uri="{9D8B030D-6E8A-4147-A177-3AD203B41FA5}">
+                      <a16:colId xmlns:a16="http://schemas.microsoft.com/office/drawing/2014/main" val="2270869465"/>
+                    </a:ext>
+                  </a:extLst>
+                </a:gridCol>
+                <a:gridCol w="932542">
+                  <a:extLst>
+                    <a:ext uri="{9D8B030D-6E8A-4147-A177-3AD203B41FA5}">
+                      <a16:colId xmlns:a16="http://schemas.microsoft.com/office/drawing/2014/main" val="2046829813"/>
+                    </a:ext>
+                  </a:extLst>
+                </a:gridCol>
+              </a:tblGrid>
+              <a:tr h="276143">
+                <a:tc>
+                  <a:txBody>
+                    <a:bodyPr/>
+                    <a:lstStyle/>
+                    <a:p>
+                      <a:pPr algn="ctr"/>
+                      <a:r>
+                        <a:rPr kumimoji="1" lang="ja-JP" altLang="en-US" sz="1050" b="1" i="0">
+                          <a:latin typeface="Hiragino Kaku Gothic Pro W6" panose="020B0300000000000000" pitchFamily="34" charset="-128"/>
+                          <a:ea typeface="Hiragino Kaku Gothic Pro W6" panose="020B0300000000000000" pitchFamily="34" charset="-128"/>
+                        </a:rPr>
+                        <a:t>語彙</a:t>
+                      </a:r>
+                    </a:p>
+                  </a:txBody>
+                  <a:tcPr anchor="ctr">
+                    <a:lnB w="12700" cap="flat" cmpd="sng" algn="ctr">
+                      <a:solidFill>
+                        <a:schemeClr val="tx1"/>
+                      </a:solidFill>
+                      <a:prstDash val="solid"/>
+                      <a:round/>
+                      <a:headEnd type="none" w="med" len="med"/>
+                      <a:tailEnd type="none" w="med" len="med"/>
+                    </a:lnB>
+                  </a:tcPr>
+                </a:tc>
+                <a:tc>
+                  <a:txBody>
+                    <a:bodyPr/>
+                    <a:lstStyle/>
+                    <a:p>
+                      <a:pPr algn="ctr"/>
+                      <a:r>
+                        <a:rPr kumimoji="1" lang="ja-JP" altLang="en-US" sz="1050" b="1" i="0">
+                          <a:latin typeface="Hiragino Kaku Gothic Pro W6" panose="020B0300000000000000" pitchFamily="34" charset="-128"/>
+                          <a:ea typeface="Hiragino Kaku Gothic Pro W6" panose="020B0300000000000000" pitchFamily="34" charset="-128"/>
+                        </a:rPr>
+                        <a:t>比率</a:t>
+                      </a:r>
+                    </a:p>
+                  </a:txBody>
+                  <a:tcPr anchor="ctr">
+                    <a:lnB w="12700" cap="flat" cmpd="sng" algn="ctr">
+                      <a:solidFill>
+                        <a:schemeClr val="tx1"/>
+                      </a:solidFill>
+                      <a:prstDash val="solid"/>
+                      <a:round/>
+                      <a:headEnd type="none" w="med" len="med"/>
+                      <a:tailEnd type="none" w="med" len="med"/>
+                    </a:lnB>
+                  </a:tcPr>
+                </a:tc>
+                <a:tc>
+                  <a:txBody>
+                    <a:bodyPr/>
+                    <a:lstStyle/>
+                    <a:p>
+                      <a:pPr algn="ctr"/>
+                      <a:r>
+                        <a:rPr kumimoji="1" lang="ja-JP" altLang="en-US" sz="1050" b="1" i="0">
+                          <a:latin typeface="Hiragino Kaku Gothic Pro W6" panose="020B0300000000000000" pitchFamily="34" charset="-128"/>
+                          <a:ea typeface="Hiragino Kaku Gothic Pro W6" panose="020B0300000000000000" pitchFamily="34" charset="-128"/>
+                        </a:rPr>
+                        <a:t>語彙</a:t>
+                      </a:r>
+                    </a:p>
+                  </a:txBody>
+                  <a:tcPr anchor="ctr"/>
+                </a:tc>
+                <a:tc>
+                  <a:txBody>
+                    <a:bodyPr/>
+                    <a:lstStyle/>
+                    <a:p>
+                      <a:pPr algn="ctr"/>
+                      <a:r>
+                        <a:rPr kumimoji="1" lang="ja-JP" altLang="en-US" sz="1050" b="1" i="0">
+                          <a:latin typeface="Hiragino Kaku Gothic Pro W6" panose="020B0300000000000000" pitchFamily="34" charset="-128"/>
+                          <a:ea typeface="Hiragino Kaku Gothic Pro W6" panose="020B0300000000000000" pitchFamily="34" charset="-128"/>
+                        </a:rPr>
+                        <a:t>比率</a:t>
+                      </a:r>
+                    </a:p>
+                  </a:txBody>
+                  <a:tcPr anchor="ctr"/>
+                </a:tc>
+                <a:extLst>
+                  <a:ext uri="{0D108BD9-81ED-4DB2-BD59-A6C34878D82A}">
+                    <a16:rowId xmlns:a16="http://schemas.microsoft.com/office/drawing/2014/main" val="3390910042"/>
+                  </a:ext>
+                </a:extLst>
+              </a:tr>
+              <a:tr h="276143">
+                <a:tc>
+                  <a:txBody>
+                    <a:bodyPr/>
+                    <a:lstStyle/>
+                    <a:p>
+                      <a:pPr algn="ctr"/>
+                      <a:r>
+                        <a:rPr kumimoji="1" lang="ja-JP" altLang="en-US" sz="1050">
+                          <a:latin typeface="Hiragino Kaku Gothic Pro W3" panose="020B0300000000000000" pitchFamily="34" charset="-128"/>
+                          <a:ea typeface="Hiragino Kaku Gothic Pro W3" panose="020B0300000000000000" pitchFamily="34" charset="-128"/>
+                        </a:rPr>
+                        <a:t>くりかえす</a:t>
+                      </a:r>
+                    </a:p>
+                  </a:txBody>
+                  <a:tcPr anchor="ctr">
+                    <a:lnT w="12700" cap="flat" cmpd="sng" algn="ctr">
+                      <a:solidFill>
+                        <a:schemeClr val="tx1"/>
+                      </a:solidFill>
+                      <a:prstDash val="solid"/>
+                      <a:round/>
+                      <a:headEnd type="none" w="med" len="med"/>
+                      <a:tailEnd type="none" w="med" len="med"/>
+                    </a:lnT>
+                    <a:lnB w="6350" cap="flat" cmpd="sng" algn="ctr">
+                      <a:solidFill>
+                        <a:schemeClr val="tx1"/>
+                      </a:solidFill>
+                      <a:prstDash val="solid"/>
+                      <a:round/>
+                      <a:headEnd type="none" w="med" len="med"/>
+                      <a:tailEnd type="none" w="med" len="med"/>
+                    </a:lnB>
+                  </a:tcPr>
+                </a:tc>
+                <a:tc>
+                  <a:txBody>
+                    <a:bodyPr/>
+                    <a:lstStyle/>
+                    <a:p>
+                      <a:pPr algn="r"/>
+                      <a:r>
+                        <a:rPr kumimoji="1" lang="en-US" altLang="ja-JP" sz="1050" dirty="0">
+                          <a:latin typeface="Hiragino Kaku Gothic Pro W3" panose="020B0300000000000000" pitchFamily="34" charset="-128"/>
+                          <a:ea typeface="Hiragino Kaku Gothic Pro W3" panose="020B0300000000000000" pitchFamily="34" charset="-128"/>
+                        </a:rPr>
+                        <a:t>1.3606</a:t>
+                      </a:r>
+                      <a:endParaRPr kumimoji="1" lang="ja-JP" altLang="en-US" sz="1050">
+                        <a:latin typeface="Hiragino Kaku Gothic Pro W3" panose="020B0300000000000000" pitchFamily="34" charset="-128"/>
+                        <a:ea typeface="Hiragino Kaku Gothic Pro W3" panose="020B0300000000000000" pitchFamily="34" charset="-128"/>
+                      </a:endParaRPr>
+                    </a:p>
+                  </a:txBody>
+                  <a:tcPr anchor="ctr">
+                    <a:lnT w="12700" cap="flat" cmpd="sng" algn="ctr">
+                      <a:solidFill>
+                        <a:schemeClr val="tx1"/>
+                      </a:solidFill>
+                      <a:prstDash val="solid"/>
+                      <a:round/>
+                      <a:headEnd type="none" w="med" len="med"/>
+                      <a:tailEnd type="none" w="med" len="med"/>
+                    </a:lnT>
+                    <a:lnB w="6350" cap="flat" cmpd="sng" algn="ctr">
+                      <a:solidFill>
+                        <a:schemeClr val="tx1"/>
+                      </a:solidFill>
+                      <a:prstDash val="solid"/>
+                      <a:round/>
+                      <a:headEnd type="none" w="med" len="med"/>
+                      <a:tailEnd type="none" w="med" len="med"/>
+                    </a:lnB>
+                  </a:tcPr>
+                </a:tc>
+                <a:tc>
+                  <a:txBody>
+                    <a:bodyPr/>
+                    <a:lstStyle/>
+                    <a:p>
+                      <a:pPr algn="ctr"/>
+                      <a:r>
+                        <a:rPr kumimoji="1" lang="ja-JP" altLang="en-US" sz="1050">
+                          <a:latin typeface="Hiragino Kaku Gothic Pro W3" panose="020B0300000000000000" pitchFamily="34" charset="-128"/>
+                          <a:ea typeface="Hiragino Kaku Gothic Pro W3" panose="020B0300000000000000" pitchFamily="34" charset="-128"/>
+                        </a:rPr>
+                        <a:t>キミ</a:t>
+                      </a:r>
+                    </a:p>
+                  </a:txBody>
+                  <a:tcPr anchor="ctr">
+                    <a:lnB w="6350" cap="flat" cmpd="sng" algn="ctr">
+                      <a:solidFill>
+                        <a:schemeClr val="tx1"/>
+                      </a:solidFill>
+                      <a:prstDash val="solid"/>
+                      <a:round/>
+                      <a:headEnd type="none" w="med" len="med"/>
+                      <a:tailEnd type="none" w="med" len="med"/>
+                    </a:lnB>
+                  </a:tcPr>
+                </a:tc>
+                <a:tc>
+                  <a:txBody>
+                    <a:bodyPr/>
+                    <a:lstStyle/>
+                    <a:p>
+                      <a:pPr algn="r"/>
+                      <a:r>
+                        <a:rPr kumimoji="1" lang="en-US" altLang="ja-JP" sz="1050" dirty="0">
+                          <a:latin typeface="Hiragino Kaku Gothic Pro W3" panose="020B0300000000000000" pitchFamily="34" charset="-128"/>
+                          <a:ea typeface="Hiragino Kaku Gothic Pro W3" panose="020B0300000000000000" pitchFamily="34" charset="-128"/>
+                        </a:rPr>
+                        <a:t>0.3268</a:t>
+                      </a:r>
+                      <a:endParaRPr kumimoji="1" lang="ja-JP" altLang="en-US" sz="1050">
+                        <a:latin typeface="Hiragino Kaku Gothic Pro W3" panose="020B0300000000000000" pitchFamily="34" charset="-128"/>
+                        <a:ea typeface="Hiragino Kaku Gothic Pro W3" panose="020B0300000000000000" pitchFamily="34" charset="-128"/>
+                      </a:endParaRPr>
+                    </a:p>
+                  </a:txBody>
+                  <a:tcPr anchor="ctr">
+                    <a:lnB w="6350" cap="flat" cmpd="sng" algn="ctr">
+                      <a:solidFill>
+                        <a:schemeClr val="tx1"/>
+                      </a:solidFill>
+                      <a:prstDash val="solid"/>
+                      <a:round/>
+                      <a:headEnd type="none" w="med" len="med"/>
+                      <a:tailEnd type="none" w="med" len="med"/>
+                    </a:lnB>
+                  </a:tcPr>
+                </a:tc>
+                <a:extLst>
+                  <a:ext uri="{0D108BD9-81ED-4DB2-BD59-A6C34878D82A}">
+                    <a16:rowId xmlns:a16="http://schemas.microsoft.com/office/drawing/2014/main" val="988288451"/>
+                  </a:ext>
+                </a:extLst>
+              </a:tr>
+              <a:tr h="276143">
+                <a:tc>
+                  <a:txBody>
+                    <a:bodyPr/>
+                    <a:lstStyle/>
+                    <a:p>
+                      <a:pPr algn="ctr"/>
+                      <a:r>
+                        <a:rPr kumimoji="1" lang="ja-JP" altLang="en-US" sz="1050">
+                          <a:latin typeface="Hiragino Kaku Gothic Pro W3" panose="020B0300000000000000" pitchFamily="34" charset="-128"/>
+                          <a:ea typeface="Hiragino Kaku Gothic Pro W3" panose="020B0300000000000000" pitchFamily="34" charset="-128"/>
+                        </a:rPr>
+                        <a:t>会う</a:t>
+                      </a:r>
+                    </a:p>
+                  </a:txBody>
+                  <a:tcPr anchor="ctr">
+                    <a:lnT w="6350" cap="flat" cmpd="sng" algn="ctr">
+                      <a:solidFill>
+                        <a:schemeClr val="tx1"/>
+                      </a:solidFill>
+                      <a:prstDash val="solid"/>
+                      <a:round/>
+                      <a:headEnd type="none" w="med" len="med"/>
+                      <a:tailEnd type="none" w="med" len="med"/>
+                    </a:lnT>
+                    <a:lnB w="6350" cap="flat" cmpd="sng" algn="ctr">
+                      <a:solidFill>
+                        <a:schemeClr val="tx1"/>
+                      </a:solidFill>
+                      <a:prstDash val="solid"/>
+                      <a:round/>
+                      <a:headEnd type="none" w="med" len="med"/>
+                      <a:tailEnd type="none" w="med" len="med"/>
+                    </a:lnB>
+                  </a:tcPr>
+                </a:tc>
+                <a:tc>
+                  <a:txBody>
+                    <a:bodyPr/>
+                    <a:lstStyle/>
+                    <a:p>
+                      <a:pPr algn="r"/>
+                      <a:r>
+                        <a:rPr kumimoji="1" lang="en-US" altLang="ja-JP" sz="1050" dirty="0">
+                          <a:latin typeface="Hiragino Kaku Gothic Pro W3" panose="020B0300000000000000" pitchFamily="34" charset="-128"/>
+                          <a:ea typeface="Hiragino Kaku Gothic Pro W3" panose="020B0300000000000000" pitchFamily="34" charset="-128"/>
+                        </a:rPr>
+                        <a:t>1.3573</a:t>
+                      </a:r>
+                      <a:endParaRPr kumimoji="1" lang="ja-JP" altLang="en-US" sz="1050">
+                        <a:latin typeface="Hiragino Kaku Gothic Pro W3" panose="020B0300000000000000" pitchFamily="34" charset="-128"/>
+                        <a:ea typeface="Hiragino Kaku Gothic Pro W3" panose="020B0300000000000000" pitchFamily="34" charset="-128"/>
+                      </a:endParaRPr>
+                    </a:p>
+                  </a:txBody>
+                  <a:tcPr anchor="ctr">
+                    <a:lnT w="6350" cap="flat" cmpd="sng" algn="ctr">
+                      <a:solidFill>
+                        <a:schemeClr val="tx1"/>
+                      </a:solidFill>
+                      <a:prstDash val="solid"/>
+                      <a:round/>
+                      <a:headEnd type="none" w="med" len="med"/>
+                      <a:tailEnd type="none" w="med" len="med"/>
+                    </a:lnT>
+                    <a:lnB w="6350" cap="flat" cmpd="sng" algn="ctr">
+                      <a:solidFill>
+                        <a:schemeClr val="tx1"/>
+                      </a:solidFill>
+                      <a:prstDash val="solid"/>
+                      <a:round/>
+                      <a:headEnd type="none" w="med" len="med"/>
+                      <a:tailEnd type="none" w="med" len="med"/>
+                    </a:lnB>
+                  </a:tcPr>
+                </a:tc>
+                <a:tc>
+                  <a:txBody>
+                    <a:bodyPr/>
+                    <a:lstStyle/>
+                    <a:p>
+                      <a:pPr algn="ctr"/>
+                      <a:r>
+                        <a:rPr kumimoji="1" lang="ja-JP" altLang="en-US" sz="1050">
+                          <a:latin typeface="Hiragino Kaku Gothic Pro W3" panose="020B0300000000000000" pitchFamily="34" charset="-128"/>
+                          <a:ea typeface="Hiragino Kaku Gothic Pro W3" panose="020B0300000000000000" pitchFamily="34" charset="-128"/>
+                        </a:rPr>
+                        <a:t>お前</a:t>
+                      </a:r>
+                    </a:p>
+                  </a:txBody>
+                  <a:tcPr anchor="ctr">
+                    <a:lnT w="6350" cap="flat" cmpd="sng" algn="ctr">
+                      <a:solidFill>
+                        <a:schemeClr val="tx1"/>
+                      </a:solidFill>
+                      <a:prstDash val="solid"/>
+                      <a:round/>
+                      <a:headEnd type="none" w="med" len="med"/>
+                      <a:tailEnd type="none" w="med" len="med"/>
+                    </a:lnT>
+                    <a:lnB w="6350" cap="flat" cmpd="sng" algn="ctr">
+                      <a:solidFill>
+                        <a:schemeClr val="tx1"/>
+                      </a:solidFill>
+                      <a:prstDash val="solid"/>
+                      <a:round/>
+                      <a:headEnd type="none" w="med" len="med"/>
+                      <a:tailEnd type="none" w="med" len="med"/>
+                    </a:lnB>
+                  </a:tcPr>
+                </a:tc>
+                <a:tc>
+                  <a:txBody>
+                    <a:bodyPr/>
+                    <a:lstStyle/>
+                    <a:p>
+                      <a:pPr algn="r"/>
+                      <a:r>
+                        <a:rPr kumimoji="1" lang="en-US" altLang="ja-JP" sz="1050" dirty="0">
+                          <a:latin typeface="Hiragino Kaku Gothic Pro W3" panose="020B0300000000000000" pitchFamily="34" charset="-128"/>
+                          <a:ea typeface="Hiragino Kaku Gothic Pro W3" panose="020B0300000000000000" pitchFamily="34" charset="-128"/>
+                        </a:rPr>
+                        <a:t>0.4977</a:t>
+                      </a:r>
+                      <a:endParaRPr kumimoji="1" lang="ja-JP" altLang="en-US" sz="1050">
+                        <a:latin typeface="Hiragino Kaku Gothic Pro W3" panose="020B0300000000000000" pitchFamily="34" charset="-128"/>
+                        <a:ea typeface="Hiragino Kaku Gothic Pro W3" panose="020B0300000000000000" pitchFamily="34" charset="-128"/>
+                      </a:endParaRPr>
+                    </a:p>
+                  </a:txBody>
+                  <a:tcPr anchor="ctr">
+                    <a:lnT w="6350" cap="flat" cmpd="sng" algn="ctr">
+                      <a:solidFill>
+                        <a:schemeClr val="tx1"/>
+                      </a:solidFill>
+                      <a:prstDash val="solid"/>
+                      <a:round/>
+                      <a:headEnd type="none" w="med" len="med"/>
+                      <a:tailEnd type="none" w="med" len="med"/>
+                    </a:lnT>
+                    <a:lnB w="6350" cap="flat" cmpd="sng" algn="ctr">
+                      <a:solidFill>
+                        <a:schemeClr val="tx1"/>
+                      </a:solidFill>
+                      <a:prstDash val="solid"/>
+                      <a:round/>
+                      <a:headEnd type="none" w="med" len="med"/>
+                      <a:tailEnd type="none" w="med" len="med"/>
+                    </a:lnB>
+                  </a:tcPr>
+                </a:tc>
+                <a:extLst>
+                  <a:ext uri="{0D108BD9-81ED-4DB2-BD59-A6C34878D82A}">
+                    <a16:rowId xmlns:a16="http://schemas.microsoft.com/office/drawing/2014/main" val="4013621948"/>
+                  </a:ext>
+                </a:extLst>
+              </a:tr>
+              <a:tr h="276143">
+                <a:tc>
+                  <a:txBody>
+                    <a:bodyPr/>
+                    <a:lstStyle/>
+                    <a:p>
+                      <a:pPr algn="ctr"/>
+                      <a:r>
+                        <a:rPr kumimoji="1" lang="ja-JP" altLang="en-US" sz="1050">
+                          <a:latin typeface="Hiragino Kaku Gothic Pro W3" panose="020B0300000000000000" pitchFamily="34" charset="-128"/>
+                          <a:ea typeface="Hiragino Kaku Gothic Pro W3" panose="020B0300000000000000" pitchFamily="34" charset="-128"/>
+                        </a:rPr>
+                        <a:t>恋</a:t>
+                      </a:r>
+                    </a:p>
+                  </a:txBody>
+                  <a:tcPr anchor="ctr">
+                    <a:lnT w="6350" cap="flat" cmpd="sng" algn="ctr">
+                      <a:solidFill>
+                        <a:schemeClr val="tx1"/>
+                      </a:solidFill>
+                      <a:prstDash val="solid"/>
+                      <a:round/>
+                      <a:headEnd type="none" w="med" len="med"/>
+                      <a:tailEnd type="none" w="med" len="med"/>
+                    </a:lnT>
+                    <a:lnB w="6350" cap="flat" cmpd="sng" algn="ctr">
+                      <a:solidFill>
+                        <a:schemeClr val="tx1"/>
+                      </a:solidFill>
+                      <a:prstDash val="solid"/>
+                      <a:round/>
+                      <a:headEnd type="none" w="med" len="med"/>
+                      <a:tailEnd type="none" w="med" len="med"/>
+                    </a:lnB>
+                  </a:tcPr>
+                </a:tc>
+                <a:tc>
+                  <a:txBody>
+                    <a:bodyPr/>
+                    <a:lstStyle/>
+                    <a:p>
+                      <a:pPr algn="r"/>
+                      <a:r>
+                        <a:rPr kumimoji="1" lang="en-US" altLang="ja-JP" sz="1050" dirty="0">
+                          <a:latin typeface="Hiragino Kaku Gothic Pro W3" panose="020B0300000000000000" pitchFamily="34" charset="-128"/>
+                          <a:ea typeface="Hiragino Kaku Gothic Pro W3" panose="020B0300000000000000" pitchFamily="34" charset="-128"/>
+                        </a:rPr>
+                        <a:t>1.3143</a:t>
+                      </a:r>
+                      <a:endParaRPr kumimoji="1" lang="ja-JP" altLang="en-US" sz="1050">
+                        <a:latin typeface="Hiragino Kaku Gothic Pro W3" panose="020B0300000000000000" pitchFamily="34" charset="-128"/>
+                        <a:ea typeface="Hiragino Kaku Gothic Pro W3" panose="020B0300000000000000" pitchFamily="34" charset="-128"/>
+                      </a:endParaRPr>
+                    </a:p>
+                  </a:txBody>
+                  <a:tcPr anchor="ctr">
+                    <a:lnT w="6350" cap="flat" cmpd="sng" algn="ctr">
+                      <a:solidFill>
+                        <a:schemeClr val="tx1"/>
+                      </a:solidFill>
+                      <a:prstDash val="solid"/>
+                      <a:round/>
+                      <a:headEnd type="none" w="med" len="med"/>
+                      <a:tailEnd type="none" w="med" len="med"/>
+                    </a:lnT>
+                    <a:lnB w="6350" cap="flat" cmpd="sng" algn="ctr">
+                      <a:solidFill>
+                        <a:schemeClr val="tx1"/>
+                      </a:solidFill>
+                      <a:prstDash val="solid"/>
+                      <a:round/>
+                      <a:headEnd type="none" w="med" len="med"/>
+                      <a:tailEnd type="none" w="med" len="med"/>
+                    </a:lnB>
+                  </a:tcPr>
+                </a:tc>
+                <a:tc>
+                  <a:txBody>
+                    <a:bodyPr/>
+                    <a:lstStyle/>
+                    <a:p>
+                      <a:pPr algn="ctr"/>
+                      <a:r>
+                        <a:rPr kumimoji="1" lang="ja-JP" altLang="en-US" sz="1050">
+                          <a:latin typeface="Hiragino Kaku Gothic Pro W3" panose="020B0300000000000000" pitchFamily="34" charset="-128"/>
+                          <a:ea typeface="Hiragino Kaku Gothic Pro W3" panose="020B0300000000000000" pitchFamily="34" charset="-128"/>
+                        </a:rPr>
+                        <a:t>前</a:t>
+                      </a:r>
+                    </a:p>
+                  </a:txBody>
+                  <a:tcPr anchor="ctr">
+                    <a:lnT w="6350" cap="flat" cmpd="sng" algn="ctr">
+                      <a:solidFill>
+                        <a:schemeClr val="tx1"/>
+                      </a:solidFill>
+                      <a:prstDash val="solid"/>
+                      <a:round/>
+                      <a:headEnd type="none" w="med" len="med"/>
+                      <a:tailEnd type="none" w="med" len="med"/>
+                    </a:lnT>
+                    <a:lnB w="6350" cap="flat" cmpd="sng" algn="ctr">
+                      <a:solidFill>
+                        <a:schemeClr val="tx1"/>
+                      </a:solidFill>
+                      <a:prstDash val="solid"/>
+                      <a:round/>
+                      <a:headEnd type="none" w="med" len="med"/>
+                      <a:tailEnd type="none" w="med" len="med"/>
+                    </a:lnB>
+                  </a:tcPr>
+                </a:tc>
+                <a:tc>
+                  <a:txBody>
+                    <a:bodyPr/>
+                    <a:lstStyle/>
+                    <a:p>
+                      <a:pPr algn="r"/>
+                      <a:r>
+                        <a:rPr kumimoji="1" lang="en-US" altLang="ja-JP" sz="1050" dirty="0">
+                          <a:latin typeface="Hiragino Kaku Gothic Pro W3" panose="020B0300000000000000" pitchFamily="34" charset="-128"/>
+                          <a:ea typeface="Hiragino Kaku Gothic Pro W3" panose="020B0300000000000000" pitchFamily="34" charset="-128"/>
+                        </a:rPr>
+                        <a:t>0.6746</a:t>
+                      </a:r>
+                      <a:endParaRPr kumimoji="1" lang="ja-JP" altLang="en-US" sz="1050">
+                        <a:latin typeface="Hiragino Kaku Gothic Pro W3" panose="020B0300000000000000" pitchFamily="34" charset="-128"/>
+                        <a:ea typeface="Hiragino Kaku Gothic Pro W3" panose="020B0300000000000000" pitchFamily="34" charset="-128"/>
+                      </a:endParaRPr>
+                    </a:p>
+                  </a:txBody>
+                  <a:tcPr anchor="ctr">
+                    <a:lnT w="6350" cap="flat" cmpd="sng" algn="ctr">
+                      <a:solidFill>
+                        <a:schemeClr val="tx1"/>
+                      </a:solidFill>
+                      <a:prstDash val="solid"/>
+                      <a:round/>
+                      <a:headEnd type="none" w="med" len="med"/>
+                      <a:tailEnd type="none" w="med" len="med"/>
+                    </a:lnT>
+                    <a:lnB w="6350" cap="flat" cmpd="sng" algn="ctr">
+                      <a:solidFill>
+                        <a:schemeClr val="tx1"/>
+                      </a:solidFill>
+                      <a:prstDash val="solid"/>
+                      <a:round/>
+                      <a:headEnd type="none" w="med" len="med"/>
+                      <a:tailEnd type="none" w="med" len="med"/>
+                    </a:lnB>
+                  </a:tcPr>
+                </a:tc>
+                <a:extLst>
+                  <a:ext uri="{0D108BD9-81ED-4DB2-BD59-A6C34878D82A}">
+                    <a16:rowId xmlns:a16="http://schemas.microsoft.com/office/drawing/2014/main" val="3162298225"/>
+                  </a:ext>
+                </a:extLst>
+              </a:tr>
+              <a:tr h="276143">
+                <a:tc>
+                  <a:txBody>
+                    <a:bodyPr/>
+                    <a:lstStyle/>
+                    <a:p>
+                      <a:pPr algn="ctr"/>
+                      <a:r>
+                        <a:rPr kumimoji="1" lang="ja-JP" altLang="en-US" sz="1050">
+                          <a:latin typeface="Hiragino Kaku Gothic Pro W3" panose="020B0300000000000000" pitchFamily="34" charset="-128"/>
+                          <a:ea typeface="Hiragino Kaku Gothic Pro W3" panose="020B0300000000000000" pitchFamily="34" charset="-128"/>
+                        </a:rPr>
+                        <a:t>もっと</a:t>
+                      </a:r>
+                    </a:p>
+                  </a:txBody>
+                  <a:tcPr anchor="ctr">
+                    <a:lnT w="6350" cap="flat" cmpd="sng" algn="ctr">
+                      <a:solidFill>
+                        <a:schemeClr val="tx1"/>
+                      </a:solidFill>
+                      <a:prstDash val="solid"/>
+                      <a:round/>
+                      <a:headEnd type="none" w="med" len="med"/>
+                      <a:tailEnd type="none" w="med" len="med"/>
+                    </a:lnT>
+                    <a:lnB w="6350" cap="flat" cmpd="sng" algn="ctr">
+                      <a:solidFill>
+                        <a:schemeClr val="tx1"/>
+                      </a:solidFill>
+                      <a:prstDash val="solid"/>
+                      <a:round/>
+                      <a:headEnd type="none" w="med" len="med"/>
+                      <a:tailEnd type="none" w="med" len="med"/>
+                    </a:lnB>
+                  </a:tcPr>
+                </a:tc>
+                <a:tc>
+                  <a:txBody>
+                    <a:bodyPr/>
+                    <a:lstStyle/>
+                    <a:p>
+                      <a:pPr algn="r"/>
+                      <a:r>
+                        <a:rPr kumimoji="1" lang="en-US" altLang="ja-JP" sz="1050" dirty="0">
+                          <a:latin typeface="Hiragino Kaku Gothic Pro W3" panose="020B0300000000000000" pitchFamily="34" charset="-128"/>
+                          <a:ea typeface="Hiragino Kaku Gothic Pro W3" panose="020B0300000000000000" pitchFamily="34" charset="-128"/>
+                        </a:rPr>
+                        <a:t>1.3098</a:t>
+                      </a:r>
+                      <a:endParaRPr kumimoji="1" lang="ja-JP" altLang="en-US" sz="1050">
+                        <a:latin typeface="Hiragino Kaku Gothic Pro W3" panose="020B0300000000000000" pitchFamily="34" charset="-128"/>
+                        <a:ea typeface="Hiragino Kaku Gothic Pro W3" panose="020B0300000000000000" pitchFamily="34" charset="-128"/>
+                      </a:endParaRPr>
+                    </a:p>
+                  </a:txBody>
+                  <a:tcPr anchor="ctr">
+                    <a:lnT w="6350" cap="flat" cmpd="sng" algn="ctr">
+                      <a:solidFill>
+                        <a:schemeClr val="tx1"/>
+                      </a:solidFill>
+                      <a:prstDash val="solid"/>
+                      <a:round/>
+                      <a:headEnd type="none" w="med" len="med"/>
+                      <a:tailEnd type="none" w="med" len="med"/>
+                    </a:lnT>
+                    <a:lnB w="6350" cap="flat" cmpd="sng" algn="ctr">
+                      <a:solidFill>
+                        <a:schemeClr val="tx1"/>
+                      </a:solidFill>
+                      <a:prstDash val="solid"/>
+                      <a:round/>
+                      <a:headEnd type="none" w="med" len="med"/>
+                      <a:tailEnd type="none" w="med" len="med"/>
+                    </a:lnB>
+                  </a:tcPr>
+                </a:tc>
+                <a:tc>
+                  <a:txBody>
+                    <a:bodyPr/>
+                    <a:lstStyle/>
+                    <a:p>
+                      <a:pPr algn="ctr"/>
+                      <a:r>
+                        <a:rPr kumimoji="1" lang="ja-JP" altLang="en-US" sz="1050">
+                          <a:latin typeface="Hiragino Kaku Gothic Pro W3" panose="020B0300000000000000" pitchFamily="34" charset="-128"/>
+                          <a:ea typeface="Hiragino Kaku Gothic Pro W3" panose="020B0300000000000000" pitchFamily="34" charset="-128"/>
+                        </a:rPr>
+                        <a:t>光</a:t>
+                      </a:r>
+                    </a:p>
+                  </a:txBody>
+                  <a:tcPr anchor="ctr">
+                    <a:lnT w="6350" cap="flat" cmpd="sng" algn="ctr">
+                      <a:solidFill>
+                        <a:schemeClr val="tx1"/>
+                      </a:solidFill>
+                      <a:prstDash val="solid"/>
+                      <a:round/>
+                      <a:headEnd type="none" w="med" len="med"/>
+                      <a:tailEnd type="none" w="med" len="med"/>
+                    </a:lnT>
+                    <a:lnB w="6350" cap="flat" cmpd="sng" algn="ctr">
+                      <a:solidFill>
+                        <a:schemeClr val="tx1"/>
+                      </a:solidFill>
+                      <a:prstDash val="solid"/>
+                      <a:round/>
+                      <a:headEnd type="none" w="med" len="med"/>
+                      <a:tailEnd type="none" w="med" len="med"/>
+                    </a:lnB>
+                  </a:tcPr>
+                </a:tc>
+                <a:tc>
+                  <a:txBody>
+                    <a:bodyPr/>
+                    <a:lstStyle/>
+                    <a:p>
+                      <a:pPr algn="r"/>
+                      <a:r>
+                        <a:rPr kumimoji="1" lang="en-US" altLang="ja-JP" sz="1050" dirty="0">
+                          <a:latin typeface="Hiragino Kaku Gothic Pro W3" panose="020B0300000000000000" pitchFamily="34" charset="-128"/>
+                          <a:ea typeface="Hiragino Kaku Gothic Pro W3" panose="020B0300000000000000" pitchFamily="34" charset="-128"/>
+                        </a:rPr>
+                        <a:t>0.6817</a:t>
+                      </a:r>
+                      <a:endParaRPr kumimoji="1" lang="ja-JP" altLang="en-US" sz="1050">
+                        <a:latin typeface="Hiragino Kaku Gothic Pro W3" panose="020B0300000000000000" pitchFamily="34" charset="-128"/>
+                        <a:ea typeface="Hiragino Kaku Gothic Pro W3" panose="020B0300000000000000" pitchFamily="34" charset="-128"/>
+                      </a:endParaRPr>
+                    </a:p>
+                  </a:txBody>
+                  <a:tcPr anchor="ctr">
+                    <a:lnT w="6350" cap="flat" cmpd="sng" algn="ctr">
+                      <a:solidFill>
+                        <a:schemeClr val="tx1"/>
+                      </a:solidFill>
+                      <a:prstDash val="solid"/>
+                      <a:round/>
+                      <a:headEnd type="none" w="med" len="med"/>
+                      <a:tailEnd type="none" w="med" len="med"/>
+                    </a:lnT>
+                    <a:lnB w="6350" cap="flat" cmpd="sng" algn="ctr">
+                      <a:solidFill>
+                        <a:schemeClr val="tx1"/>
+                      </a:solidFill>
+                      <a:prstDash val="solid"/>
+                      <a:round/>
+                      <a:headEnd type="none" w="med" len="med"/>
+                      <a:tailEnd type="none" w="med" len="med"/>
+                    </a:lnB>
+                  </a:tcPr>
+                </a:tc>
+                <a:extLst>
+                  <a:ext uri="{0D108BD9-81ED-4DB2-BD59-A6C34878D82A}">
+                    <a16:rowId xmlns:a16="http://schemas.microsoft.com/office/drawing/2014/main" val="486278144"/>
+                  </a:ext>
+                </a:extLst>
+              </a:tr>
+              <a:tr h="276143">
+                <a:tc>
+                  <a:txBody>
+                    <a:bodyPr/>
+                    <a:lstStyle/>
+                    <a:p>
+                      <a:pPr algn="ctr"/>
+                      <a:r>
+                        <a:rPr kumimoji="1" lang="ja-JP" altLang="en-US" sz="1050">
+                          <a:latin typeface="Hiragino Kaku Gothic Pro W3" panose="020B0300000000000000" pitchFamily="34" charset="-128"/>
+                          <a:ea typeface="Hiragino Kaku Gothic Pro W3" panose="020B0300000000000000" pitchFamily="34" charset="-128"/>
+                        </a:rPr>
+                        <a:t>夏</a:t>
+                      </a:r>
+                    </a:p>
+                  </a:txBody>
+                  <a:tcPr anchor="ctr">
+                    <a:lnT w="6350" cap="flat" cmpd="sng" algn="ctr">
+                      <a:solidFill>
+                        <a:schemeClr val="tx1"/>
+                      </a:solidFill>
+                      <a:prstDash val="solid"/>
+                      <a:round/>
+                      <a:headEnd type="none" w="med" len="med"/>
+                      <a:tailEnd type="none" w="med" len="med"/>
+                    </a:lnT>
+                    <a:lnB w="6350" cap="flat" cmpd="sng" algn="ctr">
+                      <a:solidFill>
+                        <a:schemeClr val="tx1"/>
+                      </a:solidFill>
+                      <a:prstDash val="solid"/>
+                      <a:round/>
+                      <a:headEnd type="none" w="med" len="med"/>
+                      <a:tailEnd type="none" w="med" len="med"/>
+                    </a:lnB>
+                  </a:tcPr>
+                </a:tc>
+                <a:tc>
+                  <a:txBody>
+                    <a:bodyPr/>
+                    <a:lstStyle/>
+                    <a:p>
+                      <a:pPr algn="r"/>
+                      <a:r>
+                        <a:rPr kumimoji="1" lang="en-US" altLang="ja-JP" sz="1050" dirty="0">
+                          <a:latin typeface="Hiragino Kaku Gothic Pro W3" panose="020B0300000000000000" pitchFamily="34" charset="-128"/>
+                          <a:ea typeface="Hiragino Kaku Gothic Pro W3" panose="020B0300000000000000" pitchFamily="34" charset="-128"/>
+                        </a:rPr>
+                        <a:t>1.2553</a:t>
+                      </a:r>
+                      <a:endParaRPr kumimoji="1" lang="ja-JP" altLang="en-US" sz="1050">
+                        <a:latin typeface="Hiragino Kaku Gothic Pro W3" panose="020B0300000000000000" pitchFamily="34" charset="-128"/>
+                        <a:ea typeface="Hiragino Kaku Gothic Pro W3" panose="020B0300000000000000" pitchFamily="34" charset="-128"/>
+                      </a:endParaRPr>
+                    </a:p>
+                  </a:txBody>
+                  <a:tcPr anchor="ctr">
+                    <a:lnT w="6350" cap="flat" cmpd="sng" algn="ctr">
+                      <a:solidFill>
+                        <a:schemeClr val="tx1"/>
+                      </a:solidFill>
+                      <a:prstDash val="solid"/>
+                      <a:round/>
+                      <a:headEnd type="none" w="med" len="med"/>
+                      <a:tailEnd type="none" w="med" len="med"/>
+                    </a:lnT>
+                    <a:lnB w="6350" cap="flat" cmpd="sng" algn="ctr">
+                      <a:solidFill>
+                        <a:schemeClr val="tx1"/>
+                      </a:solidFill>
+                      <a:prstDash val="solid"/>
+                      <a:round/>
+                      <a:headEnd type="none" w="med" len="med"/>
+                      <a:tailEnd type="none" w="med" len="med"/>
+                    </a:lnB>
+                  </a:tcPr>
+                </a:tc>
+                <a:tc>
+                  <a:txBody>
+                    <a:bodyPr/>
+                    <a:lstStyle/>
+                    <a:p>
+                      <a:pPr algn="ctr"/>
+                      <a:r>
+                        <a:rPr kumimoji="1" lang="ja-JP" altLang="en-US" sz="1050">
+                          <a:latin typeface="Hiragino Kaku Gothic Pro W3" panose="020B0300000000000000" pitchFamily="34" charset="-128"/>
+                          <a:ea typeface="Hiragino Kaku Gothic Pro W3" panose="020B0300000000000000" pitchFamily="34" charset="-128"/>
+                        </a:rPr>
+                        <a:t>強い</a:t>
+                      </a:r>
+                    </a:p>
+                  </a:txBody>
+                  <a:tcPr anchor="ctr">
+                    <a:lnT w="6350" cap="flat" cmpd="sng" algn="ctr">
+                      <a:solidFill>
+                        <a:schemeClr val="tx1"/>
+                      </a:solidFill>
+                      <a:prstDash val="solid"/>
+                      <a:round/>
+                      <a:headEnd type="none" w="med" len="med"/>
+                      <a:tailEnd type="none" w="med" len="med"/>
+                    </a:lnT>
+                    <a:lnB w="6350" cap="flat" cmpd="sng" algn="ctr">
+                      <a:solidFill>
+                        <a:schemeClr val="tx1"/>
+                      </a:solidFill>
+                      <a:prstDash val="solid"/>
+                      <a:round/>
+                      <a:headEnd type="none" w="med" len="med"/>
+                      <a:tailEnd type="none" w="med" len="med"/>
+                    </a:lnB>
+                  </a:tcPr>
+                </a:tc>
+                <a:tc>
+                  <a:txBody>
+                    <a:bodyPr/>
+                    <a:lstStyle/>
+                    <a:p>
+                      <a:pPr algn="r"/>
+                      <a:r>
+                        <a:rPr kumimoji="1" lang="en-US" altLang="ja-JP" sz="1050" dirty="0">
+                          <a:latin typeface="Hiragino Kaku Gothic Pro W3" panose="020B0300000000000000" pitchFamily="34" charset="-128"/>
+                          <a:ea typeface="Hiragino Kaku Gothic Pro W3" panose="020B0300000000000000" pitchFamily="34" charset="-128"/>
+                        </a:rPr>
+                        <a:t>0.6995</a:t>
+                      </a:r>
+                      <a:endParaRPr kumimoji="1" lang="ja-JP" altLang="en-US" sz="1050">
+                        <a:latin typeface="Hiragino Kaku Gothic Pro W3" panose="020B0300000000000000" pitchFamily="34" charset="-128"/>
+                        <a:ea typeface="Hiragino Kaku Gothic Pro W3" panose="020B0300000000000000" pitchFamily="34" charset="-128"/>
+                      </a:endParaRPr>
+                    </a:p>
+                  </a:txBody>
+                  <a:tcPr anchor="ctr">
+                    <a:lnT w="6350" cap="flat" cmpd="sng" algn="ctr">
+                      <a:solidFill>
+                        <a:schemeClr val="tx1"/>
+                      </a:solidFill>
+                      <a:prstDash val="solid"/>
+                      <a:round/>
+                      <a:headEnd type="none" w="med" len="med"/>
+                      <a:tailEnd type="none" w="med" len="med"/>
+                    </a:lnT>
+                    <a:lnB w="6350" cap="flat" cmpd="sng" algn="ctr">
+                      <a:solidFill>
+                        <a:schemeClr val="tx1"/>
+                      </a:solidFill>
+                      <a:prstDash val="solid"/>
+                      <a:round/>
+                      <a:headEnd type="none" w="med" len="med"/>
+                      <a:tailEnd type="none" w="med" len="med"/>
+                    </a:lnB>
+                  </a:tcPr>
+                </a:tc>
+                <a:extLst>
+                  <a:ext uri="{0D108BD9-81ED-4DB2-BD59-A6C34878D82A}">
+                    <a16:rowId xmlns:a16="http://schemas.microsoft.com/office/drawing/2014/main" val="474653454"/>
+                  </a:ext>
+                </a:extLst>
+              </a:tr>
+              <a:tr h="276143">
+                <a:tc>
+                  <a:txBody>
+                    <a:bodyPr/>
+                    <a:lstStyle/>
+                    <a:p>
+                      <a:pPr algn="ctr"/>
+                      <a:r>
+                        <a:rPr kumimoji="1" lang="ja-JP" altLang="en-US" sz="1050">
+                          <a:latin typeface="Hiragino Kaku Gothic Pro W3" panose="020B0300000000000000" pitchFamily="34" charset="-128"/>
+                          <a:ea typeface="Hiragino Kaku Gothic Pro W3" panose="020B0300000000000000" pitchFamily="34" charset="-128"/>
+                        </a:rPr>
+                        <a:t>想い</a:t>
+                      </a:r>
+                    </a:p>
+                  </a:txBody>
+                  <a:tcPr anchor="ctr">
+                    <a:lnT w="6350" cap="flat" cmpd="sng" algn="ctr">
+                      <a:solidFill>
+                        <a:schemeClr val="tx1"/>
+                      </a:solidFill>
+                      <a:prstDash val="solid"/>
+                      <a:round/>
+                      <a:headEnd type="none" w="med" len="med"/>
+                      <a:tailEnd type="none" w="med" len="med"/>
+                    </a:lnT>
+                    <a:lnB w="6350" cap="flat" cmpd="sng" algn="ctr">
+                      <a:solidFill>
+                        <a:schemeClr val="tx1"/>
+                      </a:solidFill>
+                      <a:prstDash val="solid"/>
+                      <a:round/>
+                      <a:headEnd type="none" w="med" len="med"/>
+                      <a:tailEnd type="none" w="med" len="med"/>
+                    </a:lnB>
+                  </a:tcPr>
+                </a:tc>
+                <a:tc>
+                  <a:txBody>
+                    <a:bodyPr/>
+                    <a:lstStyle/>
+                    <a:p>
+                      <a:pPr algn="r"/>
+                      <a:r>
+                        <a:rPr kumimoji="1" lang="en-US" altLang="ja-JP" sz="1050" dirty="0">
+                          <a:latin typeface="Hiragino Kaku Gothic Pro W3" panose="020B0300000000000000" pitchFamily="34" charset="-128"/>
+                          <a:ea typeface="Hiragino Kaku Gothic Pro W3" panose="020B0300000000000000" pitchFamily="34" charset="-128"/>
+                        </a:rPr>
+                        <a:t>1.2530</a:t>
+                      </a:r>
+                      <a:endParaRPr kumimoji="1" lang="ja-JP" altLang="en-US" sz="1050">
+                        <a:latin typeface="Hiragino Kaku Gothic Pro W3" panose="020B0300000000000000" pitchFamily="34" charset="-128"/>
+                        <a:ea typeface="Hiragino Kaku Gothic Pro W3" panose="020B0300000000000000" pitchFamily="34" charset="-128"/>
+                      </a:endParaRPr>
+                    </a:p>
+                  </a:txBody>
+                  <a:tcPr anchor="ctr">
+                    <a:lnT w="6350" cap="flat" cmpd="sng" algn="ctr">
+                      <a:solidFill>
+                        <a:schemeClr val="tx1"/>
+                      </a:solidFill>
+                      <a:prstDash val="solid"/>
+                      <a:round/>
+                      <a:headEnd type="none" w="med" len="med"/>
+                      <a:tailEnd type="none" w="med" len="med"/>
+                    </a:lnT>
+                    <a:lnB w="6350" cap="flat" cmpd="sng" algn="ctr">
+                      <a:solidFill>
+                        <a:schemeClr val="tx1"/>
+                      </a:solidFill>
+                      <a:prstDash val="solid"/>
+                      <a:round/>
+                      <a:headEnd type="none" w="med" len="med"/>
+                      <a:tailEnd type="none" w="med" len="med"/>
+                    </a:lnB>
+                  </a:tcPr>
+                </a:tc>
+                <a:tc>
+                  <a:txBody>
+                    <a:bodyPr/>
+                    <a:lstStyle/>
+                    <a:p>
+                      <a:pPr algn="ctr"/>
+                      <a:r>
+                        <a:rPr kumimoji="1" lang="ja-JP" altLang="en-US" sz="1050">
+                          <a:latin typeface="Hiragino Kaku Gothic Pro W3" panose="020B0300000000000000" pitchFamily="34" charset="-128"/>
+                          <a:ea typeface="Hiragino Kaku Gothic Pro W3" panose="020B0300000000000000" pitchFamily="34" charset="-128"/>
+                        </a:rPr>
+                        <a:t>俺</a:t>
+                      </a:r>
+                    </a:p>
+                  </a:txBody>
+                  <a:tcPr anchor="ctr">
+                    <a:lnT w="6350" cap="flat" cmpd="sng" algn="ctr">
+                      <a:solidFill>
+                        <a:schemeClr val="tx1"/>
+                      </a:solidFill>
+                      <a:prstDash val="solid"/>
+                      <a:round/>
+                      <a:headEnd type="none" w="med" len="med"/>
+                      <a:tailEnd type="none" w="med" len="med"/>
+                    </a:lnT>
+                    <a:lnB w="6350" cap="flat" cmpd="sng" algn="ctr">
+                      <a:solidFill>
+                        <a:schemeClr val="tx1"/>
+                      </a:solidFill>
+                      <a:prstDash val="solid"/>
+                      <a:round/>
+                      <a:headEnd type="none" w="med" len="med"/>
+                      <a:tailEnd type="none" w="med" len="med"/>
+                    </a:lnB>
+                  </a:tcPr>
+                </a:tc>
+                <a:tc>
+                  <a:txBody>
+                    <a:bodyPr/>
+                    <a:lstStyle/>
+                    <a:p>
+                      <a:pPr algn="r"/>
+                      <a:r>
+                        <a:rPr kumimoji="1" lang="en-US" altLang="ja-JP" sz="1050" dirty="0">
+                          <a:latin typeface="Hiragino Kaku Gothic Pro W3" panose="020B0300000000000000" pitchFamily="34" charset="-128"/>
+                          <a:ea typeface="Hiragino Kaku Gothic Pro W3" panose="020B0300000000000000" pitchFamily="34" charset="-128"/>
+                        </a:rPr>
+                        <a:t>0.7033</a:t>
+                      </a:r>
+                      <a:endParaRPr kumimoji="1" lang="ja-JP" altLang="en-US" sz="1050">
+                        <a:latin typeface="Hiragino Kaku Gothic Pro W3" panose="020B0300000000000000" pitchFamily="34" charset="-128"/>
+                        <a:ea typeface="Hiragino Kaku Gothic Pro W3" panose="020B0300000000000000" pitchFamily="34" charset="-128"/>
+                      </a:endParaRPr>
+                    </a:p>
+                  </a:txBody>
+                  <a:tcPr anchor="ctr">
+                    <a:lnT w="6350" cap="flat" cmpd="sng" algn="ctr">
+                      <a:solidFill>
+                        <a:schemeClr val="tx1"/>
+                      </a:solidFill>
+                      <a:prstDash val="solid"/>
+                      <a:round/>
+                      <a:headEnd type="none" w="med" len="med"/>
+                      <a:tailEnd type="none" w="med" len="med"/>
+                    </a:lnT>
+                    <a:lnB w="6350" cap="flat" cmpd="sng" algn="ctr">
+                      <a:solidFill>
+                        <a:schemeClr val="tx1"/>
+                      </a:solidFill>
+                      <a:prstDash val="solid"/>
+                      <a:round/>
+                      <a:headEnd type="none" w="med" len="med"/>
+                      <a:tailEnd type="none" w="med" len="med"/>
+                    </a:lnB>
+                  </a:tcPr>
+                </a:tc>
+                <a:extLst>
+                  <a:ext uri="{0D108BD9-81ED-4DB2-BD59-A6C34878D82A}">
+                    <a16:rowId xmlns:a16="http://schemas.microsoft.com/office/drawing/2014/main" val="1661703665"/>
+                  </a:ext>
+                </a:extLst>
+              </a:tr>
+              <a:tr h="276143">
+                <a:tc>
+                  <a:txBody>
+                    <a:bodyPr/>
+                    <a:lstStyle/>
+                    <a:p>
+                      <a:pPr algn="ctr"/>
+                      <a:r>
+                        <a:rPr kumimoji="1" lang="ja-JP" altLang="en-US" sz="1050">
+                          <a:latin typeface="Hiragino Kaku Gothic Pro W3" panose="020B0300000000000000" pitchFamily="34" charset="-128"/>
+                          <a:ea typeface="Hiragino Kaku Gothic Pro W3" panose="020B0300000000000000" pitchFamily="34" charset="-128"/>
+                        </a:rPr>
+                        <a:t>夢</a:t>
+                      </a:r>
+                    </a:p>
+                  </a:txBody>
+                  <a:tcPr anchor="ctr">
+                    <a:lnT w="6350" cap="flat" cmpd="sng" algn="ctr">
+                      <a:solidFill>
+                        <a:schemeClr val="tx1"/>
+                      </a:solidFill>
+                      <a:prstDash val="solid"/>
+                      <a:round/>
+                      <a:headEnd type="none" w="med" len="med"/>
+                      <a:tailEnd type="none" w="med" len="med"/>
+                    </a:lnT>
+                    <a:lnB w="6350" cap="flat" cmpd="sng" algn="ctr">
+                      <a:solidFill>
+                        <a:schemeClr val="tx1"/>
+                      </a:solidFill>
+                      <a:prstDash val="solid"/>
+                      <a:round/>
+                      <a:headEnd type="none" w="med" len="med"/>
+                      <a:tailEnd type="none" w="med" len="med"/>
+                    </a:lnB>
+                  </a:tcPr>
+                </a:tc>
+                <a:tc>
+                  <a:txBody>
+                    <a:bodyPr/>
+                    <a:lstStyle/>
+                    <a:p>
+                      <a:pPr algn="r"/>
+                      <a:r>
+                        <a:rPr kumimoji="1" lang="en-US" altLang="ja-JP" sz="1050" dirty="0">
+                          <a:latin typeface="Hiragino Kaku Gothic Pro W3" panose="020B0300000000000000" pitchFamily="34" charset="-128"/>
+                          <a:ea typeface="Hiragino Kaku Gothic Pro W3" panose="020B0300000000000000" pitchFamily="34" charset="-128"/>
+                        </a:rPr>
+                        <a:t>1.2386</a:t>
+                      </a:r>
+                      <a:endParaRPr kumimoji="1" lang="ja-JP" altLang="en-US" sz="1050">
+                        <a:latin typeface="Hiragino Kaku Gothic Pro W3" panose="020B0300000000000000" pitchFamily="34" charset="-128"/>
+                        <a:ea typeface="Hiragino Kaku Gothic Pro W3" panose="020B0300000000000000" pitchFamily="34" charset="-128"/>
+                      </a:endParaRPr>
+                    </a:p>
+                  </a:txBody>
+                  <a:tcPr anchor="ctr">
+                    <a:lnT w="6350" cap="flat" cmpd="sng" algn="ctr">
+                      <a:solidFill>
+                        <a:schemeClr val="tx1"/>
+                      </a:solidFill>
+                      <a:prstDash val="solid"/>
+                      <a:round/>
+                      <a:headEnd type="none" w="med" len="med"/>
+                      <a:tailEnd type="none" w="med" len="med"/>
+                    </a:lnT>
+                    <a:lnB w="6350" cap="flat" cmpd="sng" algn="ctr">
+                      <a:solidFill>
+                        <a:schemeClr val="tx1"/>
+                      </a:solidFill>
+                      <a:prstDash val="solid"/>
+                      <a:round/>
+                      <a:headEnd type="none" w="med" len="med"/>
+                      <a:tailEnd type="none" w="med" len="med"/>
+                    </a:lnB>
+                  </a:tcPr>
+                </a:tc>
+                <a:tc>
+                  <a:txBody>
+                    <a:bodyPr/>
+                    <a:lstStyle/>
+                    <a:p>
+                      <a:pPr algn="ctr"/>
+                      <a:r>
+                        <a:rPr kumimoji="1" lang="ja-JP" altLang="en-US" sz="1050">
+                          <a:latin typeface="Hiragino Kaku Gothic Pro W3" panose="020B0300000000000000" pitchFamily="34" charset="-128"/>
+                          <a:ea typeface="Hiragino Kaku Gothic Pro W3" panose="020B0300000000000000" pitchFamily="34" charset="-128"/>
+                        </a:rPr>
+                        <a:t>ひとつ</a:t>
+                      </a:r>
+                    </a:p>
+                  </a:txBody>
+                  <a:tcPr anchor="ctr">
+                    <a:lnT w="6350" cap="flat" cmpd="sng" algn="ctr">
+                      <a:solidFill>
+                        <a:schemeClr val="tx1"/>
+                      </a:solidFill>
+                      <a:prstDash val="solid"/>
+                      <a:round/>
+                      <a:headEnd type="none" w="med" len="med"/>
+                      <a:tailEnd type="none" w="med" len="med"/>
+                    </a:lnT>
+                    <a:lnB w="6350" cap="flat" cmpd="sng" algn="ctr">
+                      <a:solidFill>
+                        <a:schemeClr val="tx1"/>
+                      </a:solidFill>
+                      <a:prstDash val="solid"/>
+                      <a:round/>
+                      <a:headEnd type="none" w="med" len="med"/>
+                      <a:tailEnd type="none" w="med" len="med"/>
+                    </a:lnB>
+                  </a:tcPr>
+                </a:tc>
+                <a:tc>
+                  <a:txBody>
+                    <a:bodyPr/>
+                    <a:lstStyle/>
+                    <a:p>
+                      <a:pPr algn="r"/>
+                      <a:r>
+                        <a:rPr kumimoji="1" lang="en-US" altLang="ja-JP" sz="1050" dirty="0">
+                          <a:latin typeface="Hiragino Kaku Gothic Pro W3" panose="020B0300000000000000" pitchFamily="34" charset="-128"/>
+                          <a:ea typeface="Hiragino Kaku Gothic Pro W3" panose="020B0300000000000000" pitchFamily="34" charset="-128"/>
+                        </a:rPr>
+                        <a:t>0.7359</a:t>
+                      </a:r>
+                      <a:endParaRPr kumimoji="1" lang="ja-JP" altLang="en-US" sz="1050">
+                        <a:latin typeface="Hiragino Kaku Gothic Pro W3" panose="020B0300000000000000" pitchFamily="34" charset="-128"/>
+                        <a:ea typeface="Hiragino Kaku Gothic Pro W3" panose="020B0300000000000000" pitchFamily="34" charset="-128"/>
+                      </a:endParaRPr>
+                    </a:p>
+                  </a:txBody>
+                  <a:tcPr anchor="ctr">
+                    <a:lnT w="6350" cap="flat" cmpd="sng" algn="ctr">
+                      <a:solidFill>
+                        <a:schemeClr val="tx1"/>
+                      </a:solidFill>
+                      <a:prstDash val="solid"/>
+                      <a:round/>
+                      <a:headEnd type="none" w="med" len="med"/>
+                      <a:tailEnd type="none" w="med" len="med"/>
+                    </a:lnT>
+                    <a:lnB w="6350" cap="flat" cmpd="sng" algn="ctr">
+                      <a:solidFill>
+                        <a:schemeClr val="tx1"/>
+                      </a:solidFill>
+                      <a:prstDash val="solid"/>
+                      <a:round/>
+                      <a:headEnd type="none" w="med" len="med"/>
+                      <a:tailEnd type="none" w="med" len="med"/>
+                    </a:lnB>
+                  </a:tcPr>
+                </a:tc>
+                <a:extLst>
+                  <a:ext uri="{0D108BD9-81ED-4DB2-BD59-A6C34878D82A}">
+                    <a16:rowId xmlns:a16="http://schemas.microsoft.com/office/drawing/2014/main" val="130518710"/>
+                  </a:ext>
+                </a:extLst>
+              </a:tr>
+              <a:tr h="276143">
+                <a:tc>
+                  <a:txBody>
+                    <a:bodyPr/>
+                    <a:lstStyle/>
+                    <a:p>
+                      <a:pPr algn="ctr"/>
+                      <a:r>
+                        <a:rPr kumimoji="1" lang="ja-JP" altLang="en-US" sz="1050">
+                          <a:latin typeface="Hiragino Kaku Gothic Pro W3" panose="020B0300000000000000" pitchFamily="34" charset="-128"/>
+                          <a:ea typeface="Hiragino Kaku Gothic Pro W3" panose="020B0300000000000000" pitchFamily="34" charset="-128"/>
+                        </a:rPr>
+                        <a:t>星</a:t>
+                      </a:r>
+                    </a:p>
+                  </a:txBody>
+                  <a:tcPr anchor="ctr">
+                    <a:lnT w="6350" cap="flat" cmpd="sng" algn="ctr">
+                      <a:solidFill>
+                        <a:schemeClr val="tx1"/>
+                      </a:solidFill>
+                      <a:prstDash val="solid"/>
+                      <a:round/>
+                      <a:headEnd type="none" w="med" len="med"/>
+                      <a:tailEnd type="none" w="med" len="med"/>
+                    </a:lnT>
+                    <a:lnB w="6350" cap="flat" cmpd="sng" algn="ctr">
+                      <a:solidFill>
+                        <a:schemeClr val="tx1"/>
+                      </a:solidFill>
+                      <a:prstDash val="solid"/>
+                      <a:round/>
+                      <a:headEnd type="none" w="med" len="med"/>
+                      <a:tailEnd type="none" w="med" len="med"/>
+                    </a:lnB>
+                  </a:tcPr>
+                </a:tc>
+                <a:tc>
+                  <a:txBody>
+                    <a:bodyPr/>
+                    <a:lstStyle/>
+                    <a:p>
+                      <a:pPr algn="r"/>
+                      <a:r>
+                        <a:rPr kumimoji="1" lang="en-US" altLang="ja-JP" sz="1050" dirty="0">
+                          <a:latin typeface="Hiragino Kaku Gothic Pro W3" panose="020B0300000000000000" pitchFamily="34" charset="-128"/>
+                          <a:ea typeface="Hiragino Kaku Gothic Pro W3" panose="020B0300000000000000" pitchFamily="34" charset="-128"/>
+                        </a:rPr>
+                        <a:t>1.2342</a:t>
+                      </a:r>
+                      <a:endParaRPr kumimoji="1" lang="ja-JP" altLang="en-US" sz="1050">
+                        <a:latin typeface="Hiragino Kaku Gothic Pro W3" panose="020B0300000000000000" pitchFamily="34" charset="-128"/>
+                        <a:ea typeface="Hiragino Kaku Gothic Pro W3" panose="020B0300000000000000" pitchFamily="34" charset="-128"/>
+                      </a:endParaRPr>
+                    </a:p>
+                  </a:txBody>
+                  <a:tcPr anchor="ctr">
+                    <a:lnT w="6350" cap="flat" cmpd="sng" algn="ctr">
+                      <a:solidFill>
+                        <a:schemeClr val="tx1"/>
+                      </a:solidFill>
+                      <a:prstDash val="solid"/>
+                      <a:round/>
+                      <a:headEnd type="none" w="med" len="med"/>
+                      <a:tailEnd type="none" w="med" len="med"/>
+                    </a:lnT>
+                    <a:lnB w="6350" cap="flat" cmpd="sng" algn="ctr">
+                      <a:solidFill>
+                        <a:schemeClr val="tx1"/>
+                      </a:solidFill>
+                      <a:prstDash val="solid"/>
+                      <a:round/>
+                      <a:headEnd type="none" w="med" len="med"/>
+                      <a:tailEnd type="none" w="med" len="med"/>
+                    </a:lnB>
+                  </a:tcPr>
+                </a:tc>
+                <a:tc>
+                  <a:txBody>
+                    <a:bodyPr/>
+                    <a:lstStyle/>
+                    <a:p>
+                      <a:pPr algn="ctr"/>
+                      <a:r>
+                        <a:rPr kumimoji="1" lang="ja-JP" altLang="en-US" sz="1050">
+                          <a:latin typeface="Hiragino Kaku Gothic Pro W3" panose="020B0300000000000000" pitchFamily="34" charset="-128"/>
+                          <a:ea typeface="Hiragino Kaku Gothic Pro W3" panose="020B0300000000000000" pitchFamily="34" charset="-128"/>
+                        </a:rPr>
+                        <a:t>変わる</a:t>
+                      </a:r>
+                    </a:p>
+                  </a:txBody>
+                  <a:tcPr anchor="ctr">
+                    <a:lnT w="6350" cap="flat" cmpd="sng" algn="ctr">
+                      <a:solidFill>
+                        <a:schemeClr val="tx1"/>
+                      </a:solidFill>
+                      <a:prstDash val="solid"/>
+                      <a:round/>
+                      <a:headEnd type="none" w="med" len="med"/>
+                      <a:tailEnd type="none" w="med" len="med"/>
+                    </a:lnT>
+                    <a:lnB w="6350" cap="flat" cmpd="sng" algn="ctr">
+                      <a:solidFill>
+                        <a:schemeClr val="tx1"/>
+                      </a:solidFill>
+                      <a:prstDash val="solid"/>
+                      <a:round/>
+                      <a:headEnd type="none" w="med" len="med"/>
+                      <a:tailEnd type="none" w="med" len="med"/>
+                    </a:lnB>
+                  </a:tcPr>
+                </a:tc>
+                <a:tc>
+                  <a:txBody>
+                    <a:bodyPr/>
+                    <a:lstStyle/>
+                    <a:p>
+                      <a:pPr algn="r"/>
+                      <a:r>
+                        <a:rPr kumimoji="1" lang="en-US" altLang="ja-JP" sz="1050" dirty="0">
+                          <a:latin typeface="Hiragino Kaku Gothic Pro W3" panose="020B0300000000000000" pitchFamily="34" charset="-128"/>
+                          <a:ea typeface="Hiragino Kaku Gothic Pro W3" panose="020B0300000000000000" pitchFamily="34" charset="-128"/>
+                        </a:rPr>
+                        <a:t>0.7382</a:t>
+                      </a:r>
+                      <a:endParaRPr kumimoji="1" lang="ja-JP" altLang="en-US" sz="1050">
+                        <a:latin typeface="Hiragino Kaku Gothic Pro W3" panose="020B0300000000000000" pitchFamily="34" charset="-128"/>
+                        <a:ea typeface="Hiragino Kaku Gothic Pro W3" panose="020B0300000000000000" pitchFamily="34" charset="-128"/>
+                      </a:endParaRPr>
+                    </a:p>
+                  </a:txBody>
+                  <a:tcPr anchor="ctr">
+                    <a:lnT w="6350" cap="flat" cmpd="sng" algn="ctr">
+                      <a:solidFill>
+                        <a:schemeClr val="tx1"/>
+                      </a:solidFill>
+                      <a:prstDash val="solid"/>
+                      <a:round/>
+                      <a:headEnd type="none" w="med" len="med"/>
+                      <a:tailEnd type="none" w="med" len="med"/>
+                    </a:lnT>
+                    <a:lnB w="6350" cap="flat" cmpd="sng" algn="ctr">
+                      <a:solidFill>
+                        <a:schemeClr val="tx1"/>
+                      </a:solidFill>
+                      <a:prstDash val="solid"/>
+                      <a:round/>
+                      <a:headEnd type="none" w="med" len="med"/>
+                      <a:tailEnd type="none" w="med" len="med"/>
+                    </a:lnB>
+                  </a:tcPr>
+                </a:tc>
+                <a:extLst>
+                  <a:ext uri="{0D108BD9-81ED-4DB2-BD59-A6C34878D82A}">
+                    <a16:rowId xmlns:a16="http://schemas.microsoft.com/office/drawing/2014/main" val="1012087896"/>
+                  </a:ext>
+                </a:extLst>
+              </a:tr>
+              <a:tr h="276143">
+                <a:tc>
+                  <a:txBody>
+                    <a:bodyPr/>
+                    <a:lstStyle/>
+                    <a:p>
+                      <a:pPr algn="ctr"/>
+                      <a:r>
+                        <a:rPr kumimoji="1" lang="ja-JP" altLang="en-US" sz="1050">
+                          <a:latin typeface="Hiragino Kaku Gothic Pro W3" panose="020B0300000000000000" pitchFamily="34" charset="-128"/>
+                          <a:ea typeface="Hiragino Kaku Gothic Pro W3" panose="020B0300000000000000" pitchFamily="34" charset="-128"/>
+                        </a:rPr>
+                        <a:t>好き</a:t>
+                      </a:r>
+                    </a:p>
+                  </a:txBody>
+                  <a:tcPr anchor="ctr">
+                    <a:lnT w="6350" cap="flat" cmpd="sng" algn="ctr">
+                      <a:solidFill>
+                        <a:schemeClr val="tx1"/>
+                      </a:solidFill>
+                      <a:prstDash val="solid"/>
+                      <a:round/>
+                      <a:headEnd type="none" w="med" len="med"/>
+                      <a:tailEnd type="none" w="med" len="med"/>
+                    </a:lnT>
+                    <a:lnB w="6350" cap="flat" cmpd="sng" algn="ctr">
+                      <a:solidFill>
+                        <a:schemeClr val="tx1"/>
+                      </a:solidFill>
+                      <a:prstDash val="solid"/>
+                      <a:round/>
+                      <a:headEnd type="none" w="med" len="med"/>
+                      <a:tailEnd type="none" w="med" len="med"/>
+                    </a:lnB>
+                  </a:tcPr>
+                </a:tc>
+                <a:tc>
+                  <a:txBody>
+                    <a:bodyPr/>
+                    <a:lstStyle/>
+                    <a:p>
+                      <a:pPr algn="r"/>
+                      <a:r>
+                        <a:rPr kumimoji="1" lang="en-US" altLang="ja-JP" sz="1050" dirty="0">
+                          <a:latin typeface="Hiragino Kaku Gothic Pro W3" panose="020B0300000000000000" pitchFamily="34" charset="-128"/>
+                          <a:ea typeface="Hiragino Kaku Gothic Pro W3" panose="020B0300000000000000" pitchFamily="34" charset="-128"/>
+                        </a:rPr>
+                        <a:t>1.2157</a:t>
+                      </a:r>
+                      <a:endParaRPr kumimoji="1" lang="ja-JP" altLang="en-US" sz="1050">
+                        <a:latin typeface="Hiragino Kaku Gothic Pro W3" panose="020B0300000000000000" pitchFamily="34" charset="-128"/>
+                        <a:ea typeface="Hiragino Kaku Gothic Pro W3" panose="020B0300000000000000" pitchFamily="34" charset="-128"/>
+                      </a:endParaRPr>
+                    </a:p>
+                  </a:txBody>
+                  <a:tcPr anchor="ctr">
+                    <a:lnT w="6350" cap="flat" cmpd="sng" algn="ctr">
+                      <a:solidFill>
+                        <a:schemeClr val="tx1"/>
+                      </a:solidFill>
+                      <a:prstDash val="solid"/>
+                      <a:round/>
+                      <a:headEnd type="none" w="med" len="med"/>
+                      <a:tailEnd type="none" w="med" len="med"/>
+                    </a:lnT>
+                    <a:lnB w="6350" cap="flat" cmpd="sng" algn="ctr">
+                      <a:solidFill>
+                        <a:schemeClr val="tx1"/>
+                      </a:solidFill>
+                      <a:prstDash val="solid"/>
+                      <a:round/>
+                      <a:headEnd type="none" w="med" len="med"/>
+                      <a:tailEnd type="none" w="med" len="med"/>
+                    </a:lnB>
+                  </a:tcPr>
+                </a:tc>
+                <a:tc>
+                  <a:txBody>
+                    <a:bodyPr/>
+                    <a:lstStyle/>
+                    <a:p>
+                      <a:pPr algn="ctr"/>
+                      <a:r>
+                        <a:rPr kumimoji="1" lang="ja-JP" altLang="en-US" sz="1050">
+                          <a:latin typeface="Hiragino Kaku Gothic Pro W3" panose="020B0300000000000000" pitchFamily="34" charset="-128"/>
+                          <a:ea typeface="Hiragino Kaku Gothic Pro W3" panose="020B0300000000000000" pitchFamily="34" charset="-128"/>
+                        </a:rPr>
+                        <a:t>何</a:t>
+                      </a:r>
+                    </a:p>
+                  </a:txBody>
+                  <a:tcPr anchor="ctr">
+                    <a:lnT w="6350" cap="flat" cmpd="sng" algn="ctr">
+                      <a:solidFill>
+                        <a:schemeClr val="tx1"/>
+                      </a:solidFill>
+                      <a:prstDash val="solid"/>
+                      <a:round/>
+                      <a:headEnd type="none" w="med" len="med"/>
+                      <a:tailEnd type="none" w="med" len="med"/>
+                    </a:lnT>
+                    <a:lnB w="6350" cap="flat" cmpd="sng" algn="ctr">
+                      <a:solidFill>
+                        <a:schemeClr val="tx1"/>
+                      </a:solidFill>
+                      <a:prstDash val="solid"/>
+                      <a:round/>
+                      <a:headEnd type="none" w="med" len="med"/>
+                      <a:tailEnd type="none" w="med" len="med"/>
+                    </a:lnB>
+                  </a:tcPr>
+                </a:tc>
+                <a:tc>
+                  <a:txBody>
+                    <a:bodyPr/>
+                    <a:lstStyle/>
+                    <a:p>
+                      <a:pPr algn="r"/>
+                      <a:r>
+                        <a:rPr kumimoji="1" lang="en-US" altLang="ja-JP" sz="1050" dirty="0">
+                          <a:latin typeface="Hiragino Kaku Gothic Pro W3" panose="020B0300000000000000" pitchFamily="34" charset="-128"/>
+                          <a:ea typeface="Hiragino Kaku Gothic Pro W3" panose="020B0300000000000000" pitchFamily="34" charset="-128"/>
+                        </a:rPr>
+                        <a:t>0.7514</a:t>
+                      </a:r>
+                      <a:endParaRPr kumimoji="1" lang="ja-JP" altLang="en-US" sz="1050">
+                        <a:latin typeface="Hiragino Kaku Gothic Pro W3" panose="020B0300000000000000" pitchFamily="34" charset="-128"/>
+                        <a:ea typeface="Hiragino Kaku Gothic Pro W3" panose="020B0300000000000000" pitchFamily="34" charset="-128"/>
+                      </a:endParaRPr>
+                    </a:p>
+                  </a:txBody>
+                  <a:tcPr anchor="ctr">
+                    <a:lnT w="6350" cap="flat" cmpd="sng" algn="ctr">
+                      <a:solidFill>
+                        <a:schemeClr val="tx1"/>
+                      </a:solidFill>
+                      <a:prstDash val="solid"/>
+                      <a:round/>
+                      <a:headEnd type="none" w="med" len="med"/>
+                      <a:tailEnd type="none" w="med" len="med"/>
+                    </a:lnT>
+                    <a:lnB w="6350" cap="flat" cmpd="sng" algn="ctr">
+                      <a:solidFill>
+                        <a:schemeClr val="tx1"/>
+                      </a:solidFill>
+                      <a:prstDash val="solid"/>
+                      <a:round/>
+                      <a:headEnd type="none" w="med" len="med"/>
+                      <a:tailEnd type="none" w="med" len="med"/>
+                    </a:lnB>
+                  </a:tcPr>
+                </a:tc>
+                <a:extLst>
+                  <a:ext uri="{0D108BD9-81ED-4DB2-BD59-A6C34878D82A}">
+                    <a16:rowId xmlns:a16="http://schemas.microsoft.com/office/drawing/2014/main" val="2758845927"/>
+                  </a:ext>
+                </a:extLst>
+              </a:tr>
+              <a:tr h="0">
+                <a:tc>
+                  <a:txBody>
+                    <a:bodyPr/>
+                    <a:lstStyle/>
+                    <a:p>
+                      <a:pPr algn="ctr"/>
+                      <a:r>
+                        <a:rPr kumimoji="1" lang="ja-JP" altLang="en-US" sz="1050">
+                          <a:latin typeface="Hiragino Kaku Gothic Pro W3" panose="020B0300000000000000" pitchFamily="34" charset="-128"/>
+                          <a:ea typeface="Hiragino Kaku Gothic Pro W3" panose="020B0300000000000000" pitchFamily="34" charset="-128"/>
+                        </a:rPr>
+                        <a:t>遠い</a:t>
+                      </a:r>
+                    </a:p>
+                  </a:txBody>
+                  <a:tcPr anchor="ctr">
+                    <a:lnT w="6350" cap="flat" cmpd="sng" algn="ctr">
+                      <a:solidFill>
+                        <a:schemeClr val="tx1"/>
+                      </a:solidFill>
+                      <a:prstDash val="solid"/>
+                      <a:round/>
+                      <a:headEnd type="none" w="med" len="med"/>
+                      <a:tailEnd type="none" w="med" len="med"/>
+                    </a:lnT>
+                  </a:tcPr>
+                </a:tc>
+                <a:tc>
+                  <a:txBody>
+                    <a:bodyPr/>
+                    <a:lstStyle/>
+                    <a:p>
+                      <a:pPr algn="r"/>
+                      <a:r>
+                        <a:rPr kumimoji="1" lang="en-US" altLang="ja-JP" sz="1050" dirty="0">
+                          <a:latin typeface="Hiragino Kaku Gothic Pro W3" panose="020B0300000000000000" pitchFamily="34" charset="-128"/>
+                          <a:ea typeface="Hiragino Kaku Gothic Pro W3" panose="020B0300000000000000" pitchFamily="34" charset="-128"/>
+                        </a:rPr>
+                        <a:t>1.1982</a:t>
+                      </a:r>
+                      <a:endParaRPr kumimoji="1" lang="ja-JP" altLang="en-US" sz="1050">
+                        <a:latin typeface="Hiragino Kaku Gothic Pro W3" panose="020B0300000000000000" pitchFamily="34" charset="-128"/>
+                        <a:ea typeface="Hiragino Kaku Gothic Pro W3" panose="020B0300000000000000" pitchFamily="34" charset="-128"/>
+                      </a:endParaRPr>
+                    </a:p>
+                  </a:txBody>
+                  <a:tcPr anchor="ctr">
+                    <a:lnT w="6350" cap="flat" cmpd="sng" algn="ctr">
+                      <a:solidFill>
+                        <a:schemeClr val="tx1"/>
+                      </a:solidFill>
+                      <a:prstDash val="solid"/>
+                      <a:round/>
+                      <a:headEnd type="none" w="med" len="med"/>
+                      <a:tailEnd type="none" w="med" len="med"/>
+                    </a:lnT>
+                  </a:tcPr>
+                </a:tc>
+                <a:tc>
+                  <a:txBody>
+                    <a:bodyPr/>
+                    <a:lstStyle/>
+                    <a:p>
+                      <a:pPr algn="ctr"/>
+                      <a:r>
+                        <a:rPr kumimoji="1" lang="ja-JP" altLang="en-US" sz="1050">
+                          <a:latin typeface="Hiragino Kaku Gothic Pro W3" panose="020B0300000000000000" pitchFamily="34" charset="-128"/>
+                          <a:ea typeface="Hiragino Kaku Gothic Pro W3" panose="020B0300000000000000" pitchFamily="34" charset="-128"/>
+                        </a:rPr>
+                        <a:t>明日</a:t>
+                      </a:r>
+                    </a:p>
+                  </a:txBody>
+                  <a:tcPr anchor="ctr">
+                    <a:lnT w="6350" cap="flat" cmpd="sng" algn="ctr">
+                      <a:solidFill>
+                        <a:schemeClr val="tx1"/>
+                      </a:solidFill>
+                      <a:prstDash val="solid"/>
+                      <a:round/>
+                      <a:headEnd type="none" w="med" len="med"/>
+                      <a:tailEnd type="none" w="med" len="med"/>
+                    </a:lnT>
+                  </a:tcPr>
+                </a:tc>
+                <a:tc>
+                  <a:txBody>
+                    <a:bodyPr/>
+                    <a:lstStyle/>
+                    <a:p>
+                      <a:pPr algn="r"/>
+                      <a:r>
+                        <a:rPr kumimoji="1" lang="en-US" altLang="ja-JP" sz="1050" dirty="0">
+                          <a:latin typeface="Hiragino Kaku Gothic Pro W3" panose="020B0300000000000000" pitchFamily="34" charset="-128"/>
+                          <a:ea typeface="Hiragino Kaku Gothic Pro W3" panose="020B0300000000000000" pitchFamily="34" charset="-128"/>
+                        </a:rPr>
+                        <a:t>0.7568</a:t>
+                      </a:r>
+                      <a:endParaRPr kumimoji="1" lang="ja-JP" altLang="en-US" sz="1050">
+                        <a:latin typeface="Hiragino Kaku Gothic Pro W3" panose="020B0300000000000000" pitchFamily="34" charset="-128"/>
+                        <a:ea typeface="Hiragino Kaku Gothic Pro W3" panose="020B0300000000000000" pitchFamily="34" charset="-128"/>
+                      </a:endParaRPr>
+                    </a:p>
+                  </a:txBody>
+                  <a:tcPr anchor="ctr">
+                    <a:lnT w="6350" cap="flat" cmpd="sng" algn="ctr">
+                      <a:solidFill>
+                        <a:schemeClr val="tx1"/>
+                      </a:solidFill>
+                      <a:prstDash val="solid"/>
+                      <a:round/>
+                      <a:headEnd type="none" w="med" len="med"/>
+                      <a:tailEnd type="none" w="med" len="med"/>
+                    </a:lnT>
+                  </a:tcPr>
+                </a:tc>
+                <a:extLst>
+                  <a:ext uri="{0D108BD9-81ED-4DB2-BD59-A6C34878D82A}">
+                    <a16:rowId xmlns:a16="http://schemas.microsoft.com/office/drawing/2014/main" val="3722022918"/>
+                  </a:ext>
+                </a:extLst>
+              </a:tr>
+            </a:tbl>
+          </a:graphicData>
+        </a:graphic>
+      </p:graphicFrame>
+      <p:sp>
+        <p:nvSpPr>
+          <p:cNvPr id="18" name="テキスト ボックス 17">
+            <a:extLst>
+              <a:ext uri="{FF2B5EF4-FFF2-40B4-BE49-F238E27FC236}">
+                <a16:creationId xmlns:a16="http://schemas.microsoft.com/office/drawing/2014/main" id="{3B890CEC-1890-D144-B73E-12288A219ED6}"/>
+              </a:ext>
+            </a:extLst>
+          </p:cNvPr>
+          <p:cNvSpPr txBox="1"/>
+          <p:nvPr/>
+        </p:nvSpPr>
+        <p:spPr>
+          <a:xfrm>
+            <a:off x="5034682" y="8738421"/>
+            <a:ext cx="4322996" cy="344710"/>
+          </a:xfrm>
+          <a:prstGeom prst="rect">
+            <a:avLst/>
+          </a:prstGeom>
+          <a:noFill/>
+        </p:spPr>
+        <p:txBody>
+          <a:bodyPr wrap="square" lIns="128016" tIns="64008" rIns="128016" bIns="64008" rtlCol="0">
+            <a:spAutoFit/>
+          </a:bodyPr>
+          <a:lstStyle/>
+          <a:p>
+            <a:pPr algn="ctr"/>
+            <a:r>
+              <a:rPr lang="ja-JP" altLang="en-US" sz="1400">
+                <a:latin typeface="Hiragino Kaku Gothic Pro W3" panose="020B0300000000000000" pitchFamily="34" charset="-128"/>
+                <a:ea typeface="Hiragino Kaku Gothic Pro W3" panose="020B0300000000000000" pitchFamily="34" charset="-128"/>
+              </a:rPr>
+              <a:t>表</a:t>
+            </a:r>
+            <a:r>
+              <a:rPr lang="en-US" altLang="ja-JP" sz="1400" dirty="0">
+                <a:latin typeface="Hiragino Kaku Gothic Pro W3" panose="020B0300000000000000" pitchFamily="34" charset="-128"/>
+                <a:ea typeface="Hiragino Kaku Gothic Pro W3" panose="020B0300000000000000" pitchFamily="34" charset="-128"/>
+              </a:rPr>
+              <a:t>1: </a:t>
+            </a:r>
+            <a:r>
+              <a:rPr lang="ja-JP" altLang="en-US" sz="1400">
+                <a:latin typeface="Hiragino Kaku Gothic Pro W3" panose="020B0300000000000000" pitchFamily="34" charset="-128"/>
+                <a:ea typeface="Hiragino Kaku Gothic Pro W3" panose="020B0300000000000000" pitchFamily="34" charset="-128"/>
+              </a:rPr>
+              <a:t>比率の上位および下位</a:t>
+            </a:r>
+            <a:r>
+              <a:rPr lang="en-US" altLang="ja-JP" sz="1400" dirty="0">
+                <a:latin typeface="Hiragino Kaku Gothic Pro W3" panose="020B0300000000000000" pitchFamily="34" charset="-128"/>
+                <a:ea typeface="Hiragino Kaku Gothic Pro W3" panose="020B0300000000000000" pitchFamily="34" charset="-128"/>
+              </a:rPr>
+              <a:t>10</a:t>
+            </a:r>
+            <a:r>
+              <a:rPr lang="ja-JP" altLang="en-US" sz="1400">
+                <a:latin typeface="Hiragino Kaku Gothic Pro W3" panose="020B0300000000000000" pitchFamily="34" charset="-128"/>
+                <a:ea typeface="Hiragino Kaku Gothic Pro W3" panose="020B0300000000000000" pitchFamily="34" charset="-128"/>
+              </a:rPr>
+              <a:t>語</a:t>
+            </a:r>
+            <a:endParaRPr kumimoji="1" lang="ja-JP" altLang="en-US" sz="1400" dirty="0">
+              <a:latin typeface="Hiragino Kaku Gothic Pro W3" panose="020B0300000000000000" pitchFamily="34" charset="-128"/>
+              <a:ea typeface="Hiragino Kaku Gothic Pro W3" panose="020B0300000000000000" pitchFamily="34" charset="-128"/>
+            </a:endParaRPr>
+          </a:p>
+        </p:txBody>
+      </p:sp>
     </p:spTree>
   </p:cSld>
   <p:clrMapOvr>
@@ -6024,4 +7119,299 @@
   </a:objectDefaults>
   <a:extraClrSchemeLst/>
 </a:theme>
+</file>
+
+<file path=ppt/theme/theme2.xml><?xml version="1.0" encoding="utf-8"?>
+<a:theme xmlns:a="http://schemas.openxmlformats.org/drawingml/2006/main" name="Office テーマ">
+  <a:themeElements>
+    <a:clrScheme name="Office">
+      <a:dk1>
+        <a:sysClr val="windowText" lastClr="000000"/>
+      </a:dk1>
+      <a:lt1>
+        <a:sysClr val="window" lastClr="FFFFFF"/>
+      </a:lt1>
+      <a:dk2>
+        <a:srgbClr val="44546A"/>
+      </a:dk2>
+      <a:lt2>
+        <a:srgbClr val="E7E6E6"/>
+      </a:lt2>
+      <a:accent1>
+        <a:srgbClr val="4472C4"/>
+      </a:accent1>
+      <a:accent2>
+        <a:srgbClr val="ED7D31"/>
+      </a:accent2>
+      <a:accent3>
+        <a:srgbClr val="A5A5A5"/>
+      </a:accent3>
+      <a:accent4>
+        <a:srgbClr val="FFC000"/>
+      </a:accent4>
+      <a:accent5>
+        <a:srgbClr val="5B9BD5"/>
+      </a:accent5>
+      <a:accent6>
+        <a:srgbClr val="70AD47"/>
+      </a:accent6>
+      <a:hlink>
+        <a:srgbClr val="0563C1"/>
+      </a:hlink>
+      <a:folHlink>
+        <a:srgbClr val="954F72"/>
+      </a:folHlink>
+    </a:clrScheme>
+    <a:fontScheme name="Office">
+      <a:majorFont>
+        <a:latin typeface="游ゴシック Light" panose="020F0302020204030204"/>
+        <a:ea typeface=""/>
+        <a:cs typeface=""/>
+        <a:font script="Jpan" typeface="游ゴシック Light"/>
+        <a:font script="Hang" typeface="맑은 고딕"/>
+        <a:font script="Hans" typeface="等线 Light"/>
+        <a:font script="Hant" typeface="新細明體"/>
+        <a:font script="Arab" typeface="Times New Roman"/>
+        <a:font script="Hebr" typeface="Times New Roman"/>
+        <a:font script="Thai" typeface="Angsana New"/>
+        <a:font script="Ethi" typeface="Nyala"/>
+        <a:font script="Beng" typeface="Vrinda"/>
+        <a:font script="Gujr" typeface="Shruti"/>
+        <a:font script="Khmr" typeface="MoolBoran"/>
+        <a:font script="Knda" typeface="Tunga"/>
+        <a:font script="Guru" typeface="Raavi"/>
+        <a:font script="Cans" typeface="Euphemia"/>
+        <a:font script="Cher" typeface="Plantagenet Cherokee"/>
+        <a:font script="Yiii" typeface="Microsoft Yi Baiti"/>
+        <a:font script="Tibt" typeface="Microsoft Himalaya"/>
+        <a:font script="Thaa" typeface="MV Boli"/>
+        <a:font script="Deva" typeface="Mangal"/>
+        <a:font script="Telu" typeface="Gautami"/>
+        <a:font script="Taml" typeface="Latha"/>
+        <a:font script="Syrc" typeface="Estrangelo Edessa"/>
+        <a:font script="Orya" typeface="Kalinga"/>
+        <a:font script="Mlym" typeface="Kartika"/>
+        <a:font script="Laoo" typeface="DokChampa"/>
+        <a:font script="Sinh" typeface="Iskoola Pota"/>
+        <a:font script="Mong" typeface="Mongolian Baiti"/>
+        <a:font script="Viet" typeface="Times New Roman"/>
+        <a:font script="Uigh" typeface="Microsoft Uighur"/>
+        <a:font script="Geor" typeface="Sylfaen"/>
+        <a:font script="Armn" typeface="Arial"/>
+        <a:font script="Bugi" typeface="Leelawadee UI"/>
+        <a:font script="Bopo" typeface="Microsoft JhengHei"/>
+        <a:font script="Java" typeface="Javanese Text"/>
+        <a:font script="Lisu" typeface="Segoe UI"/>
+        <a:font script="Mymr" typeface="Myanmar Text"/>
+        <a:font script="Nkoo" typeface="Ebrima"/>
+        <a:font script="Olck" typeface="Nirmala UI"/>
+        <a:font script="Osma" typeface="Ebrima"/>
+        <a:font script="Phag" typeface="Phagspa"/>
+        <a:font script="Syrn" typeface="Estrangelo Edessa"/>
+        <a:font script="Syrj" typeface="Estrangelo Edessa"/>
+        <a:font script="Syre" typeface="Estrangelo Edessa"/>
+        <a:font script="Sora" typeface="Nirmala UI"/>
+        <a:font script="Tale" typeface="Microsoft Tai Le"/>
+        <a:font script="Talu" typeface="Microsoft New Tai Lue"/>
+        <a:font script="Tfng" typeface="Ebrima"/>
+      </a:majorFont>
+      <a:minorFont>
+        <a:latin typeface="游ゴシック" panose="020F0502020204030204"/>
+        <a:ea typeface=""/>
+        <a:cs typeface=""/>
+        <a:font script="Jpan" typeface="游ゴシック"/>
+        <a:font script="Hang" typeface="맑은 고딕"/>
+        <a:font script="Hans" typeface="等线"/>
+        <a:font script="Hant" typeface="新細明體"/>
+        <a:font script="Arab" typeface="Arial"/>
+        <a:font script="Hebr" typeface="Arial"/>
+        <a:font script="Thai" typeface="Cordia New"/>
+        <a:font script="Ethi" typeface="Nyala"/>
+        <a:font script="Beng" typeface="Vrinda"/>
+        <a:font script="Gujr" typeface="Shruti"/>
+        <a:font script="Khmr" typeface="DaunPenh"/>
+        <a:font script="Knda" typeface="Tunga"/>
+        <a:font script="Guru" typeface="Raavi"/>
+        <a:font script="Cans" typeface="Euphemia"/>
+        <a:font script="Cher" typeface="Plantagenet Cherokee"/>
+        <a:font script="Yiii" typeface="Microsoft Yi Baiti"/>
+        <a:font script="Tibt" typeface="Microsoft Himalaya"/>
+        <a:font script="Thaa" typeface="MV Boli"/>
+        <a:font script="Deva" typeface="Mangal"/>
+        <a:font script="Telu" typeface="Gautami"/>
+        <a:font script="Taml" typeface="Latha"/>
+        <a:font script="Syrc" typeface="Estrangelo Edessa"/>
+        <a:font script="Orya" typeface="Kalinga"/>
+        <a:font script="Mlym" typeface="Kartika"/>
+        <a:font script="Laoo" typeface="DokChampa"/>
+        <a:font script="Sinh" typeface="Iskoola Pota"/>
+        <a:font script="Mong" typeface="Mongolian Baiti"/>
+        <a:font script="Viet" typeface="Arial"/>
+        <a:font script="Uigh" typeface="Microsoft Uighur"/>
+        <a:font script="Geor" typeface="Sylfaen"/>
+        <a:font script="Armn" typeface="Arial"/>
+        <a:font script="Bugi" typeface="Leelawadee UI"/>
+        <a:font script="Bopo" typeface="Microsoft JhengHei"/>
+        <a:font script="Java" typeface="Javanese Text"/>
+        <a:font script="Lisu" typeface="Segoe UI"/>
+        <a:font script="Mymr" typeface="Myanmar Text"/>
+        <a:font script="Nkoo" typeface="Ebrima"/>
+        <a:font script="Olck" typeface="Nirmala UI"/>
+        <a:font script="Osma" typeface="Ebrima"/>
+        <a:font script="Phag" typeface="Phagspa"/>
+        <a:font script="Syrn" typeface="Estrangelo Edessa"/>
+        <a:font script="Syrj" typeface="Estrangelo Edessa"/>
+        <a:font script="Syre" typeface="Estrangelo Edessa"/>
+        <a:font script="Sora" typeface="Nirmala UI"/>
+        <a:font script="Tale" typeface="Microsoft Tai Le"/>
+        <a:font script="Talu" typeface="Microsoft New Tai Lue"/>
+        <a:font script="Tfng" typeface="Ebrima"/>
+      </a:minorFont>
+    </a:fontScheme>
+    <a:fmtScheme name="Office">
+      <a:fillStyleLst>
+        <a:solidFill>
+          <a:schemeClr val="phClr"/>
+        </a:solidFill>
+        <a:gradFill rotWithShape="1">
+          <a:gsLst>
+            <a:gs pos="0">
+              <a:schemeClr val="phClr">
+                <a:lumMod val="110000"/>
+                <a:satMod val="105000"/>
+                <a:tint val="67000"/>
+              </a:schemeClr>
+            </a:gs>
+            <a:gs pos="50000">
+              <a:schemeClr val="phClr">
+                <a:lumMod val="105000"/>
+                <a:satMod val="103000"/>
+                <a:tint val="73000"/>
+              </a:schemeClr>
+            </a:gs>
+            <a:gs pos="100000">
+              <a:schemeClr val="phClr">
+                <a:lumMod val="105000"/>
+                <a:satMod val="109000"/>
+                <a:tint val="81000"/>
+              </a:schemeClr>
+            </a:gs>
+          </a:gsLst>
+          <a:lin ang="5400000" scaled="0"/>
+        </a:gradFill>
+        <a:gradFill rotWithShape="1">
+          <a:gsLst>
+            <a:gs pos="0">
+              <a:schemeClr val="phClr">
+                <a:satMod val="103000"/>
+                <a:lumMod val="102000"/>
+                <a:tint val="94000"/>
+              </a:schemeClr>
+            </a:gs>
+            <a:gs pos="50000">
+              <a:schemeClr val="phClr">
+                <a:satMod val="110000"/>
+                <a:lumMod val="100000"/>
+                <a:shade val="100000"/>
+              </a:schemeClr>
+            </a:gs>
+            <a:gs pos="100000">
+              <a:schemeClr val="phClr">
+                <a:lumMod val="99000"/>
+                <a:satMod val="120000"/>
+                <a:shade val="78000"/>
+              </a:schemeClr>
+            </a:gs>
+          </a:gsLst>
+          <a:lin ang="5400000" scaled="0"/>
+        </a:gradFill>
+      </a:fillStyleLst>
+      <a:lnStyleLst>
+        <a:ln w="6350" cap="flat" cmpd="sng" algn="ctr">
+          <a:solidFill>
+            <a:schemeClr val="phClr"/>
+          </a:solidFill>
+          <a:prstDash val="solid"/>
+          <a:miter lim="800000"/>
+        </a:ln>
+        <a:ln w="12700" cap="flat" cmpd="sng" algn="ctr">
+          <a:solidFill>
+            <a:schemeClr val="phClr"/>
+          </a:solidFill>
+          <a:prstDash val="solid"/>
+          <a:miter lim="800000"/>
+        </a:ln>
+        <a:ln w="19050" cap="flat" cmpd="sng" algn="ctr">
+          <a:solidFill>
+            <a:schemeClr val="phClr"/>
+          </a:solidFill>
+          <a:prstDash val="solid"/>
+          <a:miter lim="800000"/>
+        </a:ln>
+      </a:lnStyleLst>
+      <a:effectStyleLst>
+        <a:effectStyle>
+          <a:effectLst/>
+        </a:effectStyle>
+        <a:effectStyle>
+          <a:effectLst/>
+        </a:effectStyle>
+        <a:effectStyle>
+          <a:effectLst>
+            <a:outerShdw blurRad="57150" dist="19050" dir="5400000" algn="ctr" rotWithShape="0">
+              <a:srgbClr val="000000">
+                <a:alpha val="63000"/>
+              </a:srgbClr>
+            </a:outerShdw>
+          </a:effectLst>
+        </a:effectStyle>
+      </a:effectStyleLst>
+      <a:bgFillStyleLst>
+        <a:solidFill>
+          <a:schemeClr val="phClr"/>
+        </a:solidFill>
+        <a:solidFill>
+          <a:schemeClr val="phClr">
+            <a:tint val="95000"/>
+            <a:satMod val="170000"/>
+          </a:schemeClr>
+        </a:solidFill>
+        <a:gradFill rotWithShape="1">
+          <a:gsLst>
+            <a:gs pos="0">
+              <a:schemeClr val="phClr">
+                <a:tint val="93000"/>
+                <a:satMod val="150000"/>
+                <a:shade val="98000"/>
+                <a:lumMod val="102000"/>
+              </a:schemeClr>
+            </a:gs>
+            <a:gs pos="50000">
+              <a:schemeClr val="phClr">
+                <a:tint val="98000"/>
+                <a:satMod val="130000"/>
+                <a:shade val="90000"/>
+                <a:lumMod val="103000"/>
+              </a:schemeClr>
+            </a:gs>
+            <a:gs pos="100000">
+              <a:schemeClr val="phClr">
+                <a:shade val="63000"/>
+                <a:satMod val="120000"/>
+              </a:schemeClr>
+            </a:gs>
+          </a:gsLst>
+          <a:lin ang="5400000" scaled="0"/>
+        </a:gradFill>
+      </a:bgFillStyleLst>
+    </a:fmtScheme>
+  </a:themeElements>
+  <a:objectDefaults/>
+  <a:extraClrSchemeLst/>
+  <a:extLst>
+    <a:ext uri="{05A4C25C-085E-4340-85A3-A5531E510DB2}">
+      <thm15:themeFamily xmlns:thm15="http://schemas.microsoft.com/office/thememl/2012/main" name="Office Theme" id="{62F939B6-93AF-4DB8-9C6B-D6C7DFDC589F}" vid="{4A3C46E8-61CC-4603-A589-7422A47A8E4A}"/>
+    </a:ext>
+  </a:extLst>
+</a:theme>
 </file>
--- a/poster.pptx
+++ b/poster.pptx
@@ -208,7 +208,7 @@
           <a:p>
             <a:fld id="{7BF4F38B-4B3B-DA46-A84C-9889022A24A4}" type="datetimeFigureOut">
               <a:rPr kumimoji="1" lang="ja-JP" altLang="en-US" smtClean="0"/>
-              <a:t>2019/7/19</a:t>
+              <a:t>2019/7/30</a:t>
             </a:fld>
             <a:endParaRPr kumimoji="1" lang="ja-JP" altLang="en-US"/>
           </a:p>
@@ -771,7 +771,7 @@
             <a:fld id="{DCD420D7-458A-704B-9C57-3EFCD1EEA13A}" type="datetimeFigureOut">
               <a:rPr lang="ja-JP" altLang="en-US" smtClean="0"/>
               <a:pPr/>
-              <a:t>2019/7/18</a:t>
+              <a:t>2019/7/30</a:t>
             </a:fld>
             <a:endParaRPr lang="ja-JP" altLang="en-US"/>
           </a:p>
@@ -968,7 +968,7 @@
             <a:fld id="{DCD420D7-458A-704B-9C57-3EFCD1EEA13A}" type="datetimeFigureOut">
               <a:rPr lang="ja-JP" altLang="en-US" smtClean="0"/>
               <a:pPr/>
-              <a:t>2019/7/18</a:t>
+              <a:t>2019/7/30</a:t>
             </a:fld>
             <a:endParaRPr lang="ja-JP" altLang="en-US"/>
           </a:p>
@@ -1175,7 +1175,7 @@
             <a:fld id="{DCD420D7-458A-704B-9C57-3EFCD1EEA13A}" type="datetimeFigureOut">
               <a:rPr lang="ja-JP" altLang="en-US" smtClean="0"/>
               <a:pPr/>
-              <a:t>2019/7/18</a:t>
+              <a:t>2019/7/30</a:t>
             </a:fld>
             <a:endParaRPr lang="ja-JP" altLang="en-US"/>
           </a:p>
@@ -1372,7 +1372,7 @@
             <a:fld id="{DCD420D7-458A-704B-9C57-3EFCD1EEA13A}" type="datetimeFigureOut">
               <a:rPr lang="ja-JP" altLang="en-US" smtClean="0"/>
               <a:pPr/>
-              <a:t>2019/7/18</a:t>
+              <a:t>2019/7/30</a:t>
             </a:fld>
             <a:endParaRPr lang="ja-JP" altLang="en-US"/>
           </a:p>
@@ -1614,7 +1614,7 @@
             <a:fld id="{DCD420D7-458A-704B-9C57-3EFCD1EEA13A}" type="datetimeFigureOut">
               <a:rPr lang="ja-JP" altLang="en-US" smtClean="0"/>
               <a:pPr/>
-              <a:t>2019/7/18</a:t>
+              <a:t>2019/7/30</a:t>
             </a:fld>
             <a:endParaRPr lang="ja-JP" altLang="en-US"/>
           </a:p>
@@ -1960,7 +1960,7 @@
             <a:fld id="{DCD420D7-458A-704B-9C57-3EFCD1EEA13A}" type="datetimeFigureOut">
               <a:rPr lang="ja-JP" altLang="en-US" smtClean="0"/>
               <a:pPr/>
-              <a:t>2019/7/18</a:t>
+              <a:t>2019/7/30</a:t>
             </a:fld>
             <a:endParaRPr lang="ja-JP" altLang="en-US"/>
           </a:p>
@@ -2440,7 +2440,7 @@
             <a:fld id="{DCD420D7-458A-704B-9C57-3EFCD1EEA13A}" type="datetimeFigureOut">
               <a:rPr lang="ja-JP" altLang="en-US" smtClean="0"/>
               <a:pPr/>
-              <a:t>2019/7/18</a:t>
+              <a:t>2019/7/30</a:t>
             </a:fld>
             <a:endParaRPr lang="ja-JP" altLang="en-US"/>
           </a:p>
@@ -2554,7 +2554,7 @@
             <a:fld id="{DCD420D7-458A-704B-9C57-3EFCD1EEA13A}" type="datetimeFigureOut">
               <a:rPr lang="ja-JP" altLang="en-US" smtClean="0"/>
               <a:pPr/>
-              <a:t>2019/7/18</a:t>
+              <a:t>2019/7/30</a:t>
             </a:fld>
             <a:endParaRPr lang="ja-JP" altLang="en-US"/>
           </a:p>
@@ -2646,7 +2646,7 @@
             <a:fld id="{DCD420D7-458A-704B-9C57-3EFCD1EEA13A}" type="datetimeFigureOut">
               <a:rPr lang="ja-JP" altLang="en-US" smtClean="0"/>
               <a:pPr/>
-              <a:t>2019/7/18</a:t>
+              <a:t>2019/7/30</a:t>
             </a:fld>
             <a:endParaRPr lang="ja-JP" altLang="en-US"/>
           </a:p>
@@ -2950,7 +2950,7 @@
             <a:fld id="{DCD420D7-458A-704B-9C57-3EFCD1EEA13A}" type="datetimeFigureOut">
               <a:rPr lang="ja-JP" altLang="en-US" smtClean="0"/>
               <a:pPr/>
-              <a:t>2019/7/18</a:t>
+              <a:t>2019/7/30</a:t>
             </a:fld>
             <a:endParaRPr lang="ja-JP" altLang="en-US"/>
           </a:p>
@@ -3199,7 +3199,7 @@
             <a:fld id="{DCD420D7-458A-704B-9C57-3EFCD1EEA13A}" type="datetimeFigureOut">
               <a:rPr lang="ja-JP" altLang="en-US" smtClean="0"/>
               <a:pPr/>
-              <a:t>2019/7/18</a:t>
+              <a:t>2019/7/30</a:t>
             </a:fld>
             <a:endParaRPr lang="ja-JP" altLang="en-US"/>
           </a:p>
@@ -3439,7 +3439,7 @@
             <a:fld id="{DCD420D7-458A-704B-9C57-3EFCD1EEA13A}" type="datetimeFigureOut">
               <a:rPr lang="ja-JP" altLang="en-US" smtClean="0"/>
               <a:pPr/>
-              <a:t>2019/7/18</a:t>
+              <a:t>2019/7/30</a:t>
             </a:fld>
             <a:endParaRPr lang="ja-JP" altLang="en-US"/>
           </a:p>
@@ -4010,7 +4010,7 @@
         <p:spPr>
           <a:xfrm>
             <a:off x="262256" y="1619159"/>
-            <a:ext cx="4322996" cy="1668149"/>
+            <a:ext cx="4322996" cy="1791260"/>
           </a:xfrm>
           <a:prstGeom prst="rect">
             <a:avLst/>
@@ -4046,27 +4046,41 @@
           <a:p>
             <a:pPr algn="just"/>
             <a:r>
-              <a:rPr lang="ja-JP" altLang="en-US" sz="1600">
+              <a:rPr lang="ja-JP" altLang="en-US" sz="1500">
                 <a:latin typeface="Hiragino Kaku Gothic Pro W3" panose="020B0300000000000000" pitchFamily="34" charset="-128"/>
                 <a:ea typeface="Hiragino Kaku Gothic Pro W3" panose="020B0300000000000000" pitchFamily="34" charset="-128"/>
               </a:rPr>
               <a:t>　歌の歌詞に出現する語彙を分析する研究はすでにいくつかなされている</a:t>
             </a:r>
             <a:r>
-              <a:rPr lang="en-US" altLang="ja-JP" sz="1600" baseline="30000" dirty="0">
+              <a:rPr lang="en-US" altLang="ja-JP" sz="1500" baseline="30000" dirty="0">
                 <a:latin typeface="Hiragino Kaku Gothic Pro W3" panose="020B0300000000000000" pitchFamily="34" charset="-128"/>
                 <a:ea typeface="Hiragino Kaku Gothic Pro W3" panose="020B0300000000000000" pitchFamily="34" charset="-128"/>
               </a:rPr>
               <a:t>[1][2]</a:t>
             </a:r>
             <a:r>
-              <a:rPr lang="ja-JP" altLang="en-US" sz="1600">
-                <a:latin typeface="Hiragino Kaku Gothic Pro W3" panose="020B0300000000000000" pitchFamily="34" charset="-128"/>
-                <a:ea typeface="Hiragino Kaku Gothic Pro W3" panose="020B0300000000000000" pitchFamily="34" charset="-128"/>
-              </a:rPr>
-              <a:t>。今回は、カラオケでよく歌われる曲の歌詞について形態素解析を行い、ヒット音楽との違いについて考察する。</a:t>
-            </a:r>
-            <a:endParaRPr kumimoji="1" lang="ja-JP" altLang="en-US" sz="1600" dirty="0">
+              <a:rPr lang="ja-JP" altLang="en-US" sz="1500">
+                <a:latin typeface="Hiragino Kaku Gothic Pro W3" panose="020B0300000000000000" pitchFamily="34" charset="-128"/>
+                <a:ea typeface="Hiragino Kaku Gothic Pro W3" panose="020B0300000000000000" pitchFamily="34" charset="-128"/>
+              </a:rPr>
+              <a:t>。狩歌</a:t>
+            </a:r>
+            <a:r>
+              <a:rPr lang="en-US" altLang="ja-JP" sz="1500" baseline="30000" dirty="0">
+                <a:latin typeface="Hiragino Kaku Gothic Pro W3" panose="020B0300000000000000" pitchFamily="34" charset="-128"/>
+                <a:ea typeface="Hiragino Kaku Gothic Pro W3" panose="020B0300000000000000" pitchFamily="34" charset="-128"/>
+              </a:rPr>
+              <a:t>[3]</a:t>
+            </a:r>
+            <a:r>
+              <a:rPr lang="ja-JP" altLang="en-US" sz="1500">
+                <a:latin typeface="Hiragino Kaku Gothic Pro W3" panose="020B0300000000000000" pitchFamily="34" charset="-128"/>
+                <a:ea typeface="Hiragino Kaku Gothic Pro W3" panose="020B0300000000000000" pitchFamily="34" charset="-128"/>
+              </a:rPr>
+              <a:t>という歌詞によく出現する語を使用したボードゲームも知られている。今回は、カラオケでよく歌われる曲の歌詞について形態素解析を行い、ヒット音楽との違いについて考察する。</a:t>
+            </a:r>
+            <a:endParaRPr kumimoji="1" lang="ja-JP" altLang="en-US" sz="1500" dirty="0">
               <a:latin typeface="Hiragino Kaku Gothic Pro W3" panose="020B0300000000000000" pitchFamily="34" charset="-128"/>
               <a:ea typeface="Hiragino Kaku Gothic Pro W3" panose="020B0300000000000000" pitchFamily="34" charset="-128"/>
             </a:endParaRPr>
@@ -4088,7 +4102,7 @@
         <p:spPr>
           <a:xfrm>
             <a:off x="5015948" y="1619159"/>
-            <a:ext cx="4322996" cy="3114699"/>
+            <a:ext cx="4322996" cy="3176254"/>
           </a:xfrm>
           <a:prstGeom prst="rect">
             <a:avLst/>
@@ -4124,27 +4138,55 @@
           <a:p>
             <a:pPr algn="just"/>
             <a:r>
-              <a:rPr lang="ja-JP" altLang="en-US" sz="1600">
-                <a:latin typeface="Hiragino Kaku Gothic Pro W3" panose="020B0300000000000000" pitchFamily="34" charset="-128"/>
-                <a:ea typeface="Hiragino Kaku Gothic Pro W3" panose="020B0300000000000000" pitchFamily="34" charset="-128"/>
-              </a:rPr>
-              <a:t>　カラオケと</a:t>
-            </a:r>
-            <a:r>
-              <a:rPr lang="en-US" altLang="ja-JP" sz="1600" dirty="0">
+              <a:rPr lang="ja-JP" altLang="en-US" sz="1500">
+                <a:latin typeface="Hiragino Kaku Gothic Pro W3" panose="020B0300000000000000" pitchFamily="34" charset="-128"/>
+                <a:ea typeface="Hiragino Kaku Gothic Pro W3" panose="020B0300000000000000" pitchFamily="34" charset="-128"/>
+              </a:rPr>
+              <a:t>　図</a:t>
+            </a:r>
+            <a:r>
+              <a:rPr lang="en-US" altLang="ja-JP" sz="1500" dirty="0">
+                <a:latin typeface="Hiragino Kaku Gothic Pro W3" panose="020B0300000000000000" pitchFamily="34" charset="-128"/>
+                <a:ea typeface="Hiragino Kaku Gothic Pro W3" panose="020B0300000000000000" pitchFamily="34" charset="-128"/>
+              </a:rPr>
+              <a:t>1</a:t>
+            </a:r>
+            <a:r>
+              <a:rPr lang="ja-JP" altLang="en-US" sz="1500">
+                <a:latin typeface="Hiragino Kaku Gothic Pro W3" panose="020B0300000000000000" pitchFamily="34" charset="-128"/>
+                <a:ea typeface="Hiragino Kaku Gothic Pro W3" panose="020B0300000000000000" pitchFamily="34" charset="-128"/>
+              </a:rPr>
+              <a:t>より、カラオケと</a:t>
+            </a:r>
+            <a:r>
+              <a:rPr lang="en-US" altLang="ja-JP" sz="1500" dirty="0">
                 <a:latin typeface="Hiragino Kaku Gothic Pro W3" panose="020B0300000000000000" pitchFamily="34" charset="-128"/>
                 <a:ea typeface="Hiragino Kaku Gothic Pro W3" panose="020B0300000000000000" pitchFamily="34" charset="-128"/>
               </a:rPr>
               <a:t>USEN</a:t>
             </a:r>
             <a:r>
-              <a:rPr lang="ja-JP" altLang="en-US" sz="1600">
-                <a:latin typeface="Hiragino Kaku Gothic Pro W3" panose="020B0300000000000000" pitchFamily="34" charset="-128"/>
-                <a:ea typeface="Hiragino Kaku Gothic Pro W3" panose="020B0300000000000000" pitchFamily="34" charset="-128"/>
-              </a:rPr>
-              <a:t>における語の出現率には強い正の相関があることがわかる。両方のランキングに出現する曲もあるものの、全体として含まれる語に大きな違いはないと言える。また、「恋」「好き」「抱きしめる」など恋愛に関連する語が多く出現している。</a:t>
-            </a:r>
-            <a:endParaRPr lang="en-US" altLang="ja-JP" sz="1600" dirty="0">
+              <a:rPr lang="ja-JP" altLang="en-US" sz="1500">
+                <a:latin typeface="Hiragino Kaku Gothic Pro W3" panose="020B0300000000000000" pitchFamily="34" charset="-128"/>
+                <a:ea typeface="Hiragino Kaku Gothic Pro W3" panose="020B0300000000000000" pitchFamily="34" charset="-128"/>
+              </a:rPr>
+              <a:t>における語の出現率には強い正の相関があることがわかる。両方のランキングに出現する曲も</a:t>
+            </a:r>
+            <a:r>
+              <a:rPr lang="en-US" altLang="ja-JP" sz="1500" dirty="0">
+                <a:latin typeface="Hiragino Kaku Gothic Pro W3" panose="020B0300000000000000" pitchFamily="34" charset="-128"/>
+                <a:ea typeface="Hiragino Kaku Gothic Pro W3" panose="020B0300000000000000" pitchFamily="34" charset="-128"/>
+              </a:rPr>
+              <a:t>1</a:t>
+            </a:r>
+            <a:r>
+              <a:rPr lang="ja-JP" altLang="en-US" sz="1500">
+                <a:latin typeface="Hiragino Kaku Gothic Pro W3" panose="020B0300000000000000" pitchFamily="34" charset="-128"/>
+                <a:ea typeface="Hiragino Kaku Gothic Pro W3" panose="020B0300000000000000" pitchFamily="34" charset="-128"/>
+              </a:rPr>
+              <a:t>割程度あるものの、全体として含まれる語に大きな違いはないと言える。また、「恋」「好き」「抱きしめる」など恋愛に関連する語が多く出現している。</a:t>
+            </a:r>
+            <a:endParaRPr lang="en-US" altLang="ja-JP" sz="1500" dirty="0">
               <a:latin typeface="Hiragino Kaku Gothic Pro W3" panose="020B0300000000000000" pitchFamily="34" charset="-128"/>
               <a:ea typeface="Hiragino Kaku Gothic Pro W3" panose="020B0300000000000000" pitchFamily="34" charset="-128"/>
             </a:endParaRPr>
@@ -4152,27 +4194,13 @@
           <a:p>
             <a:pPr algn="just"/>
             <a:r>
-              <a:rPr lang="ja-JP" altLang="en-US" sz="1600">
-                <a:latin typeface="Hiragino Kaku Gothic Pro W3" panose="020B0300000000000000" pitchFamily="34" charset="-128"/>
-                <a:ea typeface="Hiragino Kaku Gothic Pro W3" panose="020B0300000000000000" pitchFamily="34" charset="-128"/>
-              </a:rPr>
-              <a:t>　「俺」「僕」「お前」「あんた」という一般に男性が使う人称代名詞は</a:t>
-            </a:r>
-            <a:r>
-              <a:rPr lang="en-US" altLang="ja-JP" sz="1600" dirty="0">
-                <a:latin typeface="Hiragino Kaku Gothic Pro W3" panose="020B0300000000000000" pitchFamily="34" charset="-128"/>
-                <a:ea typeface="Hiragino Kaku Gothic Pro W3" panose="020B0300000000000000" pitchFamily="34" charset="-128"/>
-              </a:rPr>
-              <a:t>USEN</a:t>
-            </a:r>
-            <a:r>
-              <a:rPr lang="ja-JP" altLang="en-US" sz="1600">
-                <a:latin typeface="Hiragino Kaku Gothic Pro W3" panose="020B0300000000000000" pitchFamily="34" charset="-128"/>
-                <a:ea typeface="Hiragino Kaku Gothic Pro W3" panose="020B0300000000000000" pitchFamily="34" charset="-128"/>
-              </a:rPr>
-              <a:t>の比率が高く、「あたし」「あなた」という一般に女性が使う代名詞はカラオケの比率が高い。カラオケの方が女性目線の曲が多いと言える。</a:t>
-            </a:r>
-            <a:endParaRPr lang="en-US" altLang="ja-JP" sz="1600" dirty="0">
+              <a:rPr lang="ja-JP" altLang="en-US" sz="1500">
+                <a:latin typeface="Hiragino Kaku Gothic Pro W3" panose="020B0300000000000000" pitchFamily="34" charset="-128"/>
+                <a:ea typeface="Hiragino Kaku Gothic Pro W3" panose="020B0300000000000000" pitchFamily="34" charset="-128"/>
+              </a:rPr>
+              <a:t>　抽出された語には人称代名詞も多い。「俺」「僕」「お前」「あんた」という一般に男性が使う人称代名詞はカラオケの比率が低く、「あたし」「あなた」という一般に女性が使う代名詞は高い。カラオケの方が女性目線の曲が多いと言える。</a:t>
+            </a:r>
+            <a:endParaRPr lang="en-US" altLang="ja-JP" sz="1500" dirty="0">
               <a:latin typeface="Hiragino Kaku Gothic Pro W3" panose="020B0300000000000000" pitchFamily="34" charset="-128"/>
               <a:ea typeface="Hiragino Kaku Gothic Pro W3" panose="020B0300000000000000" pitchFamily="34" charset="-128"/>
             </a:endParaRPr>
@@ -4193,8 +4221,8 @@
         </p:nvSpPr>
         <p:spPr>
           <a:xfrm>
-            <a:off x="262255" y="3299903"/>
-            <a:ext cx="4322996" cy="2437590"/>
+            <a:off x="262254" y="3418658"/>
+            <a:ext cx="4322996" cy="2252924"/>
           </a:xfrm>
           <a:prstGeom prst="rect">
             <a:avLst/>
@@ -4230,174 +4258,162 @@
           <a:p>
             <a:pPr algn="just" latinLnBrk="1"/>
             <a:r>
-              <a:rPr lang="ja-JP" altLang="en-US" sz="1800">
+              <a:rPr lang="ja-JP" altLang="en-US" sz="1500">
                 <a:latin typeface="Hiragino Kaku Gothic Pro W3" panose="020B0300000000000000" pitchFamily="34" charset="-128"/>
                 <a:ea typeface="Hiragino Kaku Gothic Pro W3" panose="020B0300000000000000" pitchFamily="34" charset="-128"/>
               </a:rPr>
               <a:t>　</a:t>
             </a:r>
             <a:r>
-              <a:rPr lang="en-US" altLang="ja-JP" sz="1600" dirty="0">
+              <a:rPr lang="en-US" altLang="ja-JP" sz="1500" dirty="0">
                 <a:latin typeface="Hiragino Kaku Gothic Pro W3" panose="020B0300000000000000" pitchFamily="34" charset="-128"/>
                 <a:ea typeface="Hiragino Kaku Gothic Pro W3" panose="020B0300000000000000" pitchFamily="34" charset="-128"/>
               </a:rPr>
               <a:t>1980</a:t>
             </a:r>
             <a:r>
-              <a:rPr lang="ja-JP" altLang="en-US" sz="1600">
+              <a:rPr lang="ja-JP" altLang="en-US" sz="1500">
                 <a:latin typeface="Hiragino Kaku Gothic Pro W3" panose="020B0300000000000000" pitchFamily="34" charset="-128"/>
                 <a:ea typeface="Hiragino Kaku Gothic Pro W3" panose="020B0300000000000000" pitchFamily="34" charset="-128"/>
               </a:rPr>
               <a:t>年から</a:t>
             </a:r>
             <a:r>
-              <a:rPr lang="en-US" altLang="ja-JP" sz="1600" dirty="0">
+              <a:rPr lang="en-US" altLang="ja-JP" sz="1500" dirty="0">
                 <a:latin typeface="Hiragino Kaku Gothic Pro W3" panose="020B0300000000000000" pitchFamily="34" charset="-128"/>
                 <a:ea typeface="Hiragino Kaku Gothic Pro W3" panose="020B0300000000000000" pitchFamily="34" charset="-128"/>
               </a:rPr>
               <a:t>2018</a:t>
             </a:r>
             <a:r>
-              <a:rPr lang="ja-JP" altLang="en-US" sz="1600">
+              <a:rPr lang="ja-JP" altLang="en-US" sz="1500">
                 <a:latin typeface="Hiragino Kaku Gothic Pro W3" panose="020B0300000000000000" pitchFamily="34" charset="-128"/>
                 <a:ea typeface="Hiragino Kaku Gothic Pro W3" panose="020B0300000000000000" pitchFamily="34" charset="-128"/>
               </a:rPr>
               <a:t>年までのカラオケランキング・</a:t>
             </a:r>
             <a:r>
-              <a:rPr lang="en-US" altLang="ja-JP" sz="1600" dirty="0">
+              <a:rPr lang="en-US" altLang="ja-JP" sz="1500" dirty="0">
                 <a:latin typeface="Hiragino Kaku Gothic Pro W3" panose="020B0300000000000000" pitchFamily="34" charset="-128"/>
                 <a:ea typeface="Hiragino Kaku Gothic Pro W3" panose="020B0300000000000000" pitchFamily="34" charset="-128"/>
               </a:rPr>
               <a:t>USEN</a:t>
             </a:r>
             <a:r>
-              <a:rPr lang="ja-JP" altLang="en-US" sz="1600">
+              <a:rPr lang="ja-JP" altLang="en-US" sz="1500">
                 <a:latin typeface="Hiragino Kaku Gothic Pro W3" panose="020B0300000000000000" pitchFamily="34" charset="-128"/>
                 <a:ea typeface="Hiragino Kaku Gothic Pro W3" panose="020B0300000000000000" pitchFamily="34" charset="-128"/>
               </a:rPr>
               <a:t>ランキングを「エンタメデータ</a:t>
             </a:r>
             <a:r>
-              <a:rPr lang="en-US" altLang="ja-JP" sz="1600" dirty="0">
+              <a:rPr lang="en-US" altLang="ja-JP" sz="1500" dirty="0">
                 <a:latin typeface="Hiragino Kaku Gothic Pro W3" panose="020B0300000000000000" pitchFamily="34" charset="-128"/>
                 <a:ea typeface="Hiragino Kaku Gothic Pro W3" panose="020B0300000000000000" pitchFamily="34" charset="-128"/>
               </a:rPr>
               <a:t>&amp;</a:t>
             </a:r>
             <a:r>
-              <a:rPr lang="ja-JP" altLang="en-US" sz="1600">
+              <a:rPr lang="ja-JP" altLang="en-US" sz="1500">
                 <a:latin typeface="Hiragino Kaku Gothic Pro W3" panose="020B0300000000000000" pitchFamily="34" charset="-128"/>
                 <a:ea typeface="Hiragino Kaku Gothic Pro W3" panose="020B0300000000000000" pitchFamily="34" charset="-128"/>
               </a:rPr>
               <a:t>ランキング」</a:t>
             </a:r>
             <a:r>
-              <a:rPr lang="en-US" altLang="ja-JP" sz="1600" dirty="0">
+              <a:rPr lang="en-US" altLang="ja-JP" sz="1500" dirty="0">
                 <a:latin typeface="Hiragino Kaku Gothic Pro W3" panose="020B0300000000000000" pitchFamily="34" charset="-128"/>
                 <a:ea typeface="Hiragino Kaku Gothic Pro W3" panose="020B0300000000000000" pitchFamily="34" charset="-128"/>
               </a:rPr>
               <a:t>(</a:t>
             </a:r>
             <a:r>
-              <a:rPr lang="en-US" altLang="ja-JP" sz="1600" dirty="0">
+              <a:rPr lang="en-US" altLang="ja-JP" sz="1500" dirty="0">
                 <a:latin typeface="Ricty Discord" panose="020B0509020203020207" pitchFamily="49" charset="-128"/>
                 <a:ea typeface="Ricty Discord" panose="020B0509020203020207" pitchFamily="49" charset="-128"/>
-              </a:rPr>
-              <a:t>https://entamedata.web.fc2.com/</a:t>
-            </a:r>
-            <a:r>
-              <a:rPr lang="en-US" altLang="ja-JP" sz="1600" dirty="0" err="1">
+                <a:hlinkClick r:id="rId3"/>
+              </a:rPr>
+              <a:t>https://entamedata.web.fc2.com/index.html</a:t>
+            </a:r>
+            <a:r>
+              <a:rPr lang="en-US" altLang="ja-JP" sz="1500" dirty="0">
+                <a:latin typeface="Hiragino Kaku Gothic Pro W3" panose="020B0300000000000000" pitchFamily="34" charset="-128"/>
+                <a:ea typeface="Hiragino Kaku Gothic Pro W3" panose="020B0300000000000000" pitchFamily="34" charset="-128"/>
+              </a:rPr>
+              <a:t>)</a:t>
+            </a:r>
+            <a:r>
+              <a:rPr lang="ja-JP" altLang="en-US" sz="1500">
+                <a:latin typeface="Hiragino Kaku Gothic Pro W3" panose="020B0300000000000000" pitchFamily="34" charset="-128"/>
+                <a:ea typeface="Hiragino Kaku Gothic Pro W3" panose="020B0300000000000000" pitchFamily="34" charset="-128"/>
+              </a:rPr>
+              <a:t>より取得する。ランキングに出現した歌の歌詞を「</a:t>
+            </a:r>
+            <a:r>
+              <a:rPr lang="en-US" altLang="ja-JP" sz="1500" dirty="0">
+                <a:latin typeface="Hiragino Kaku Gothic Pro W3" panose="020B0300000000000000" pitchFamily="34" charset="-128"/>
+                <a:ea typeface="Hiragino Kaku Gothic Pro W3" panose="020B0300000000000000" pitchFamily="34" charset="-128"/>
+              </a:rPr>
+              <a:t>J-</a:t>
+            </a:r>
+            <a:r>
+              <a:rPr lang="en-US" altLang="ja-JP" sz="1500" dirty="0" err="1">
+                <a:latin typeface="Hiragino Kaku Gothic Pro W3" panose="020B0300000000000000" pitchFamily="34" charset="-128"/>
+                <a:ea typeface="Hiragino Kaku Gothic Pro W3" panose="020B0300000000000000" pitchFamily="34" charset="-128"/>
+              </a:rPr>
+              <a:t>Lyric.net</a:t>
+            </a:r>
+            <a:r>
+              <a:rPr lang="ja-JP" altLang="en-US" sz="1500">
+                <a:latin typeface="Hiragino Kaku Gothic Pro W3" panose="020B0300000000000000" pitchFamily="34" charset="-128"/>
+                <a:ea typeface="Hiragino Kaku Gothic Pro W3" panose="020B0300000000000000" pitchFamily="34" charset="-128"/>
+              </a:rPr>
+              <a:t>」</a:t>
+            </a:r>
+            <a:r>
+              <a:rPr lang="en-US" altLang="ja-JP" sz="1500" dirty="0">
+                <a:latin typeface="Hiragino Kaku Gothic Pro W3" panose="020B0300000000000000" pitchFamily="34" charset="-128"/>
+                <a:ea typeface="Hiragino Kaku Gothic Pro W3" panose="020B0300000000000000" pitchFamily="34" charset="-128"/>
+              </a:rPr>
+              <a:t>(</a:t>
+            </a:r>
+            <a:r>
+              <a:rPr lang="en-US" altLang="ja-JP" sz="1500" dirty="0">
                 <a:latin typeface="Ricty Discord" panose="020B0509020203020207" pitchFamily="49" charset="-128"/>
                 <a:ea typeface="Ricty Discord" panose="020B0509020203020207" pitchFamily="49" charset="-128"/>
-              </a:rPr>
-              <a:t>index.html</a:t>
-            </a:r>
-            <a:r>
-              <a:rPr lang="en-US" altLang="ja-JP" sz="1600" dirty="0">
-                <a:latin typeface="Hiragino Kaku Gothic Pro W3" panose="020B0300000000000000" pitchFamily="34" charset="-128"/>
-                <a:ea typeface="Hiragino Kaku Gothic Pro W3" panose="020B0300000000000000" pitchFamily="34" charset="-128"/>
-              </a:rPr>
-              <a:t>)</a:t>
-            </a:r>
-            <a:r>
-              <a:rPr lang="ja-JP" altLang="en-US" sz="1600">
-                <a:latin typeface="Hiragino Kaku Gothic Pro W3" panose="020B0300000000000000" pitchFamily="34" charset="-128"/>
-                <a:ea typeface="Hiragino Kaku Gothic Pro W3" panose="020B0300000000000000" pitchFamily="34" charset="-128"/>
-              </a:rPr>
-              <a:t>より取得する。ランキングに出現した歌の歌詞を「</a:t>
-            </a:r>
-            <a:r>
-              <a:rPr lang="en-US" altLang="ja-JP" sz="1600" dirty="0">
-                <a:latin typeface="Hiragino Kaku Gothic Pro W3" panose="020B0300000000000000" pitchFamily="34" charset="-128"/>
-                <a:ea typeface="Hiragino Kaku Gothic Pro W3" panose="020B0300000000000000" pitchFamily="34" charset="-128"/>
-              </a:rPr>
-              <a:t>J-</a:t>
-            </a:r>
-            <a:r>
-              <a:rPr lang="en-US" altLang="ja-JP" sz="1600" dirty="0" err="1">
-                <a:latin typeface="Hiragino Kaku Gothic Pro W3" panose="020B0300000000000000" pitchFamily="34" charset="-128"/>
-                <a:ea typeface="Hiragino Kaku Gothic Pro W3" panose="020B0300000000000000" pitchFamily="34" charset="-128"/>
-              </a:rPr>
-              <a:t>Lyric.net</a:t>
-            </a:r>
-            <a:r>
-              <a:rPr lang="ja-JP" altLang="en-US" sz="1600">
-                <a:latin typeface="Hiragino Kaku Gothic Pro W3" panose="020B0300000000000000" pitchFamily="34" charset="-128"/>
-                <a:ea typeface="Hiragino Kaku Gothic Pro W3" panose="020B0300000000000000" pitchFamily="34" charset="-128"/>
-              </a:rPr>
-              <a:t>」</a:t>
-            </a:r>
-            <a:r>
-              <a:rPr lang="en-US" altLang="ja-JP" sz="1600" dirty="0">
-                <a:latin typeface="Hiragino Kaku Gothic Pro W3" panose="020B0300000000000000" pitchFamily="34" charset="-128"/>
-                <a:ea typeface="Hiragino Kaku Gothic Pro W3" panose="020B0300000000000000" pitchFamily="34" charset="-128"/>
-              </a:rPr>
-              <a:t>(</a:t>
-            </a:r>
-            <a:r>
-              <a:rPr lang="en-US" altLang="ja-JP" sz="1600" dirty="0">
+                <a:hlinkClick r:id="rId4"/>
+              </a:rPr>
+              <a:t>http://j-lyric.net/</a:t>
+            </a:r>
+            <a:r>
+              <a:rPr lang="en-US" altLang="ja-JP" sz="1500" dirty="0">
                 <a:latin typeface="Ricty Discord" panose="020B0509020203020207" pitchFamily="49" charset="-128"/>
                 <a:ea typeface="Ricty Discord" panose="020B0509020203020207" pitchFamily="49" charset="-128"/>
               </a:rPr>
-              <a:t>http://j-</a:t>
-            </a:r>
-            <a:r>
-              <a:rPr lang="en-US" altLang="ja-JP" sz="1600" dirty="0" err="1">
-                <a:latin typeface="Ricty Discord" panose="020B0509020203020207" pitchFamily="49" charset="-128"/>
-                <a:ea typeface="Ricty Discord" panose="020B0509020203020207" pitchFamily="49" charset="-128"/>
-              </a:rPr>
-              <a:t>lyric.net</a:t>
-            </a:r>
-            <a:r>
-              <a:rPr lang="en-US" altLang="ja-JP" sz="1600" dirty="0">
-                <a:latin typeface="Ricty Discord" panose="020B0509020203020207" pitchFamily="49" charset="-128"/>
-                <a:ea typeface="Ricty Discord" panose="020B0509020203020207" pitchFamily="49" charset="-128"/>
-              </a:rPr>
-              <a:t>/)</a:t>
-            </a:r>
-            <a:r>
-              <a:rPr lang="ja-JP" altLang="en-US" sz="1600">
+              <a:t>)</a:t>
+            </a:r>
+            <a:r>
+              <a:rPr lang="ja-JP" altLang="en-US" sz="1500">
                 <a:latin typeface="Hiragino Kaku Gothic Pro W3" panose="020B0300000000000000" pitchFamily="34" charset="-128"/>
                 <a:ea typeface="Hiragino Kaku Gothic Pro W3" panose="020B0300000000000000" pitchFamily="34" charset="-128"/>
               </a:rPr>
               <a:t>より取得する。それらの歌詞を</a:t>
             </a:r>
             <a:r>
-              <a:rPr lang="en-US" altLang="ja-JP" sz="1600" dirty="0" err="1">
+              <a:rPr lang="en-US" altLang="ja-JP" sz="1500" dirty="0" err="1">
                 <a:latin typeface="Hiragino Kaku Gothic Pro W3" panose="020B0300000000000000" pitchFamily="34" charset="-128"/>
                 <a:ea typeface="Hiragino Kaku Gothic Pro W3" panose="020B0300000000000000" pitchFamily="34" charset="-128"/>
               </a:rPr>
               <a:t>MeCab</a:t>
             </a:r>
             <a:r>
-              <a:rPr lang="ja-JP" altLang="en-US" sz="1600">
-                <a:latin typeface="Hiragino Kaku Gothic Pro W3" panose="020B0300000000000000" pitchFamily="34" charset="-128"/>
-                <a:ea typeface="Hiragino Kaku Gothic Pro W3" panose="020B0300000000000000" pitchFamily="34" charset="-128"/>
-              </a:rPr>
-              <a:t>で形態素解析し、語彙の出現回数を数える。</a:t>
-            </a:r>
-            <a:endParaRPr kumimoji="1" lang="ja-JP" altLang="en-US" sz="1800" dirty="0">
+              <a:rPr lang="ja-JP" altLang="en-US" sz="1500">
+                <a:latin typeface="Hiragino Kaku Gothic Pro W3" panose="020B0300000000000000" pitchFamily="34" charset="-128"/>
+                <a:ea typeface="Hiragino Kaku Gothic Pro W3" panose="020B0300000000000000" pitchFamily="34" charset="-128"/>
+              </a:rPr>
+              <a:t>で形態素解析し、助詞などの不要語を除いた上で語彙の出現回数を数える。</a:t>
+            </a:r>
+            <a:endParaRPr kumimoji="1" lang="ja-JP" altLang="en-US" sz="1500" dirty="0">
               <a:latin typeface="Hiragino Kaku Gothic Pro W3" panose="020B0300000000000000" pitchFamily="34" charset="-128"/>
               <a:ea typeface="Hiragino Kaku Gothic Pro W3" panose="020B0300000000000000" pitchFamily="34" charset="-128"/>
             </a:endParaRPr>
@@ -4418,8 +4434,8 @@
         </p:nvSpPr>
         <p:spPr>
           <a:xfrm>
-            <a:off x="5034682" y="7011405"/>
-            <a:ext cx="4322996" cy="837152"/>
+            <a:off x="5015948" y="6874657"/>
+            <a:ext cx="4322996" cy="1021818"/>
           </a:xfrm>
           <a:prstGeom prst="rect">
             <a:avLst/>
@@ -4509,6 +4525,55 @@
                 <a:ea typeface="Hiragino Kaku Gothic Pro W3" panose="020B0300000000000000" pitchFamily="34" charset="-128"/>
               </a:rPr>
               <a:t>ヒットソング歌詞の変遷</a:t>
+            </a:r>
+            <a:endParaRPr lang="en-US" altLang="ja-JP" sz="1400" dirty="0">
+              <a:latin typeface="Hiragino Kaku Gothic Pro W3" panose="020B0300000000000000" pitchFamily="34" charset="-128"/>
+              <a:ea typeface="Hiragino Kaku Gothic Pro W3" panose="020B0300000000000000" pitchFamily="34" charset="-128"/>
+            </a:endParaRPr>
+          </a:p>
+          <a:p>
+            <a:pPr algn="just"/>
+            <a:r>
+              <a:rPr lang="en-US" altLang="ja-JP" sz="1400" dirty="0">
+                <a:latin typeface="Hiragino Kaku Gothic Pro W3" panose="020B0300000000000000" pitchFamily="34" charset="-128"/>
+                <a:ea typeface="Hiragino Kaku Gothic Pro W3" panose="020B0300000000000000" pitchFamily="34" charset="-128"/>
+              </a:rPr>
+              <a:t>[3] </a:t>
+            </a:r>
+            <a:r>
+              <a:rPr lang="en-US" altLang="ja-JP" sz="1400" dirty="0" err="1">
+                <a:latin typeface="Hiragino Kaku Gothic Pro W3" panose="020B0300000000000000" pitchFamily="34" charset="-128"/>
+                <a:ea typeface="Hiragino Kaku Gothic Pro W3" panose="020B0300000000000000" pitchFamily="34" charset="-128"/>
+              </a:rPr>
+              <a:t>Xaquinel</a:t>
+            </a:r>
+            <a:r>
+              <a:rPr lang="en-US" altLang="ja-JP" sz="1400" dirty="0">
+                <a:latin typeface="Hiragino Kaku Gothic Pro W3" panose="020B0300000000000000" pitchFamily="34" charset="-128"/>
+                <a:ea typeface="Hiragino Kaku Gothic Pro W3" panose="020B0300000000000000" pitchFamily="34" charset="-128"/>
+              </a:rPr>
+              <a:t>(2016) J-POP</a:t>
+            </a:r>
+            <a:r>
+              <a:rPr lang="ja-JP" altLang="en-US" sz="1400">
+                <a:latin typeface="Hiragino Kaku Gothic Pro W3" panose="020B0300000000000000" pitchFamily="34" charset="-128"/>
+                <a:ea typeface="Hiragino Kaku Gothic Pro W3" panose="020B0300000000000000" pitchFamily="34" charset="-128"/>
+              </a:rPr>
+              <a:t>かるた</a:t>
+            </a:r>
+            <a:r>
+              <a:rPr lang="en-US" altLang="ja-JP" sz="1400" dirty="0">
+                <a:latin typeface="Hiragino Kaku Gothic Pro W3" panose="020B0300000000000000" pitchFamily="34" charset="-128"/>
+                <a:ea typeface="Hiragino Kaku Gothic Pro W3" panose="020B0300000000000000" pitchFamily="34" charset="-128"/>
+              </a:rPr>
+              <a:t> </a:t>
+            </a:r>
+            <a:r>
+              <a:rPr lang="ja-JP" altLang="en-US" sz="1400">
+                <a:latin typeface="Hiragino Kaku Gothic Pro W3" panose="020B0300000000000000" pitchFamily="34" charset="-128"/>
+                <a:ea typeface="Hiragino Kaku Gothic Pro W3" panose="020B0300000000000000" pitchFamily="34" charset="-128"/>
+              </a:rPr>
+              <a:t>狩歌</a:t>
             </a:r>
             <a:endParaRPr lang="ja-JP" altLang="en-US" sz="1400" dirty="0">
               <a:latin typeface="Hiragino Kaku Gothic Pro W3" panose="020B0300000000000000" pitchFamily="34" charset="-128"/>
@@ -4531,8 +4596,8 @@
         </p:nvSpPr>
         <p:spPr>
           <a:xfrm>
-            <a:off x="262255" y="5750088"/>
-            <a:ext cx="4322996" cy="2376035"/>
+            <a:off x="262254" y="5679821"/>
+            <a:ext cx="4322996" cy="2483757"/>
           </a:xfrm>
           <a:prstGeom prst="rect">
             <a:avLst/>
@@ -4568,41 +4633,55 @@
           <a:p>
             <a:pPr algn="just" latinLnBrk="1"/>
             <a:r>
-              <a:rPr lang="ja-JP" altLang="en-US" sz="1600">
+              <a:rPr lang="ja-JP" altLang="en-US" sz="1500">
                 <a:latin typeface="Hiragino Kaku Gothic Pro W3" panose="020B0300000000000000" pitchFamily="34" charset="-128"/>
                 <a:ea typeface="Hiragino Kaku Gothic Pro W3" panose="020B0300000000000000" pitchFamily="34" charset="-128"/>
               </a:rPr>
               <a:t>　各ランキングに登場する曲の歌詞全体について、出現数上位</a:t>
             </a:r>
             <a:r>
-              <a:rPr lang="en-US" altLang="ja-JP" sz="1600" dirty="0">
+              <a:rPr lang="en-US" altLang="ja-JP" sz="1500" dirty="0">
                 <a:latin typeface="Hiragino Kaku Gothic Pro W3" panose="020B0300000000000000" pitchFamily="34" charset="-128"/>
                 <a:ea typeface="Hiragino Kaku Gothic Pro W3" panose="020B0300000000000000" pitchFamily="34" charset="-128"/>
               </a:rPr>
               <a:t>100</a:t>
             </a:r>
             <a:r>
-              <a:rPr lang="ja-JP" altLang="en-US" sz="1600">
-                <a:latin typeface="Hiragino Kaku Gothic Pro W3" panose="020B0300000000000000" pitchFamily="34" charset="-128"/>
-                <a:ea typeface="Hiragino Kaku Gothic Pro W3" panose="020B0300000000000000" pitchFamily="34" charset="-128"/>
-              </a:rPr>
-              <a:t>語を抽出した。ただし、助詞や接続詞などの不要語は除外している。総出現数を曲数で割った値（以下、出現率）を散布図にしたものが図</a:t>
-            </a:r>
-            <a:r>
-              <a:rPr lang="en-US" altLang="ja-JP" sz="1600" dirty="0">
+              <a:rPr lang="ja-JP" altLang="en-US" sz="1500">
+                <a:latin typeface="Hiragino Kaku Gothic Pro W3" panose="020B0300000000000000" pitchFamily="34" charset="-128"/>
+                <a:ea typeface="Hiragino Kaku Gothic Pro W3" panose="020B0300000000000000" pitchFamily="34" charset="-128"/>
+              </a:rPr>
+              <a:t>語を抽出した。ただし、助詞や接続詞などの不要語は除外している。</a:t>
+            </a:r>
+            <a:r>
+              <a:rPr lang="en-US" altLang="ja-JP" sz="1500" dirty="0">
                 <a:latin typeface="Hiragino Kaku Gothic Pro W3" panose="020B0300000000000000" pitchFamily="34" charset="-128"/>
                 <a:ea typeface="Hiragino Kaku Gothic Pro W3" panose="020B0300000000000000" pitchFamily="34" charset="-128"/>
               </a:rPr>
               <a:t>1</a:t>
             </a:r>
             <a:r>
-              <a:rPr lang="ja-JP" altLang="en-US" sz="1600">
+              <a:rPr lang="ja-JP" altLang="en-US" sz="1500">
+                <a:latin typeface="Hiragino Kaku Gothic Pro W3" panose="020B0300000000000000" pitchFamily="34" charset="-128"/>
+                <a:ea typeface="Hiragino Kaku Gothic Pro W3" panose="020B0300000000000000" pitchFamily="34" charset="-128"/>
+              </a:rPr>
+              <a:t>曲あたりの語彙出現回数（以下、出現率）を散布図にしたものが図</a:t>
+            </a:r>
+            <a:r>
+              <a:rPr lang="en-US" altLang="ja-JP" sz="1500" dirty="0">
+                <a:latin typeface="Hiragino Kaku Gothic Pro W3" panose="020B0300000000000000" pitchFamily="34" charset="-128"/>
+                <a:ea typeface="Hiragino Kaku Gothic Pro W3" panose="020B0300000000000000" pitchFamily="34" charset="-128"/>
+              </a:rPr>
+              <a:t>1</a:t>
+            </a:r>
+            <a:r>
+              <a:rPr lang="ja-JP" altLang="en-US" sz="1500">
                 <a:latin typeface="Hiragino Kaku Gothic Pro W3" panose="020B0300000000000000" pitchFamily="34" charset="-128"/>
                 <a:ea typeface="Hiragino Kaku Gothic Pro W3" panose="020B0300000000000000" pitchFamily="34" charset="-128"/>
               </a:rPr>
               <a:t>である。</a:t>
             </a:r>
-            <a:endParaRPr lang="en-US" altLang="ja-JP" sz="1600" dirty="0">
+            <a:endParaRPr lang="en-US" altLang="ja-JP" sz="1500" dirty="0">
               <a:latin typeface="Hiragino Kaku Gothic Pro W3" panose="020B0300000000000000" pitchFamily="34" charset="-128"/>
               <a:ea typeface="Hiragino Kaku Gothic Pro W3" panose="020B0300000000000000" pitchFamily="34" charset="-128"/>
             </a:endParaRPr>
@@ -4610,55 +4689,69 @@
           <a:p>
             <a:pPr algn="just" latinLnBrk="1"/>
             <a:r>
-              <a:rPr lang="ja-JP" altLang="en-US" sz="1600">
-                <a:latin typeface="Hiragino Kaku Gothic Pro W3" panose="020B0300000000000000" pitchFamily="34" charset="-128"/>
-                <a:ea typeface="Hiragino Kaku Gothic Pro W3" panose="020B0300000000000000" pitchFamily="34" charset="-128"/>
-              </a:rPr>
-              <a:t>　カラオケの出現率を</a:t>
-            </a:r>
-            <a:r>
-              <a:rPr lang="en-US" altLang="ja-JP" sz="1600" dirty="0">
+              <a:rPr lang="ja-JP" altLang="en-US" sz="1500">
+                <a:latin typeface="Hiragino Kaku Gothic Pro W3" panose="020B0300000000000000" pitchFamily="34" charset="-128"/>
+                <a:ea typeface="Hiragino Kaku Gothic Pro W3" panose="020B0300000000000000" pitchFamily="34" charset="-128"/>
+              </a:rPr>
+              <a:t>　</a:t>
+            </a:r>
+            <a:r>
+              <a:rPr lang="en-US" altLang="ja-JP" sz="1500" dirty="0">
                 <a:latin typeface="Hiragino Kaku Gothic Pro W3" panose="020B0300000000000000" pitchFamily="34" charset="-128"/>
                 <a:ea typeface="Hiragino Kaku Gothic Pro W3" panose="020B0300000000000000" pitchFamily="34" charset="-128"/>
               </a:rPr>
               <a:t>USEN</a:t>
             </a:r>
             <a:r>
-              <a:rPr lang="ja-JP" altLang="en-US" sz="1600">
-                <a:latin typeface="Hiragino Kaku Gothic Pro W3" panose="020B0300000000000000" pitchFamily="34" charset="-128"/>
-                <a:ea typeface="Hiragino Kaku Gothic Pro W3" panose="020B0300000000000000" pitchFamily="34" charset="-128"/>
-              </a:rPr>
-              <a:t>の出現率で割った値（以下、比率）の上位および下位</a:t>
-            </a:r>
-            <a:r>
-              <a:rPr lang="en-US" altLang="ja-JP" sz="1600" dirty="0">
+              <a:rPr lang="ja-JP" altLang="en-US" sz="1500">
+                <a:latin typeface="Hiragino Kaku Gothic Pro W3" panose="020B0300000000000000" pitchFamily="34" charset="-128"/>
+                <a:ea typeface="Hiragino Kaku Gothic Pro W3" panose="020B0300000000000000" pitchFamily="34" charset="-128"/>
+              </a:rPr>
+              <a:t>の出現率に対するカラオケの出現率の比（以下、比率）の上位および下位</a:t>
+            </a:r>
+            <a:r>
+              <a:rPr lang="en-US" altLang="ja-JP" sz="1500" dirty="0">
                 <a:latin typeface="Hiragino Kaku Gothic Pro W3" panose="020B0300000000000000" pitchFamily="34" charset="-128"/>
                 <a:ea typeface="Hiragino Kaku Gothic Pro W3" panose="020B0300000000000000" pitchFamily="34" charset="-128"/>
               </a:rPr>
               <a:t>10</a:t>
             </a:r>
             <a:r>
-              <a:rPr lang="ja-JP" altLang="en-US" sz="1600">
+              <a:rPr lang="ja-JP" altLang="en-US" sz="1500">
                 <a:latin typeface="Hiragino Kaku Gothic Pro W3" panose="020B0300000000000000" pitchFamily="34" charset="-128"/>
                 <a:ea typeface="Hiragino Kaku Gothic Pro W3" panose="020B0300000000000000" pitchFamily="34" charset="-128"/>
               </a:rPr>
               <a:t>語を表</a:t>
             </a:r>
             <a:r>
-              <a:rPr lang="en-US" altLang="ja-JP" sz="1600" dirty="0">
+              <a:rPr lang="en-US" altLang="ja-JP" sz="1500" dirty="0">
                 <a:latin typeface="Hiragino Kaku Gothic Pro W3" panose="020B0300000000000000" pitchFamily="34" charset="-128"/>
                 <a:ea typeface="Hiragino Kaku Gothic Pro W3" panose="020B0300000000000000" pitchFamily="34" charset="-128"/>
               </a:rPr>
               <a:t>1</a:t>
             </a:r>
             <a:r>
-              <a:rPr lang="ja-JP" altLang="en-US" sz="1600">
-                <a:latin typeface="Hiragino Kaku Gothic Pro W3" panose="020B0300000000000000" pitchFamily="34" charset="-128"/>
-                <a:ea typeface="Hiragino Kaku Gothic Pro W3" panose="020B0300000000000000" pitchFamily="34" charset="-128"/>
-              </a:rPr>
-              <a:t>にまとめた。</a:t>
-            </a:r>
-            <a:endParaRPr kumimoji="1" lang="ja-JP" altLang="en-US" sz="1600" dirty="0">
+              <a:rPr lang="ja-JP" altLang="en-US" sz="1500">
+                <a:latin typeface="Hiragino Kaku Gothic Pro W3" panose="020B0300000000000000" pitchFamily="34" charset="-128"/>
+                <a:ea typeface="Hiragino Kaku Gothic Pro W3" panose="020B0300000000000000" pitchFamily="34" charset="-128"/>
+              </a:rPr>
+              <a:t>にまとめた。この表に示されている語は、</a:t>
+            </a:r>
+            <a:r>
+              <a:rPr lang="en-US" altLang="ja-JP" sz="1500" dirty="0">
+                <a:latin typeface="Hiragino Kaku Gothic Pro W3" panose="020B0300000000000000" pitchFamily="34" charset="-128"/>
+                <a:ea typeface="Hiragino Kaku Gothic Pro W3" panose="020B0300000000000000" pitchFamily="34" charset="-128"/>
+              </a:rPr>
+              <a:t>2</a:t>
+            </a:r>
+            <a:r>
+              <a:rPr lang="ja-JP" altLang="en-US" sz="1500">
+                <a:latin typeface="Hiragino Kaku Gothic Pro W3" panose="020B0300000000000000" pitchFamily="34" charset="-128"/>
+                <a:ea typeface="Hiragino Kaku Gothic Pro W3" panose="020B0300000000000000" pitchFamily="34" charset="-128"/>
+              </a:rPr>
+              <a:t>項目間で出現率の差が大きいものである。</a:t>
+            </a:r>
+            <a:endParaRPr kumimoji="1" lang="ja-JP" altLang="en-US" sz="1500" dirty="0">
               <a:latin typeface="Hiragino Kaku Gothic Pro W3" panose="020B0300000000000000" pitchFamily="34" charset="-128"/>
               <a:ea typeface="Hiragino Kaku Gothic Pro W3" panose="020B0300000000000000" pitchFamily="34" charset="-128"/>
             </a:endParaRPr>
@@ -4680,7 +4773,7 @@
           <p:nvPr/>
         </p:nvPicPr>
         <p:blipFill>
-          <a:blip r:embed="rId3"/>
+          <a:blip r:embed="rId5"/>
           <a:stretch>
             <a:fillRect/>
           </a:stretch>
@@ -4759,8 +4852,8 @@
         </p:nvSpPr>
         <p:spPr>
           <a:xfrm>
-            <a:off x="5015948" y="4733858"/>
-            <a:ext cx="4322996" cy="2129814"/>
+            <a:off x="5015948" y="4795413"/>
+            <a:ext cx="4322996" cy="2022092"/>
           </a:xfrm>
           <a:prstGeom prst="rect">
             <a:avLst/>
@@ -4788,34 +4881,6 @@
               </a:rPr>
               <a:t>おわりに</a:t>
             </a:r>
-            <a:endParaRPr lang="en-US" altLang="ja-JP" sz="1800" b="1" dirty="0">
-              <a:latin typeface="Hiragino Kaku Gothic Pro W6" panose="020B0300000000000000" pitchFamily="34" charset="-128"/>
-              <a:ea typeface="Hiragino Kaku Gothic Pro W6" panose="020B0300000000000000" pitchFamily="34" charset="-128"/>
-            </a:endParaRPr>
-          </a:p>
-          <a:p>
-            <a:pPr algn="just" latinLnBrk="1"/>
-            <a:r>
-              <a:rPr lang="ja-JP" altLang="en-US" sz="1600">
-                <a:latin typeface="Hiragino Kaku Gothic Pro W3" panose="020B0300000000000000" pitchFamily="34" charset="-128"/>
-                <a:ea typeface="Hiragino Kaku Gothic Pro W3" panose="020B0300000000000000" pitchFamily="34" charset="-128"/>
-              </a:rPr>
-              <a:t>　カラオケ・</a:t>
-            </a:r>
-            <a:r>
-              <a:rPr lang="en-US" altLang="ja-JP" sz="1600" dirty="0">
-                <a:latin typeface="Hiragino Kaku Gothic Pro W3" panose="020B0300000000000000" pitchFamily="34" charset="-128"/>
-                <a:ea typeface="Hiragino Kaku Gothic Pro W3" panose="020B0300000000000000" pitchFamily="34" charset="-128"/>
-              </a:rPr>
-              <a:t>USEN</a:t>
-            </a:r>
-            <a:r>
-              <a:rPr lang="ja-JP" altLang="en-US" sz="1600">
-                <a:latin typeface="Hiragino Kaku Gothic Pro W3" panose="020B0300000000000000" pitchFamily="34" charset="-128"/>
-                <a:ea typeface="Hiragino Kaku Gothic Pro W3" panose="020B0300000000000000" pitchFamily="34" charset="-128"/>
-              </a:rPr>
-              <a:t>ランキングの曲の歌詞に含まれる語彙の出現数を数えた結果、恋愛関連の語が多く、カラオケで歌われる歌のほうが女性目線であることが分かった。</a:t>
-            </a:r>
             <a:endParaRPr lang="en-US" altLang="ja-JP" sz="1600" dirty="0">
               <a:latin typeface="Hiragino Kaku Gothic Pro W3" panose="020B0300000000000000" pitchFamily="34" charset="-128"/>
               <a:ea typeface="Hiragino Kaku Gothic Pro W3" panose="020B0300000000000000" pitchFamily="34" charset="-128"/>
@@ -4824,65 +4889,76 @@
           <a:p>
             <a:pPr algn="just" latinLnBrk="1"/>
             <a:r>
-              <a:rPr lang="ja-JP" altLang="en-US" sz="1600">
-                <a:latin typeface="Hiragino Kaku Gothic Pro W3" panose="020B0300000000000000" pitchFamily="34" charset="-128"/>
-                <a:ea typeface="Hiragino Kaku Gothic Pro W3" panose="020B0300000000000000" pitchFamily="34" charset="-128"/>
-              </a:rPr>
-              <a:t>　本解析のために作成したプログラムを</a:t>
-            </a:r>
-            <a:r>
-              <a:rPr lang="en-US" altLang="ja-JP" sz="1600" dirty="0" err="1">
-                <a:latin typeface="Hiragino Kaku Gothic Pro W3" panose="020B0300000000000000" pitchFamily="34" charset="-128"/>
-                <a:ea typeface="Hiragino Kaku Gothic Pro W3" panose="020B0300000000000000" pitchFamily="34" charset="-128"/>
-              </a:rPr>
-              <a:t>Github</a:t>
-            </a:r>
-            <a:r>
-              <a:rPr lang="ja-JP" altLang="en-US" sz="1600">
-                <a:latin typeface="Hiragino Kaku Gothic Pro W3" panose="020B0300000000000000" pitchFamily="34" charset="-128"/>
-                <a:ea typeface="Hiragino Kaku Gothic Pro W3" panose="020B0300000000000000" pitchFamily="34" charset="-128"/>
-              </a:rPr>
-              <a:t>にて公開している。</a:t>
-            </a:r>
-            <a:r>
-              <a:rPr lang="en-US" altLang="ja-JP" sz="1600" dirty="0">
-                <a:latin typeface="Hiragino Kaku Gothic Pro W3" panose="020B0300000000000000" pitchFamily="34" charset="-128"/>
-                <a:ea typeface="Hiragino Kaku Gothic Pro W3" panose="020B0300000000000000" pitchFamily="34" charset="-128"/>
-              </a:rPr>
-              <a:t>(</a:t>
-            </a:r>
-            <a:r>
-              <a:rPr lang="en-US" altLang="ja-JP" sz="1600" dirty="0">
-                <a:latin typeface="Ricty Discord" panose="020B0509020203020207" pitchFamily="49" charset="-128"/>
-                <a:ea typeface="Ricty Discord" panose="020B0509020203020207" pitchFamily="49" charset="-128"/>
-              </a:rPr>
-              <a:t>https://</a:t>
-            </a:r>
-            <a:r>
-              <a:rPr lang="en-US" altLang="ja-JP" sz="1600" dirty="0" err="1">
-                <a:latin typeface="Ricty Discord" panose="020B0509020203020207" pitchFamily="49" charset="-128"/>
-                <a:ea typeface="Ricty Discord" panose="020B0509020203020207" pitchFamily="49" charset="-128"/>
-              </a:rPr>
-              <a:t>github.com</a:t>
-            </a:r>
-            <a:r>
-              <a:rPr lang="en-US" altLang="ja-JP" sz="1600" dirty="0">
-                <a:latin typeface="Ricty Discord" panose="020B0509020203020207" pitchFamily="49" charset="-128"/>
-                <a:ea typeface="Ricty Discord" panose="020B0509020203020207" pitchFamily="49" charset="-128"/>
-              </a:rPr>
-              <a:t>/Arthur1/linguistics</a:t>
-            </a:r>
-            <a:r>
-              <a:rPr lang="en-US" altLang="ja-JP" sz="1600" dirty="0">
-                <a:latin typeface="Hiragino Kaku Gothic Pro W3" panose="020B0300000000000000" pitchFamily="34" charset="-128"/>
-                <a:ea typeface="Hiragino Kaku Gothic Pro W3" panose="020B0300000000000000" pitchFamily="34" charset="-128"/>
-              </a:rPr>
-              <a:t>)</a:t>
-            </a:r>
-            <a:endParaRPr lang="ja-JP" altLang="en-US" sz="1600" dirty="0">
+              <a:rPr lang="ja-JP" altLang="en-US" sz="1500">
+                <a:latin typeface="Hiragino Kaku Gothic Pro W3" panose="020B0300000000000000" pitchFamily="34" charset="-128"/>
+                <a:ea typeface="Hiragino Kaku Gothic Pro W3" panose="020B0300000000000000" pitchFamily="34" charset="-128"/>
+              </a:rPr>
+              <a:t>　カラオケ・</a:t>
+            </a:r>
+            <a:r>
+              <a:rPr lang="en-US" altLang="ja-JP" sz="1500" dirty="0">
+                <a:latin typeface="Hiragino Kaku Gothic Pro W3" panose="020B0300000000000000" pitchFamily="34" charset="-128"/>
+                <a:ea typeface="Hiragino Kaku Gothic Pro W3" panose="020B0300000000000000" pitchFamily="34" charset="-128"/>
+              </a:rPr>
+              <a:t>USEN</a:t>
+            </a:r>
+            <a:r>
+              <a:rPr lang="ja-JP" altLang="en-US" sz="1500">
+                <a:latin typeface="Hiragino Kaku Gothic Pro W3" panose="020B0300000000000000" pitchFamily="34" charset="-128"/>
+                <a:ea typeface="Hiragino Kaku Gothic Pro W3" panose="020B0300000000000000" pitchFamily="34" charset="-128"/>
+              </a:rPr>
+              <a:t>ランキングの曲の歌詞に含まれる語彙の出現数を数えた結果、どちらも恋愛関連の語が多く、カラオケで歌われる歌のほうが女性目線であることが分かった。</a:t>
+            </a:r>
+            <a:endParaRPr lang="en-US" altLang="ja-JP" sz="1500" dirty="0">
               <a:latin typeface="Hiragino Kaku Gothic Pro W3" panose="020B0300000000000000" pitchFamily="34" charset="-128"/>
               <a:ea typeface="Hiragino Kaku Gothic Pro W3" panose="020B0300000000000000" pitchFamily="34" charset="-128"/>
             </a:endParaRPr>
+          </a:p>
+          <a:p>
+            <a:pPr algn="just" latinLnBrk="1"/>
+            <a:r>
+              <a:rPr lang="ja-JP" altLang="en-US" sz="1500">
+                <a:latin typeface="Hiragino Kaku Gothic Pro W3" panose="020B0300000000000000" pitchFamily="34" charset="-128"/>
+                <a:ea typeface="Hiragino Kaku Gothic Pro W3" panose="020B0300000000000000" pitchFamily="34" charset="-128"/>
+              </a:rPr>
+              <a:t>　本解析のために作成したプログラムを</a:t>
+            </a:r>
+            <a:r>
+              <a:rPr lang="en-US" altLang="ja-JP" sz="1500" dirty="0" err="1">
+                <a:latin typeface="Hiragino Kaku Gothic Pro W3" panose="020B0300000000000000" pitchFamily="34" charset="-128"/>
+                <a:ea typeface="Hiragino Kaku Gothic Pro W3" panose="020B0300000000000000" pitchFamily="34" charset="-128"/>
+              </a:rPr>
+              <a:t>Github</a:t>
+            </a:r>
+            <a:r>
+              <a:rPr lang="ja-JP" altLang="en-US" sz="1500">
+                <a:latin typeface="Hiragino Kaku Gothic Pro W3" panose="020B0300000000000000" pitchFamily="34" charset="-128"/>
+                <a:ea typeface="Hiragino Kaku Gothic Pro W3" panose="020B0300000000000000" pitchFamily="34" charset="-128"/>
+              </a:rPr>
+              <a:t>にて公開している。</a:t>
+            </a:r>
+            <a:r>
+              <a:rPr lang="en-US" altLang="ja-JP" sz="1500" dirty="0">
+                <a:latin typeface="Hiragino Kaku Gothic Pro W3" panose="020B0300000000000000" pitchFamily="34" charset="-128"/>
+                <a:ea typeface="Hiragino Kaku Gothic Pro W3" panose="020B0300000000000000" pitchFamily="34" charset="-128"/>
+              </a:rPr>
+              <a:t>(</a:t>
+            </a:r>
+            <a:r>
+              <a:rPr lang="en-US" altLang="ja-JP" sz="1500" dirty="0">
+                <a:latin typeface="Ricty Discord" panose="020B0509020203020207" pitchFamily="49" charset="-128"/>
+                <a:ea typeface="Ricty Discord" panose="020B0509020203020207" pitchFamily="49" charset="-128"/>
+                <a:hlinkClick r:id="rId6"/>
+              </a:rPr>
+              <a:t>https://github.com/Arthur1/linguistics</a:t>
+            </a:r>
+            <a:r>
+              <a:rPr lang="en-US" altLang="ja-JP" sz="1500" dirty="0">
+                <a:latin typeface="Hiragino Kaku Gothic Pro W3" panose="020B0300000000000000" pitchFamily="34" charset="-128"/>
+                <a:ea typeface="Hiragino Kaku Gothic Pro W3" panose="020B0300000000000000" pitchFamily="34" charset="-128"/>
+              </a:rPr>
+              <a:t>)</a:t>
+            </a:r>
           </a:p>
         </p:txBody>
       </p:sp>
@@ -4944,7 +5020,7 @@
           <p:nvPr/>
         </p:nvPicPr>
         <p:blipFill>
-          <a:blip r:embed="rId4"/>
+          <a:blip r:embed="rId7"/>
           <a:srcRect/>
           <a:stretch/>
         </p:blipFill>
@@ -5044,7 +5120,7 @@
           <p:nvPr>
             <p:extLst>
               <p:ext uri="{D42A27DB-BD31-4B8C-83A1-F6EECF244321}">
-                <p14:modId xmlns:p14="http://schemas.microsoft.com/office/powerpoint/2010/main" val="3421408634"/>
+                <p14:modId xmlns:p14="http://schemas.microsoft.com/office/powerpoint/2010/main" val="403233118"/>
               </p:ext>
             </p:extLst>
           </p:nvPr>
